--- a/assets/hybrid-k8s.pptx
+++ b/assets/hybrid-k8s.pptx
@@ -108,6 +108,11 @@
       </a:defRPr>
     </a:lvl9pPr>
   </p:defaultTextStyle>
+  <p:extLst>
+    <p:ext uri="{EFAFB233-063F-42B5-8137-9DF3F51BA10A}">
+      <p15:sldGuideLst xmlns:p15="http://schemas.microsoft.com/office/powerpoint/2012/main"/>
+    </p:ext>
+  </p:extLst>
 </p:presentation>
 </file>
 
@@ -4727,10 +4732,10 @@
       </p:grpSpPr>
       <p:sp>
         <p:nvSpPr>
-          <p:cNvPr id="2" name="Rectangle 1">
-            <a:extLst>
-              <a:ext uri="{FF2B5EF4-FFF2-40B4-BE49-F238E27FC236}">
-                <a16:creationId xmlns:a16="http://schemas.microsoft.com/office/drawing/2014/main" id="{9F31F404-D9AE-4445-B51B-5E73DC1C9ADA}"/>
+          <p:cNvPr id="15" name="Rectangle 14">
+            <a:extLst>
+              <a:ext uri="{FF2B5EF4-FFF2-40B4-BE49-F238E27FC236}">
+                <a16:creationId xmlns:a16="http://schemas.microsoft.com/office/drawing/2014/main" id="{B610F1CB-2A28-4627-8588-F3DC69043BAF}"/>
               </a:ext>
             </a:extLst>
           </p:cNvPr>
@@ -4739,8 +4744,8 @@
         </p:nvSpPr>
         <p:spPr>
           <a:xfrm>
-            <a:off x="193553" y="327048"/>
-            <a:ext cx="3550809" cy="6167194"/>
+            <a:off x="4438411" y="290802"/>
+            <a:ext cx="6934852" cy="6167194"/>
           </a:xfrm>
           <a:prstGeom prst="rect">
             <a:avLst/>
@@ -4771,45 +4776,10 @@
       </p:sp>
       <p:sp>
         <p:nvSpPr>
-          <p:cNvPr id="3" name="TextBox 2">
-            <a:extLst>
-              <a:ext uri="{FF2B5EF4-FFF2-40B4-BE49-F238E27FC236}">
-                <a16:creationId xmlns:a16="http://schemas.microsoft.com/office/drawing/2014/main" id="{6906F90B-1A75-48CB-964B-030F13DEE493}"/>
-              </a:ext>
-            </a:extLst>
-          </p:cNvPr>
-          <p:cNvSpPr txBox="1"/>
-          <p:nvPr/>
-        </p:nvSpPr>
-        <p:spPr>
-          <a:xfrm>
-            <a:off x="1413370" y="6169398"/>
-            <a:ext cx="1112036" cy="307777"/>
-          </a:xfrm>
-          <a:prstGeom prst="rect">
-            <a:avLst/>
-          </a:prstGeom>
-          <a:noFill/>
-        </p:spPr>
-        <p:txBody>
-          <a:bodyPr wrap="none" rtlCol="0">
-            <a:spAutoFit/>
-          </a:bodyPr>
-          <a:lstStyle/>
-          <a:p>
-            <a:r>
-              <a:rPr lang="en-US" sz="1400" dirty="0"/>
-              <a:t>On-premises</a:t>
-            </a:r>
-          </a:p>
-        </p:txBody>
-      </p:sp>
-      <p:sp>
-        <p:nvSpPr>
-          <p:cNvPr id="4" name="Rectangle 3">
-            <a:extLst>
-              <a:ext uri="{FF2B5EF4-FFF2-40B4-BE49-F238E27FC236}">
-                <a16:creationId xmlns:a16="http://schemas.microsoft.com/office/drawing/2014/main" id="{80C9877A-D777-4F93-B99F-7D08517C42AE}"/>
+          <p:cNvPr id="92" name="Rectangle 91">
+            <a:extLst>
+              <a:ext uri="{FF2B5EF4-FFF2-40B4-BE49-F238E27FC236}">
+                <a16:creationId xmlns:a16="http://schemas.microsoft.com/office/drawing/2014/main" id="{F72EC0F3-D11E-451F-98CF-6B3B9A67F76C}"/>
               </a:ext>
             </a:extLst>
           </p:cNvPr>
@@ -4818,8 +4788,8 @@
         </p:nvSpPr>
         <p:spPr>
           <a:xfrm>
-            <a:off x="320368" y="527282"/>
-            <a:ext cx="3310528" cy="1577395"/>
+            <a:off x="4538886" y="524017"/>
+            <a:ext cx="1334866" cy="1514226"/>
           </a:xfrm>
           <a:prstGeom prst="rect">
             <a:avLst/>
@@ -4853,10 +4823,10 @@
       </p:sp>
       <p:sp>
         <p:nvSpPr>
-          <p:cNvPr id="5" name="Rectangle 4">
-            <a:extLst>
-              <a:ext uri="{FF2B5EF4-FFF2-40B4-BE49-F238E27FC236}">
-                <a16:creationId xmlns:a16="http://schemas.microsoft.com/office/drawing/2014/main" id="{2F0AEC9B-1C51-4C26-BDD3-3C897A288B3A}"/>
+          <p:cNvPr id="104" name="Rectangle 103">
+            <a:extLst>
+              <a:ext uri="{FF2B5EF4-FFF2-40B4-BE49-F238E27FC236}">
+                <a16:creationId xmlns:a16="http://schemas.microsoft.com/office/drawing/2014/main" id="{66A62C99-B40C-43C3-B48A-49561583335E}"/>
               </a:ext>
             </a:extLst>
           </p:cNvPr>
@@ -4865,14 +4835,17 @@
         </p:nvSpPr>
         <p:spPr>
           <a:xfrm>
-            <a:off x="320368" y="2208132"/>
-            <a:ext cx="3310528" cy="1577395"/>
+            <a:off x="4710101" y="592411"/>
+            <a:ext cx="1093493" cy="1163098"/>
           </a:xfrm>
           <a:prstGeom prst="rect">
             <a:avLst/>
           </a:prstGeom>
           <a:ln>
-            <a:prstDash val="dashDot"/>
+            <a:solidFill>
+              <a:schemeClr val="accent3"/>
+            </a:solidFill>
+            <a:prstDash val="lgDashDotDot"/>
           </a:ln>
         </p:spPr>
         <p:style>
@@ -4900,10 +4873,10 @@
       </p:sp>
       <p:sp>
         <p:nvSpPr>
-          <p:cNvPr id="6" name="Rectangle 5">
-            <a:extLst>
-              <a:ext uri="{FF2B5EF4-FFF2-40B4-BE49-F238E27FC236}">
-                <a16:creationId xmlns:a16="http://schemas.microsoft.com/office/drawing/2014/main" id="{A6B66C73-2C6B-48F0-9BAB-DD53BE9B4E50}"/>
+          <p:cNvPr id="2" name="Rectangle 1">
+            <a:extLst>
+              <a:ext uri="{FF2B5EF4-FFF2-40B4-BE49-F238E27FC236}">
+                <a16:creationId xmlns:a16="http://schemas.microsoft.com/office/drawing/2014/main" id="{9F31F404-D9AE-4445-B51B-5E73DC1C9ADA}"/>
               </a:ext>
             </a:extLst>
           </p:cNvPr>
@@ -4912,15 +4885,12 @@
         </p:nvSpPr>
         <p:spPr>
           <a:xfrm>
-            <a:off x="341116" y="3867205"/>
-            <a:ext cx="3310528" cy="1577395"/>
-          </a:xfrm>
-          <a:prstGeom prst="rect">
-            <a:avLst/>
-          </a:prstGeom>
-          <a:ln>
-            <a:prstDash val="dashDot"/>
-          </a:ln>
+            <a:off x="193553" y="327048"/>
+            <a:ext cx="3550809" cy="6167194"/>
+          </a:xfrm>
+          <a:prstGeom prst="rect">
+            <a:avLst/>
+          </a:prstGeom>
         </p:spPr>
         <p:style>
           <a:lnRef idx="2">
@@ -4945,120 +4915,12 @@
           </a:p>
         </p:txBody>
       </p:sp>
-      <p:pic>
-        <p:nvPicPr>
-          <p:cNvPr id="7" name="Picture 6">
-            <a:extLst>
-              <a:ext uri="{FF2B5EF4-FFF2-40B4-BE49-F238E27FC236}">
-                <a16:creationId xmlns:a16="http://schemas.microsoft.com/office/drawing/2014/main" id="{7B7F2A13-776F-4447-9E23-34647C1F8F48}"/>
-              </a:ext>
-            </a:extLst>
-          </p:cNvPr>
-          <p:cNvPicPr>
-            <a:picLocks noChangeAspect="1"/>
-          </p:cNvPicPr>
-          <p:nvPr/>
-        </p:nvPicPr>
-        <p:blipFill>
-          <a:blip r:embed="rId3" cstate="print">
-            <a:extLst>
-              <a:ext uri="{28A0092B-C50C-407E-A947-70E740481C1C}">
-                <a14:useLocalDpi xmlns:a14="http://schemas.microsoft.com/office/drawing/2010/main" val="0"/>
-              </a:ext>
-            </a:extLst>
-          </a:blip>
-          <a:stretch>
-            <a:fillRect/>
-          </a:stretch>
-        </p:blipFill>
-        <p:spPr>
-          <a:xfrm>
-            <a:off x="3136310" y="5055249"/>
-            <a:ext cx="411128" cy="411128"/>
-          </a:xfrm>
-          <a:prstGeom prst="rect">
-            <a:avLst/>
-          </a:prstGeom>
-        </p:spPr>
-      </p:pic>
-      <p:pic>
-        <p:nvPicPr>
-          <p:cNvPr id="8" name="Picture 7">
-            <a:extLst>
-              <a:ext uri="{FF2B5EF4-FFF2-40B4-BE49-F238E27FC236}">
-                <a16:creationId xmlns:a16="http://schemas.microsoft.com/office/drawing/2014/main" id="{7E053558-4F51-41EA-B528-A90109FB45BB}"/>
-              </a:ext>
-            </a:extLst>
-          </p:cNvPr>
-          <p:cNvPicPr>
-            <a:picLocks noChangeAspect="1"/>
-          </p:cNvPicPr>
-          <p:nvPr/>
-        </p:nvPicPr>
-        <p:blipFill>
-          <a:blip r:embed="rId3" cstate="print">
-            <a:extLst>
-              <a:ext uri="{28A0092B-C50C-407E-A947-70E740481C1C}">
-                <a14:useLocalDpi xmlns:a14="http://schemas.microsoft.com/office/drawing/2010/main" val="0"/>
-              </a:ext>
-            </a:extLst>
-          </a:blip>
-          <a:stretch>
-            <a:fillRect/>
-          </a:stretch>
-        </p:blipFill>
-        <p:spPr>
-          <a:xfrm>
-            <a:off x="3136310" y="3374399"/>
-            <a:ext cx="411128" cy="411128"/>
-          </a:xfrm>
-          <a:prstGeom prst="rect">
-            <a:avLst/>
-          </a:prstGeom>
-        </p:spPr>
-      </p:pic>
-      <p:pic>
-        <p:nvPicPr>
-          <p:cNvPr id="9" name="Picture 8">
-            <a:extLst>
-              <a:ext uri="{FF2B5EF4-FFF2-40B4-BE49-F238E27FC236}">
-                <a16:creationId xmlns:a16="http://schemas.microsoft.com/office/drawing/2014/main" id="{C688F6D3-387C-4472-8E12-785AFF989DAA}"/>
-              </a:ext>
-            </a:extLst>
-          </p:cNvPr>
-          <p:cNvPicPr>
-            <a:picLocks noChangeAspect="1"/>
-          </p:cNvPicPr>
-          <p:nvPr/>
-        </p:nvPicPr>
-        <p:blipFill>
-          <a:blip r:embed="rId3" cstate="print">
-            <a:extLst>
-              <a:ext uri="{28A0092B-C50C-407E-A947-70E740481C1C}">
-                <a14:useLocalDpi xmlns:a14="http://schemas.microsoft.com/office/drawing/2010/main" val="0"/>
-              </a:ext>
-            </a:extLst>
-          </a:blip>
-          <a:stretch>
-            <a:fillRect/>
-          </a:stretch>
-        </p:blipFill>
-        <p:spPr>
-          <a:xfrm>
-            <a:off x="3136310" y="1696887"/>
-            <a:ext cx="411128" cy="411128"/>
-          </a:xfrm>
-          <a:prstGeom prst="rect">
-            <a:avLst/>
-          </a:prstGeom>
-        </p:spPr>
-      </p:pic>
-      <p:sp>
-        <p:nvSpPr>
-          <p:cNvPr id="10" name="TextBox 9">
-            <a:extLst>
-              <a:ext uri="{FF2B5EF4-FFF2-40B4-BE49-F238E27FC236}">
-                <a16:creationId xmlns:a16="http://schemas.microsoft.com/office/drawing/2014/main" id="{568F4152-72DC-4319-9CCC-A3EE11992A41}"/>
+      <p:sp>
+        <p:nvSpPr>
+          <p:cNvPr id="3" name="TextBox 2">
+            <a:extLst>
+              <a:ext uri="{FF2B5EF4-FFF2-40B4-BE49-F238E27FC236}">
+                <a16:creationId xmlns:a16="http://schemas.microsoft.com/office/drawing/2014/main" id="{6906F90B-1A75-48CB-964B-030F13DEE493}"/>
               </a:ext>
             </a:extLst>
           </p:cNvPr>
@@ -5067,8 +4929,8 @@
         </p:nvSpPr>
         <p:spPr>
           <a:xfrm>
-            <a:off x="320368" y="3523917"/>
-            <a:ext cx="598241" cy="261610"/>
+            <a:off x="1413370" y="6169398"/>
+            <a:ext cx="1112036" cy="307777"/>
           </a:xfrm>
           <a:prstGeom prst="rect">
             <a:avLst/>
@@ -5082,124 +4944,18 @@
           <a:lstStyle/>
           <a:p>
             <a:r>
-              <a:rPr lang="en-US" sz="1100" dirty="0"/>
-              <a:t>VNET 2</a:t>
-            </a:r>
-          </a:p>
-        </p:txBody>
-      </p:sp>
-      <p:sp>
-        <p:nvSpPr>
-          <p:cNvPr id="11" name="TextBox 10">
-            <a:extLst>
-              <a:ext uri="{FF2B5EF4-FFF2-40B4-BE49-F238E27FC236}">
-                <a16:creationId xmlns:a16="http://schemas.microsoft.com/office/drawing/2014/main" id="{634F11A6-E99F-45A4-8E6E-B9C80E1D2FE0}"/>
-              </a:ext>
-            </a:extLst>
-          </p:cNvPr>
-          <p:cNvSpPr txBox="1"/>
-          <p:nvPr/>
-        </p:nvSpPr>
-        <p:spPr>
-          <a:xfrm>
-            <a:off x="320368" y="5212554"/>
-            <a:ext cx="598241" cy="261610"/>
-          </a:xfrm>
-          <a:prstGeom prst="rect">
-            <a:avLst/>
-          </a:prstGeom>
-          <a:noFill/>
-        </p:spPr>
-        <p:txBody>
-          <a:bodyPr wrap="none" rtlCol="0">
-            <a:spAutoFit/>
-          </a:bodyPr>
-          <a:lstStyle/>
-          <a:p>
-            <a:r>
-              <a:rPr lang="en-US" sz="1100" dirty="0"/>
-              <a:t>VNET 3</a:t>
-            </a:r>
-          </a:p>
-        </p:txBody>
-      </p:sp>
-      <p:sp>
-        <p:nvSpPr>
-          <p:cNvPr id="12" name="TextBox 11">
-            <a:extLst>
-              <a:ext uri="{FF2B5EF4-FFF2-40B4-BE49-F238E27FC236}">
-                <a16:creationId xmlns:a16="http://schemas.microsoft.com/office/drawing/2014/main" id="{801FC3B1-F11D-4A6C-BE6C-C61996BE2D72}"/>
-              </a:ext>
-            </a:extLst>
-          </p:cNvPr>
-          <p:cNvSpPr txBox="1"/>
-          <p:nvPr/>
-        </p:nvSpPr>
-        <p:spPr>
-          <a:xfrm>
-            <a:off x="320368" y="1843067"/>
-            <a:ext cx="598241" cy="261610"/>
-          </a:xfrm>
-          <a:prstGeom prst="rect">
-            <a:avLst/>
-          </a:prstGeom>
-          <a:noFill/>
-        </p:spPr>
-        <p:txBody>
-          <a:bodyPr wrap="none" rtlCol="0">
-            <a:spAutoFit/>
-          </a:bodyPr>
-          <a:lstStyle/>
-          <a:p>
-            <a:r>
-              <a:rPr lang="en-US" sz="1100" dirty="0"/>
-              <a:t>VNET 1</a:t>
-            </a:r>
-          </a:p>
-        </p:txBody>
-      </p:sp>
-      <p:pic>
-        <p:nvPicPr>
-          <p:cNvPr id="13" name="Picture 12">
-            <a:extLst>
-              <a:ext uri="{FF2B5EF4-FFF2-40B4-BE49-F238E27FC236}">
-                <a16:creationId xmlns:a16="http://schemas.microsoft.com/office/drawing/2014/main" id="{98DAF2EE-B9F6-4ABF-B764-43BA0EE418B4}"/>
-              </a:ext>
-            </a:extLst>
-          </p:cNvPr>
-          <p:cNvPicPr>
-            <a:picLocks noChangeAspect="1"/>
-          </p:cNvPicPr>
-          <p:nvPr/>
-        </p:nvPicPr>
-        <p:blipFill>
-          <a:blip r:embed="rId4" cstate="print">
-            <a:extLst>
-              <a:ext uri="{28A0092B-C50C-407E-A947-70E740481C1C}">
-                <a14:useLocalDpi xmlns:a14="http://schemas.microsoft.com/office/drawing/2010/main" val="0"/>
-              </a:ext>
-            </a:extLst>
-          </a:blip>
-          <a:stretch>
-            <a:fillRect/>
-          </a:stretch>
-        </p:blipFill>
-        <p:spPr>
-          <a:xfrm>
-            <a:off x="3482271" y="1169101"/>
-            <a:ext cx="303932" cy="303932"/>
-          </a:xfrm>
-          <a:prstGeom prst="rect">
-            <a:avLst/>
-          </a:prstGeom>
-        </p:spPr>
-      </p:pic>
-      <p:sp>
-        <p:nvSpPr>
-          <p:cNvPr id="15" name="Rectangle 14">
-            <a:extLst>
-              <a:ext uri="{FF2B5EF4-FFF2-40B4-BE49-F238E27FC236}">
-                <a16:creationId xmlns:a16="http://schemas.microsoft.com/office/drawing/2014/main" id="{B610F1CB-2A28-4627-8588-F3DC69043BAF}"/>
+              <a:rPr lang="en-US" sz="1400" dirty="0"/>
+              <a:t>On-premises</a:t>
+            </a:r>
+          </a:p>
+        </p:txBody>
+      </p:sp>
+      <p:sp>
+        <p:nvSpPr>
+          <p:cNvPr id="4" name="Rectangle 3">
+            <a:extLst>
+              <a:ext uri="{FF2B5EF4-FFF2-40B4-BE49-F238E27FC236}">
+                <a16:creationId xmlns:a16="http://schemas.microsoft.com/office/drawing/2014/main" id="{80C9877A-D777-4F93-B99F-7D08517C42AE}"/>
               </a:ext>
             </a:extLst>
           </p:cNvPr>
@@ -5208,12 +4964,15 @@
         </p:nvSpPr>
         <p:spPr>
           <a:xfrm>
-            <a:off x="4438411" y="290802"/>
-            <a:ext cx="6934852" cy="6167194"/>
-          </a:xfrm>
-          <a:prstGeom prst="rect">
-            <a:avLst/>
-          </a:prstGeom>
+            <a:off x="320368" y="527282"/>
+            <a:ext cx="3310528" cy="1577395"/>
+          </a:xfrm>
+          <a:prstGeom prst="rect">
+            <a:avLst/>
+          </a:prstGeom>
+          <a:ln>
+            <a:prstDash val="dashDot"/>
+          </a:ln>
         </p:spPr>
         <p:style>
           <a:lnRef idx="2">
@@ -5240,10 +4999,10 @@
       </p:sp>
       <p:sp>
         <p:nvSpPr>
-          <p:cNvPr id="16" name="Rectangle 15">
-            <a:extLst>
-              <a:ext uri="{FF2B5EF4-FFF2-40B4-BE49-F238E27FC236}">
-                <a16:creationId xmlns:a16="http://schemas.microsoft.com/office/drawing/2014/main" id="{F1C62857-ADA6-4DAD-90CA-E449447CC06C}"/>
+          <p:cNvPr id="5" name="Rectangle 4">
+            <a:extLst>
+              <a:ext uri="{FF2B5EF4-FFF2-40B4-BE49-F238E27FC236}">
+                <a16:creationId xmlns:a16="http://schemas.microsoft.com/office/drawing/2014/main" id="{2F0AEC9B-1C51-4C26-BDD3-3C897A288B3A}"/>
               </a:ext>
             </a:extLst>
           </p:cNvPr>
@@ -5252,8 +5011,8 @@
         </p:nvSpPr>
         <p:spPr>
           <a:xfrm>
-            <a:off x="4533478" y="527282"/>
-            <a:ext cx="1334866" cy="5475168"/>
+            <a:off x="320368" y="2208132"/>
+            <a:ext cx="3310528" cy="1577395"/>
           </a:xfrm>
           <a:prstGeom prst="rect">
             <a:avLst/>
@@ -5285,12 +5044,59 @@
           </a:p>
         </p:txBody>
       </p:sp>
+      <p:sp>
+        <p:nvSpPr>
+          <p:cNvPr id="6" name="Rectangle 5">
+            <a:extLst>
+              <a:ext uri="{FF2B5EF4-FFF2-40B4-BE49-F238E27FC236}">
+                <a16:creationId xmlns:a16="http://schemas.microsoft.com/office/drawing/2014/main" id="{A6B66C73-2C6B-48F0-9BAB-DD53BE9B4E50}"/>
+              </a:ext>
+            </a:extLst>
+          </p:cNvPr>
+          <p:cNvSpPr/>
+          <p:nvPr/>
+        </p:nvSpPr>
+        <p:spPr>
+          <a:xfrm>
+            <a:off x="341116" y="3867205"/>
+            <a:ext cx="3310528" cy="1577395"/>
+          </a:xfrm>
+          <a:prstGeom prst="rect">
+            <a:avLst/>
+          </a:prstGeom>
+          <a:ln>
+            <a:prstDash val="dashDot"/>
+          </a:ln>
+        </p:spPr>
+        <p:style>
+          <a:lnRef idx="2">
+            <a:schemeClr val="accent1"/>
+          </a:lnRef>
+          <a:fillRef idx="1">
+            <a:schemeClr val="lt1"/>
+          </a:fillRef>
+          <a:effectRef idx="0">
+            <a:schemeClr val="accent1"/>
+          </a:effectRef>
+          <a:fontRef idx="minor">
+            <a:schemeClr val="dk1"/>
+          </a:fontRef>
+        </p:style>
+        <p:txBody>
+          <a:bodyPr rtlCol="0" anchor="ctr"/>
+          <a:lstStyle/>
+          <a:p>
+            <a:pPr algn="ctr"/>
+            <a:endParaRPr lang="en-US"/>
+          </a:p>
+        </p:txBody>
+      </p:sp>
       <p:pic>
         <p:nvPicPr>
-          <p:cNvPr id="14" name="Picture 13">
-            <a:extLst>
-              <a:ext uri="{FF2B5EF4-FFF2-40B4-BE49-F238E27FC236}">
-                <a16:creationId xmlns:a16="http://schemas.microsoft.com/office/drawing/2014/main" id="{9F4E812B-AF57-4EB0-B85A-FEE28B149D25}"/>
+          <p:cNvPr id="7" name="Picture 6">
+            <a:extLst>
+              <a:ext uri="{FF2B5EF4-FFF2-40B4-BE49-F238E27FC236}">
+                <a16:creationId xmlns:a16="http://schemas.microsoft.com/office/drawing/2014/main" id="{7B7F2A13-776F-4447-9E23-34647C1F8F48}"/>
               </a:ext>
             </a:extLst>
           </p:cNvPr>
@@ -5300,7 +5106,7 @@
           <p:nvPr/>
         </p:nvPicPr>
         <p:blipFill>
-          <a:blip r:embed="rId4" cstate="print">
+          <a:blip r:embed="rId3" cstate="print">
             <a:extLst>
               <a:ext uri="{28A0092B-C50C-407E-A947-70E740481C1C}">
                 <a14:useLocalDpi xmlns:a14="http://schemas.microsoft.com/office/drawing/2010/main" val="0"/>
@@ -5313,33 +5119,443 @@
         </p:blipFill>
         <p:spPr>
           <a:xfrm>
-            <a:off x="4374838" y="1164013"/>
-            <a:ext cx="303932" cy="303932"/>
+            <a:off x="3136310" y="5055249"/>
+            <a:ext cx="411128" cy="411128"/>
           </a:xfrm>
           <a:prstGeom prst="rect">
             <a:avLst/>
           </a:prstGeom>
         </p:spPr>
       </p:pic>
+      <p:pic>
+        <p:nvPicPr>
+          <p:cNvPr id="8" name="Picture 7">
+            <a:extLst>
+              <a:ext uri="{FF2B5EF4-FFF2-40B4-BE49-F238E27FC236}">
+                <a16:creationId xmlns:a16="http://schemas.microsoft.com/office/drawing/2014/main" id="{7E053558-4F51-41EA-B528-A90109FB45BB}"/>
+              </a:ext>
+            </a:extLst>
+          </p:cNvPr>
+          <p:cNvPicPr>
+            <a:picLocks noChangeAspect="1"/>
+          </p:cNvPicPr>
+          <p:nvPr/>
+        </p:nvPicPr>
+        <p:blipFill>
+          <a:blip r:embed="rId3" cstate="print">
+            <a:extLst>
+              <a:ext uri="{28A0092B-C50C-407E-A947-70E740481C1C}">
+                <a14:useLocalDpi xmlns:a14="http://schemas.microsoft.com/office/drawing/2010/main" val="0"/>
+              </a:ext>
+            </a:extLst>
+          </a:blip>
+          <a:stretch>
+            <a:fillRect/>
+          </a:stretch>
+        </p:blipFill>
+        <p:spPr>
+          <a:xfrm>
+            <a:off x="3136310" y="3374399"/>
+            <a:ext cx="411128" cy="411128"/>
+          </a:xfrm>
+          <a:prstGeom prst="rect">
+            <a:avLst/>
+          </a:prstGeom>
+        </p:spPr>
+      </p:pic>
+      <p:pic>
+        <p:nvPicPr>
+          <p:cNvPr id="9" name="Picture 8">
+            <a:extLst>
+              <a:ext uri="{FF2B5EF4-FFF2-40B4-BE49-F238E27FC236}">
+                <a16:creationId xmlns:a16="http://schemas.microsoft.com/office/drawing/2014/main" id="{C688F6D3-387C-4472-8E12-785AFF989DAA}"/>
+              </a:ext>
+            </a:extLst>
+          </p:cNvPr>
+          <p:cNvPicPr>
+            <a:picLocks noChangeAspect="1"/>
+          </p:cNvPicPr>
+          <p:nvPr/>
+        </p:nvPicPr>
+        <p:blipFill>
+          <a:blip r:embed="rId3" cstate="print">
+            <a:extLst>
+              <a:ext uri="{28A0092B-C50C-407E-A947-70E740481C1C}">
+                <a14:useLocalDpi xmlns:a14="http://schemas.microsoft.com/office/drawing/2010/main" val="0"/>
+              </a:ext>
+            </a:extLst>
+          </a:blip>
+          <a:stretch>
+            <a:fillRect/>
+          </a:stretch>
+        </p:blipFill>
+        <p:spPr>
+          <a:xfrm>
+            <a:off x="3136310" y="1696887"/>
+            <a:ext cx="411128" cy="411128"/>
+          </a:xfrm>
+          <a:prstGeom prst="rect">
+            <a:avLst/>
+          </a:prstGeom>
+        </p:spPr>
+      </p:pic>
+      <p:sp>
+        <p:nvSpPr>
+          <p:cNvPr id="10" name="TextBox 9">
+            <a:extLst>
+              <a:ext uri="{FF2B5EF4-FFF2-40B4-BE49-F238E27FC236}">
+                <a16:creationId xmlns:a16="http://schemas.microsoft.com/office/drawing/2014/main" id="{568F4152-72DC-4319-9CCC-A3EE11992A41}"/>
+              </a:ext>
+            </a:extLst>
+          </p:cNvPr>
+          <p:cNvSpPr txBox="1"/>
+          <p:nvPr/>
+        </p:nvSpPr>
+        <p:spPr>
+          <a:xfrm>
+            <a:off x="320368" y="3523917"/>
+            <a:ext cx="598241" cy="261610"/>
+          </a:xfrm>
+          <a:prstGeom prst="rect">
+            <a:avLst/>
+          </a:prstGeom>
+          <a:noFill/>
+        </p:spPr>
+        <p:txBody>
+          <a:bodyPr wrap="none" rtlCol="0">
+            <a:spAutoFit/>
+          </a:bodyPr>
+          <a:lstStyle/>
+          <a:p>
+            <a:r>
+              <a:rPr lang="en-US" sz="1100" dirty="0"/>
+              <a:t>VNET 2</a:t>
+            </a:r>
+          </a:p>
+        </p:txBody>
+      </p:sp>
+      <p:sp>
+        <p:nvSpPr>
+          <p:cNvPr id="11" name="TextBox 10">
+            <a:extLst>
+              <a:ext uri="{FF2B5EF4-FFF2-40B4-BE49-F238E27FC236}">
+                <a16:creationId xmlns:a16="http://schemas.microsoft.com/office/drawing/2014/main" id="{634F11A6-E99F-45A4-8E6E-B9C80E1D2FE0}"/>
+              </a:ext>
+            </a:extLst>
+          </p:cNvPr>
+          <p:cNvSpPr txBox="1"/>
+          <p:nvPr/>
+        </p:nvSpPr>
+        <p:spPr>
+          <a:xfrm>
+            <a:off x="320368" y="5212554"/>
+            <a:ext cx="598241" cy="261610"/>
+          </a:xfrm>
+          <a:prstGeom prst="rect">
+            <a:avLst/>
+          </a:prstGeom>
+          <a:noFill/>
+        </p:spPr>
+        <p:txBody>
+          <a:bodyPr wrap="none" rtlCol="0">
+            <a:spAutoFit/>
+          </a:bodyPr>
+          <a:lstStyle/>
+          <a:p>
+            <a:r>
+              <a:rPr lang="en-US" sz="1100" dirty="0"/>
+              <a:t>VNET 3</a:t>
+            </a:r>
+          </a:p>
+        </p:txBody>
+      </p:sp>
+      <p:sp>
+        <p:nvSpPr>
+          <p:cNvPr id="12" name="TextBox 11">
+            <a:extLst>
+              <a:ext uri="{FF2B5EF4-FFF2-40B4-BE49-F238E27FC236}">
+                <a16:creationId xmlns:a16="http://schemas.microsoft.com/office/drawing/2014/main" id="{801FC3B1-F11D-4A6C-BE6C-C61996BE2D72}"/>
+              </a:ext>
+            </a:extLst>
+          </p:cNvPr>
+          <p:cNvSpPr txBox="1"/>
+          <p:nvPr/>
+        </p:nvSpPr>
+        <p:spPr>
+          <a:xfrm>
+            <a:off x="320368" y="1843067"/>
+            <a:ext cx="598241" cy="261610"/>
+          </a:xfrm>
+          <a:prstGeom prst="rect">
+            <a:avLst/>
+          </a:prstGeom>
+          <a:noFill/>
+        </p:spPr>
+        <p:txBody>
+          <a:bodyPr wrap="none" rtlCol="0">
+            <a:spAutoFit/>
+          </a:bodyPr>
+          <a:lstStyle/>
+          <a:p>
+            <a:r>
+              <a:rPr lang="en-US" sz="1100" dirty="0"/>
+              <a:t>VNET 1</a:t>
+            </a:r>
+          </a:p>
+        </p:txBody>
+      </p:sp>
+      <p:sp>
+        <p:nvSpPr>
+          <p:cNvPr id="16" name="Rectangle 15">
+            <a:extLst>
+              <a:ext uri="{FF2B5EF4-FFF2-40B4-BE49-F238E27FC236}">
+                <a16:creationId xmlns:a16="http://schemas.microsoft.com/office/drawing/2014/main" id="{F1C62857-ADA6-4DAD-90CA-E449447CC06C}"/>
+              </a:ext>
+            </a:extLst>
+          </p:cNvPr>
+          <p:cNvSpPr/>
+          <p:nvPr/>
+        </p:nvSpPr>
+        <p:spPr>
+          <a:xfrm>
+            <a:off x="4533478" y="2704374"/>
+            <a:ext cx="1334866" cy="3298076"/>
+          </a:xfrm>
+          <a:prstGeom prst="rect">
+            <a:avLst/>
+          </a:prstGeom>
+          <a:ln>
+            <a:prstDash val="dashDot"/>
+          </a:ln>
+        </p:spPr>
+        <p:style>
+          <a:lnRef idx="2">
+            <a:schemeClr val="accent1"/>
+          </a:lnRef>
+          <a:fillRef idx="1">
+            <a:schemeClr val="lt1"/>
+          </a:fillRef>
+          <a:effectRef idx="0">
+            <a:schemeClr val="accent1"/>
+          </a:effectRef>
+          <a:fontRef idx="minor">
+            <a:schemeClr val="dk1"/>
+          </a:fontRef>
+        </p:style>
+        <p:txBody>
+          <a:bodyPr rtlCol="0" anchor="ctr"/>
+          <a:lstStyle/>
+          <a:p>
+            <a:pPr algn="ctr"/>
+            <a:endParaRPr lang="en-US"/>
+          </a:p>
+        </p:txBody>
+      </p:sp>
+      <p:sp>
+        <p:nvSpPr>
+          <p:cNvPr id="19" name="TextBox 18">
+            <a:extLst>
+              <a:ext uri="{FF2B5EF4-FFF2-40B4-BE49-F238E27FC236}">
+                <a16:creationId xmlns:a16="http://schemas.microsoft.com/office/drawing/2014/main" id="{9E94B342-AE64-42F3-B7C8-3C207DF26130}"/>
+              </a:ext>
+            </a:extLst>
+          </p:cNvPr>
+          <p:cNvSpPr txBox="1"/>
+          <p:nvPr/>
+        </p:nvSpPr>
+        <p:spPr>
+          <a:xfrm>
+            <a:off x="3913465" y="1158388"/>
+            <a:ext cx="460382" cy="261610"/>
+          </a:xfrm>
+          <a:prstGeom prst="rect">
+            <a:avLst/>
+          </a:prstGeom>
+          <a:noFill/>
+        </p:spPr>
+        <p:txBody>
+          <a:bodyPr wrap="none" rtlCol="0">
+            <a:spAutoFit/>
+          </a:bodyPr>
+          <a:lstStyle/>
+          <a:p>
+            <a:pPr algn="ctr"/>
+            <a:r>
+              <a:rPr lang="en-US" sz="1100" dirty="0"/>
+              <a:t>VPN </a:t>
+            </a:r>
+          </a:p>
+        </p:txBody>
+      </p:sp>
+      <p:sp>
+        <p:nvSpPr>
+          <p:cNvPr id="20" name="TextBox 19">
+            <a:extLst>
+              <a:ext uri="{FF2B5EF4-FFF2-40B4-BE49-F238E27FC236}">
+                <a16:creationId xmlns:a16="http://schemas.microsoft.com/office/drawing/2014/main" id="{507FB175-3627-4D06-9241-0E293AC34972}"/>
+              </a:ext>
+            </a:extLst>
+          </p:cNvPr>
+          <p:cNvSpPr txBox="1"/>
+          <p:nvPr/>
+        </p:nvSpPr>
+        <p:spPr>
+          <a:xfrm>
+            <a:off x="4533478" y="5734285"/>
+            <a:ext cx="598241" cy="261610"/>
+          </a:xfrm>
+          <a:prstGeom prst="rect">
+            <a:avLst/>
+          </a:prstGeom>
+          <a:noFill/>
+        </p:spPr>
+        <p:txBody>
+          <a:bodyPr wrap="none" rtlCol="0">
+            <a:spAutoFit/>
+          </a:bodyPr>
+          <a:lstStyle/>
+          <a:p>
+            <a:r>
+              <a:rPr lang="en-US" sz="1100" dirty="0"/>
+              <a:t>VNET 1</a:t>
+            </a:r>
+          </a:p>
+        </p:txBody>
+      </p:sp>
+      <p:sp>
+        <p:nvSpPr>
+          <p:cNvPr id="21" name="Rectangle 20">
+            <a:extLst>
+              <a:ext uri="{FF2B5EF4-FFF2-40B4-BE49-F238E27FC236}">
+                <a16:creationId xmlns:a16="http://schemas.microsoft.com/office/drawing/2014/main" id="{0BAC3DD6-D0E0-475E-8DD1-B8FF73467BCB}"/>
+              </a:ext>
+            </a:extLst>
+          </p:cNvPr>
+          <p:cNvSpPr/>
+          <p:nvPr/>
+        </p:nvSpPr>
+        <p:spPr>
+          <a:xfrm>
+            <a:off x="6634409" y="524017"/>
+            <a:ext cx="4678783" cy="5478433"/>
+          </a:xfrm>
+          <a:prstGeom prst="rect">
+            <a:avLst/>
+          </a:prstGeom>
+          <a:ln>
+            <a:prstDash val="dashDot"/>
+          </a:ln>
+        </p:spPr>
+        <p:style>
+          <a:lnRef idx="2">
+            <a:schemeClr val="accent1"/>
+          </a:lnRef>
+          <a:fillRef idx="1">
+            <a:schemeClr val="lt1"/>
+          </a:fillRef>
+          <a:effectRef idx="0">
+            <a:schemeClr val="accent1"/>
+          </a:effectRef>
+          <a:fontRef idx="minor">
+            <a:schemeClr val="dk1"/>
+          </a:fontRef>
+        </p:style>
+        <p:txBody>
+          <a:bodyPr rtlCol="0" anchor="ctr"/>
+          <a:lstStyle/>
+          <a:p>
+            <a:pPr algn="ctr"/>
+            <a:endParaRPr lang="en-US"/>
+          </a:p>
+        </p:txBody>
+      </p:sp>
+      <p:sp>
+        <p:nvSpPr>
+          <p:cNvPr id="22" name="TextBox 21">
+            <a:extLst>
+              <a:ext uri="{FF2B5EF4-FFF2-40B4-BE49-F238E27FC236}">
+                <a16:creationId xmlns:a16="http://schemas.microsoft.com/office/drawing/2014/main" id="{F67A78DD-C4C2-47D0-929F-4B4AF489E841}"/>
+              </a:ext>
+            </a:extLst>
+          </p:cNvPr>
+          <p:cNvSpPr txBox="1"/>
+          <p:nvPr/>
+        </p:nvSpPr>
+        <p:spPr>
+          <a:xfrm>
+            <a:off x="6653495" y="5745406"/>
+            <a:ext cx="1183337" cy="261610"/>
+          </a:xfrm>
+          <a:prstGeom prst="rect">
+            <a:avLst/>
+          </a:prstGeom>
+          <a:noFill/>
+        </p:spPr>
+        <p:txBody>
+          <a:bodyPr wrap="none" rtlCol="0">
+            <a:spAutoFit/>
+          </a:bodyPr>
+          <a:lstStyle/>
+          <a:p>
+            <a:r>
+              <a:rPr lang="en-US" sz="1100" dirty="0"/>
+              <a:t>Kubernetes VNET</a:t>
+            </a:r>
+          </a:p>
+        </p:txBody>
+      </p:sp>
+      <p:sp>
+        <p:nvSpPr>
+          <p:cNvPr id="27" name="TextBox 26">
+            <a:extLst>
+              <a:ext uri="{FF2B5EF4-FFF2-40B4-BE49-F238E27FC236}">
+                <a16:creationId xmlns:a16="http://schemas.microsoft.com/office/drawing/2014/main" id="{D097046A-C477-47CC-B1E0-90D6E81DF99D}"/>
+              </a:ext>
+            </a:extLst>
+          </p:cNvPr>
+          <p:cNvSpPr txBox="1"/>
+          <p:nvPr/>
+        </p:nvSpPr>
+        <p:spPr>
+          <a:xfrm>
+            <a:off x="5941837" y="1063754"/>
+            <a:ext cx="619080" cy="261610"/>
+          </a:xfrm>
+          <a:prstGeom prst="rect">
+            <a:avLst/>
+          </a:prstGeom>
+          <a:noFill/>
+        </p:spPr>
+        <p:txBody>
+          <a:bodyPr wrap="none" rtlCol="0">
+            <a:spAutoFit/>
+          </a:bodyPr>
+          <a:lstStyle/>
+          <a:p>
+            <a:pPr algn="ctr"/>
+            <a:r>
+              <a:rPr lang="en-US" sz="1100" dirty="0"/>
+              <a:t>Peering</a:t>
+            </a:r>
+          </a:p>
+        </p:txBody>
+      </p:sp>
       <p:cxnSp>
         <p:nvCxnSpPr>
-          <p:cNvPr id="18" name="Straight Arrow Connector 17">
-            <a:extLst>
-              <a:ext uri="{FF2B5EF4-FFF2-40B4-BE49-F238E27FC236}">
-                <a16:creationId xmlns:a16="http://schemas.microsoft.com/office/drawing/2014/main" id="{465459A6-6CB8-475C-A79F-DDF0999A84AF}"/>
-              </a:ext>
-            </a:extLst>
-          </p:cNvPr>
-          <p:cNvCxnSpPr>
-            <a:stCxn id="13" idx="3"/>
-            <a:endCxn id="14" idx="1"/>
-          </p:cNvCxnSpPr>
+          <p:cNvPr id="29" name="Straight Arrow Connector 28">
+            <a:extLst>
+              <a:ext uri="{FF2B5EF4-FFF2-40B4-BE49-F238E27FC236}">
+                <a16:creationId xmlns:a16="http://schemas.microsoft.com/office/drawing/2014/main" id="{B2ABD4AD-73BB-4FDA-95CC-957C356CC11A}"/>
+              </a:ext>
+            </a:extLst>
+          </p:cNvPr>
+          <p:cNvCxnSpPr/>
           <p:nvPr/>
         </p:nvCxnSpPr>
         <p:spPr>
-          <a:xfrm flipV="1">
-            <a:off x="3786203" y="1315979"/>
-            <a:ext cx="588635" cy="5088"/>
+          <a:xfrm>
+            <a:off x="5868344" y="1321067"/>
+            <a:ext cx="766065" cy="8352"/>
           </a:xfrm>
           <a:prstGeom prst="straightConnector1">
             <a:avLst/>
@@ -5366,81 +5582,10 @@
       </p:cxnSp>
       <p:sp>
         <p:nvSpPr>
-          <p:cNvPr id="19" name="TextBox 18">
-            <a:extLst>
-              <a:ext uri="{FF2B5EF4-FFF2-40B4-BE49-F238E27FC236}">
-                <a16:creationId xmlns:a16="http://schemas.microsoft.com/office/drawing/2014/main" id="{9E94B342-AE64-42F3-B7C8-3C207DF26130}"/>
-              </a:ext>
-            </a:extLst>
-          </p:cNvPr>
-          <p:cNvSpPr txBox="1"/>
-          <p:nvPr/>
-        </p:nvSpPr>
-        <p:spPr>
-          <a:xfrm>
-            <a:off x="3861202" y="1097272"/>
-            <a:ext cx="460382" cy="261610"/>
-          </a:xfrm>
-          <a:prstGeom prst="rect">
-            <a:avLst/>
-          </a:prstGeom>
-          <a:noFill/>
-        </p:spPr>
-        <p:txBody>
-          <a:bodyPr wrap="none" rtlCol="0">
-            <a:spAutoFit/>
-          </a:bodyPr>
-          <a:lstStyle/>
-          <a:p>
-            <a:pPr algn="ctr"/>
-            <a:r>
-              <a:rPr lang="en-US" sz="1100" dirty="0"/>
-              <a:t>VPN </a:t>
-            </a:r>
-          </a:p>
-        </p:txBody>
-      </p:sp>
-      <p:sp>
-        <p:nvSpPr>
-          <p:cNvPr id="20" name="TextBox 19">
-            <a:extLst>
-              <a:ext uri="{FF2B5EF4-FFF2-40B4-BE49-F238E27FC236}">
-                <a16:creationId xmlns:a16="http://schemas.microsoft.com/office/drawing/2014/main" id="{507FB175-3627-4D06-9241-0E293AC34972}"/>
-              </a:ext>
-            </a:extLst>
-          </p:cNvPr>
-          <p:cNvSpPr txBox="1"/>
-          <p:nvPr/>
-        </p:nvSpPr>
-        <p:spPr>
-          <a:xfrm>
-            <a:off x="4533478" y="5734285"/>
-            <a:ext cx="598241" cy="261610"/>
-          </a:xfrm>
-          <a:prstGeom prst="rect">
-            <a:avLst/>
-          </a:prstGeom>
-          <a:noFill/>
-        </p:spPr>
-        <p:txBody>
-          <a:bodyPr wrap="none" rtlCol="0">
-            <a:spAutoFit/>
-          </a:bodyPr>
-          <a:lstStyle/>
-          <a:p>
-            <a:r>
-              <a:rPr lang="en-US" sz="1100" dirty="0"/>
-              <a:t>VNET 1</a:t>
-            </a:r>
-          </a:p>
-        </p:txBody>
-      </p:sp>
-      <p:sp>
-        <p:nvSpPr>
-          <p:cNvPr id="21" name="Rectangle 20">
-            <a:extLst>
-              <a:ext uri="{FF2B5EF4-FFF2-40B4-BE49-F238E27FC236}">
-                <a16:creationId xmlns:a16="http://schemas.microsoft.com/office/drawing/2014/main" id="{0BAC3DD6-D0E0-475E-8DD1-B8FF73467BCB}"/>
+          <p:cNvPr id="30" name="Rectangle 29">
+            <a:extLst>
+              <a:ext uri="{FF2B5EF4-FFF2-40B4-BE49-F238E27FC236}">
+                <a16:creationId xmlns:a16="http://schemas.microsoft.com/office/drawing/2014/main" id="{03D717DC-CE5F-4D00-8A4F-742C1384771E}"/>
               </a:ext>
             </a:extLst>
           </p:cNvPr>
@@ -5449,14 +5594,17 @@
         </p:nvSpPr>
         <p:spPr>
           <a:xfrm>
-            <a:off x="6634409" y="524017"/>
-            <a:ext cx="4678783" cy="5478433"/>
+            <a:off x="8057427" y="744132"/>
+            <a:ext cx="3195695" cy="1464000"/>
           </a:xfrm>
           <a:prstGeom prst="rect">
             <a:avLst/>
           </a:prstGeom>
           <a:ln>
-            <a:prstDash val="dashDot"/>
+            <a:solidFill>
+              <a:schemeClr val="accent3"/>
+            </a:solidFill>
+            <a:prstDash val="lgDashDotDot"/>
           </a:ln>
         </p:spPr>
         <p:style>
@@ -5484,10 +5632,110 @@
       </p:sp>
       <p:sp>
         <p:nvSpPr>
-          <p:cNvPr id="22" name="TextBox 21">
-            <a:extLst>
-              <a:ext uri="{FF2B5EF4-FFF2-40B4-BE49-F238E27FC236}">
-                <a16:creationId xmlns:a16="http://schemas.microsoft.com/office/drawing/2014/main" id="{F67A78DD-C4C2-47D0-929F-4B4AF489E841}"/>
+          <p:cNvPr id="34" name="Rectangle 33">
+            <a:extLst>
+              <a:ext uri="{FF2B5EF4-FFF2-40B4-BE49-F238E27FC236}">
+                <a16:creationId xmlns:a16="http://schemas.microsoft.com/office/drawing/2014/main" id="{7885D35A-50F8-4850-B56F-18AD4B21E5EC}"/>
+              </a:ext>
+            </a:extLst>
+          </p:cNvPr>
+          <p:cNvSpPr/>
+          <p:nvPr/>
+        </p:nvSpPr>
+        <p:spPr>
+          <a:xfrm>
+            <a:off x="8057427" y="2424982"/>
+            <a:ext cx="3195695" cy="1464000"/>
+          </a:xfrm>
+          <a:prstGeom prst="rect">
+            <a:avLst/>
+          </a:prstGeom>
+          <a:ln>
+            <a:solidFill>
+              <a:schemeClr val="accent3"/>
+            </a:solidFill>
+            <a:prstDash val="lgDashDotDot"/>
+          </a:ln>
+        </p:spPr>
+        <p:style>
+          <a:lnRef idx="2">
+            <a:schemeClr val="accent1"/>
+          </a:lnRef>
+          <a:fillRef idx="1">
+            <a:schemeClr val="lt1"/>
+          </a:fillRef>
+          <a:effectRef idx="0">
+            <a:schemeClr val="accent1"/>
+          </a:effectRef>
+          <a:fontRef idx="minor">
+            <a:schemeClr val="dk1"/>
+          </a:fontRef>
+        </p:style>
+        <p:txBody>
+          <a:bodyPr rtlCol="0" anchor="ctr"/>
+          <a:lstStyle/>
+          <a:p>
+            <a:pPr algn="ctr"/>
+            <a:endParaRPr lang="en-US"/>
+          </a:p>
+        </p:txBody>
+      </p:sp>
+      <p:sp>
+        <p:nvSpPr>
+          <p:cNvPr id="35" name="Rectangle 34">
+            <a:extLst>
+              <a:ext uri="{FF2B5EF4-FFF2-40B4-BE49-F238E27FC236}">
+                <a16:creationId xmlns:a16="http://schemas.microsoft.com/office/drawing/2014/main" id="{72E45B5F-EB45-4AED-8D62-33EE91CE4047}"/>
+              </a:ext>
+            </a:extLst>
+          </p:cNvPr>
+          <p:cNvSpPr/>
+          <p:nvPr/>
+        </p:nvSpPr>
+        <p:spPr>
+          <a:xfrm>
+            <a:off x="8057427" y="4105832"/>
+            <a:ext cx="3195695" cy="1464000"/>
+          </a:xfrm>
+          <a:prstGeom prst="rect">
+            <a:avLst/>
+          </a:prstGeom>
+          <a:ln>
+            <a:solidFill>
+              <a:schemeClr val="accent3"/>
+            </a:solidFill>
+            <a:prstDash val="lgDashDotDot"/>
+          </a:ln>
+        </p:spPr>
+        <p:style>
+          <a:lnRef idx="2">
+            <a:schemeClr val="accent1"/>
+          </a:lnRef>
+          <a:fillRef idx="1">
+            <a:schemeClr val="lt1"/>
+          </a:fillRef>
+          <a:effectRef idx="0">
+            <a:schemeClr val="accent1"/>
+          </a:effectRef>
+          <a:fontRef idx="minor">
+            <a:schemeClr val="dk1"/>
+          </a:fontRef>
+        </p:style>
+        <p:txBody>
+          <a:bodyPr rtlCol="0" anchor="ctr"/>
+          <a:lstStyle/>
+          <a:p>
+            <a:pPr algn="ctr"/>
+            <a:endParaRPr lang="en-US"/>
+          </a:p>
+        </p:txBody>
+      </p:sp>
+      <p:sp>
+        <p:nvSpPr>
+          <p:cNvPr id="36" name="TextBox 35">
+            <a:extLst>
+              <a:ext uri="{FF2B5EF4-FFF2-40B4-BE49-F238E27FC236}">
+                <a16:creationId xmlns:a16="http://schemas.microsoft.com/office/drawing/2014/main" id="{570233F2-FD41-4719-B939-A32272401281}"/>
               </a:ext>
             </a:extLst>
           </p:cNvPr>
@@ -5496,8 +5744,8 @@
         </p:nvSpPr>
         <p:spPr>
           <a:xfrm>
-            <a:off x="6653495" y="5745406"/>
-            <a:ext cx="1183337" cy="261610"/>
+            <a:off x="8067363" y="1946522"/>
+            <a:ext cx="1754006" cy="261610"/>
           </a:xfrm>
           <a:prstGeom prst="rect">
             <a:avLst/>
@@ -5512,17 +5760,17 @@
           <a:p>
             <a:r>
               <a:rPr lang="en-US" sz="1100" dirty="0"/>
-              <a:t>Kubernetes VNET</a:t>
-            </a:r>
-          </a:p>
-        </p:txBody>
-      </p:sp>
-      <p:sp>
-        <p:nvSpPr>
-          <p:cNvPr id="27" name="TextBox 26">
-            <a:extLst>
-              <a:ext uri="{FF2B5EF4-FFF2-40B4-BE49-F238E27FC236}">
-                <a16:creationId xmlns:a16="http://schemas.microsoft.com/office/drawing/2014/main" id="{D097046A-C477-47CC-B1E0-90D6E81DF99D}"/>
+              <a:t>Kubernetes masters subnet</a:t>
+            </a:r>
+          </a:p>
+        </p:txBody>
+      </p:sp>
+      <p:sp>
+        <p:nvSpPr>
+          <p:cNvPr id="37" name="TextBox 36">
+            <a:extLst>
+              <a:ext uri="{FF2B5EF4-FFF2-40B4-BE49-F238E27FC236}">
+                <a16:creationId xmlns:a16="http://schemas.microsoft.com/office/drawing/2014/main" id="{552396D1-4023-46B1-B001-EF2DAE792079}"/>
               </a:ext>
             </a:extLst>
           </p:cNvPr>
@@ -5531,8 +5779,8 @@
         </p:nvSpPr>
         <p:spPr>
           <a:xfrm>
-            <a:off x="5941837" y="1063754"/>
-            <a:ext cx="619080" cy="261610"/>
+            <a:off x="8064101" y="3623963"/>
+            <a:ext cx="2105063" cy="261610"/>
           </a:xfrm>
           <a:prstGeom prst="rect">
             <a:avLst/>
@@ -5545,30 +5793,2475 @@
           </a:bodyPr>
           <a:lstStyle/>
           <a:p>
+            <a:r>
+              <a:rPr lang="en-US" sz="1100" dirty="0"/>
+              <a:t>Kubernetes nodes pool #1 subnet</a:t>
+            </a:r>
+          </a:p>
+        </p:txBody>
+      </p:sp>
+      <p:sp>
+        <p:nvSpPr>
+          <p:cNvPr id="38" name="TextBox 37">
+            <a:extLst>
+              <a:ext uri="{FF2B5EF4-FFF2-40B4-BE49-F238E27FC236}">
+                <a16:creationId xmlns:a16="http://schemas.microsoft.com/office/drawing/2014/main" id="{3EDCF0AE-A6CC-4A96-BB65-0B9974F64C5A}"/>
+              </a:ext>
+            </a:extLst>
+          </p:cNvPr>
+          <p:cNvSpPr txBox="1"/>
+          <p:nvPr/>
+        </p:nvSpPr>
+        <p:spPr>
+          <a:xfrm>
+            <a:off x="8064100" y="5308876"/>
+            <a:ext cx="2105063" cy="261610"/>
+          </a:xfrm>
+          <a:prstGeom prst="rect">
+            <a:avLst/>
+          </a:prstGeom>
+          <a:noFill/>
+        </p:spPr>
+        <p:txBody>
+          <a:bodyPr wrap="none" rtlCol="0">
+            <a:spAutoFit/>
+          </a:bodyPr>
+          <a:lstStyle/>
+          <a:p>
+            <a:r>
+              <a:rPr lang="en-US" sz="1100" dirty="0"/>
+              <a:t>Kubernetes nodes pool #2 subnet</a:t>
+            </a:r>
+          </a:p>
+        </p:txBody>
+      </p:sp>
+      <p:pic>
+        <p:nvPicPr>
+          <p:cNvPr id="40" name="Picture 39">
+            <a:extLst>
+              <a:ext uri="{FF2B5EF4-FFF2-40B4-BE49-F238E27FC236}">
+                <a16:creationId xmlns:a16="http://schemas.microsoft.com/office/drawing/2014/main" id="{DF8412F4-EF09-4E07-82AB-C4DB85DE0149}"/>
+              </a:ext>
+            </a:extLst>
+          </p:cNvPr>
+          <p:cNvPicPr>
+            <a:picLocks noChangeAspect="1"/>
+          </p:cNvPicPr>
+          <p:nvPr/>
+        </p:nvPicPr>
+        <p:blipFill>
+          <a:blip r:embed="rId4">
+            <a:duotone>
+              <a:prstClr val="black"/>
+              <a:schemeClr val="accent1">
+                <a:tint val="45000"/>
+                <a:satMod val="400000"/>
+              </a:schemeClr>
+            </a:duotone>
+            <a:extLst>
+              <a:ext uri="{28A0092B-C50C-407E-A947-70E740481C1C}">
+                <a14:useLocalDpi xmlns:a14="http://schemas.microsoft.com/office/drawing/2010/main" val="0"/>
+              </a:ext>
+            </a:extLst>
+          </a:blip>
+          <a:stretch>
+            <a:fillRect/>
+          </a:stretch>
+        </p:blipFill>
+        <p:spPr>
+          <a:xfrm>
+            <a:off x="8912202" y="950294"/>
+            <a:ext cx="531440" cy="531440"/>
+          </a:xfrm>
+          <a:prstGeom prst="rect">
+            <a:avLst/>
+          </a:prstGeom>
+        </p:spPr>
+      </p:pic>
+      <p:sp>
+        <p:nvSpPr>
+          <p:cNvPr id="43" name="Rectangle 42">
+            <a:extLst>
+              <a:ext uri="{FF2B5EF4-FFF2-40B4-BE49-F238E27FC236}">
+                <a16:creationId xmlns:a16="http://schemas.microsoft.com/office/drawing/2014/main" id="{53761709-8949-437C-84E0-474EB836DCF1}"/>
+              </a:ext>
+            </a:extLst>
+          </p:cNvPr>
+          <p:cNvSpPr/>
+          <p:nvPr/>
+        </p:nvSpPr>
+        <p:spPr>
+          <a:xfrm>
+            <a:off x="8830309" y="881032"/>
+            <a:ext cx="1802102" cy="948621"/>
+          </a:xfrm>
+          <a:prstGeom prst="rect">
+            <a:avLst/>
+          </a:prstGeom>
+          <a:noFill/>
+          <a:ln>
+            <a:solidFill>
+              <a:schemeClr val="accent1">
+                <a:lumMod val="75000"/>
+              </a:schemeClr>
+            </a:solidFill>
+            <a:prstDash val="lgDashDotDot"/>
+          </a:ln>
+        </p:spPr>
+        <p:style>
+          <a:lnRef idx="2">
+            <a:schemeClr val="accent1"/>
+          </a:lnRef>
+          <a:fillRef idx="1">
+            <a:schemeClr val="lt1"/>
+          </a:fillRef>
+          <a:effectRef idx="0">
+            <a:schemeClr val="accent1"/>
+          </a:effectRef>
+          <a:fontRef idx="minor">
+            <a:schemeClr val="dk1"/>
+          </a:fontRef>
+        </p:style>
+        <p:txBody>
+          <a:bodyPr rtlCol="0" anchor="ctr"/>
+          <a:lstStyle/>
+          <a:p>
             <a:pPr algn="ctr"/>
+            <a:endParaRPr lang="en-US"/>
+          </a:p>
+        </p:txBody>
+      </p:sp>
+      <p:sp>
+        <p:nvSpPr>
+          <p:cNvPr id="44" name="TextBox 43">
+            <a:extLst>
+              <a:ext uri="{FF2B5EF4-FFF2-40B4-BE49-F238E27FC236}">
+                <a16:creationId xmlns:a16="http://schemas.microsoft.com/office/drawing/2014/main" id="{2CA8E7EB-BE35-4809-9E53-6D2F71AFF2CC}"/>
+              </a:ext>
+            </a:extLst>
+          </p:cNvPr>
+          <p:cNvSpPr txBox="1"/>
+          <p:nvPr/>
+        </p:nvSpPr>
+        <p:spPr>
+          <a:xfrm>
+            <a:off x="8830309" y="1565621"/>
+            <a:ext cx="530915" cy="261610"/>
+          </a:xfrm>
+          <a:prstGeom prst="rect">
+            <a:avLst/>
+          </a:prstGeom>
+          <a:noFill/>
+        </p:spPr>
+        <p:txBody>
+          <a:bodyPr wrap="none" rtlCol="0">
+            <a:spAutoFit/>
+          </a:bodyPr>
+          <a:lstStyle/>
+          <a:p>
             <a:r>
               <a:rPr lang="en-US" sz="1100" dirty="0"/>
-              <a:t>Peering</a:t>
-            </a:r>
+              <a:t>VMAS</a:t>
+            </a:r>
+          </a:p>
+        </p:txBody>
+      </p:sp>
+      <p:pic>
+        <p:nvPicPr>
+          <p:cNvPr id="45" name="Picture 44">
+            <a:extLst>
+              <a:ext uri="{FF2B5EF4-FFF2-40B4-BE49-F238E27FC236}">
+                <a16:creationId xmlns:a16="http://schemas.microsoft.com/office/drawing/2014/main" id="{E63C2691-B7F9-43EC-B486-E8765E479C1D}"/>
+              </a:ext>
+            </a:extLst>
+          </p:cNvPr>
+          <p:cNvPicPr>
+            <a:picLocks noChangeAspect="1"/>
+          </p:cNvPicPr>
+          <p:nvPr/>
+        </p:nvPicPr>
+        <p:blipFill>
+          <a:blip r:embed="rId4">
+            <a:duotone>
+              <a:prstClr val="black"/>
+              <a:schemeClr val="accent1">
+                <a:tint val="45000"/>
+                <a:satMod val="400000"/>
+              </a:schemeClr>
+            </a:duotone>
+            <a:extLst>
+              <a:ext uri="{28A0092B-C50C-407E-A947-70E740481C1C}">
+                <a14:useLocalDpi xmlns:a14="http://schemas.microsoft.com/office/drawing/2010/main" val="0"/>
+              </a:ext>
+            </a:extLst>
+          </a:blip>
+          <a:stretch>
+            <a:fillRect/>
+          </a:stretch>
+        </p:blipFill>
+        <p:spPr>
+          <a:xfrm>
+            <a:off x="9471956" y="941887"/>
+            <a:ext cx="531440" cy="531440"/>
+          </a:xfrm>
+          <a:prstGeom prst="rect">
+            <a:avLst/>
+          </a:prstGeom>
+        </p:spPr>
+      </p:pic>
+      <p:pic>
+        <p:nvPicPr>
+          <p:cNvPr id="46" name="Picture 45">
+            <a:extLst>
+              <a:ext uri="{FF2B5EF4-FFF2-40B4-BE49-F238E27FC236}">
+                <a16:creationId xmlns:a16="http://schemas.microsoft.com/office/drawing/2014/main" id="{7CFE1C6A-9619-4E52-8EDD-E5645B4C1D23}"/>
+              </a:ext>
+            </a:extLst>
+          </p:cNvPr>
+          <p:cNvPicPr>
+            <a:picLocks noChangeAspect="1"/>
+          </p:cNvPicPr>
+          <p:nvPr/>
+        </p:nvPicPr>
+        <p:blipFill>
+          <a:blip r:embed="rId4">
+            <a:duotone>
+              <a:prstClr val="black"/>
+              <a:schemeClr val="accent1">
+                <a:tint val="45000"/>
+                <a:satMod val="400000"/>
+              </a:schemeClr>
+            </a:duotone>
+            <a:extLst>
+              <a:ext uri="{28A0092B-C50C-407E-A947-70E740481C1C}">
+                <a14:useLocalDpi xmlns:a14="http://schemas.microsoft.com/office/drawing/2010/main" val="0"/>
+              </a:ext>
+            </a:extLst>
+          </a:blip>
+          <a:stretch>
+            <a:fillRect/>
+          </a:stretch>
+        </p:blipFill>
+        <p:spPr>
+          <a:xfrm>
+            <a:off x="10031710" y="950239"/>
+            <a:ext cx="531440" cy="531440"/>
+          </a:xfrm>
+          <a:prstGeom prst="rect">
+            <a:avLst/>
+          </a:prstGeom>
+        </p:spPr>
+      </p:pic>
+      <p:pic>
+        <p:nvPicPr>
+          <p:cNvPr id="47" name="Picture 46">
+            <a:extLst>
+              <a:ext uri="{FF2B5EF4-FFF2-40B4-BE49-F238E27FC236}">
+                <a16:creationId xmlns:a16="http://schemas.microsoft.com/office/drawing/2014/main" id="{0E2AE5E9-4F67-4824-8D31-C8E411FFEF8C}"/>
+              </a:ext>
+            </a:extLst>
+          </p:cNvPr>
+          <p:cNvPicPr>
+            <a:picLocks noChangeAspect="1"/>
+          </p:cNvPicPr>
+          <p:nvPr/>
+        </p:nvPicPr>
+        <p:blipFill>
+          <a:blip r:embed="rId3" cstate="print">
+            <a:extLst>
+              <a:ext uri="{28A0092B-C50C-407E-A947-70E740481C1C}">
+                <a14:useLocalDpi xmlns:a14="http://schemas.microsoft.com/office/drawing/2010/main" val="0"/>
+              </a:ext>
+            </a:extLst>
+          </a:blip>
+          <a:stretch>
+            <a:fillRect/>
+          </a:stretch>
+        </p:blipFill>
+        <p:spPr>
+          <a:xfrm>
+            <a:off x="5369408" y="5586112"/>
+            <a:ext cx="411128" cy="411128"/>
+          </a:xfrm>
+          <a:prstGeom prst="rect">
+            <a:avLst/>
+          </a:prstGeom>
+        </p:spPr>
+      </p:pic>
+      <p:pic>
+        <p:nvPicPr>
+          <p:cNvPr id="48" name="Picture 47">
+            <a:extLst>
+              <a:ext uri="{FF2B5EF4-FFF2-40B4-BE49-F238E27FC236}">
+                <a16:creationId xmlns:a16="http://schemas.microsoft.com/office/drawing/2014/main" id="{347BF3A4-5E80-4607-9E35-B00B3192E3D9}"/>
+              </a:ext>
+            </a:extLst>
+          </p:cNvPr>
+          <p:cNvPicPr>
+            <a:picLocks noChangeAspect="1"/>
+          </p:cNvPicPr>
+          <p:nvPr/>
+        </p:nvPicPr>
+        <p:blipFill>
+          <a:blip r:embed="rId3" cstate="print">
+            <a:extLst>
+              <a:ext uri="{28A0092B-C50C-407E-A947-70E740481C1C}">
+                <a14:useLocalDpi xmlns:a14="http://schemas.microsoft.com/office/drawing/2010/main" val="0"/>
+              </a:ext>
+            </a:extLst>
+          </a:blip>
+          <a:stretch>
+            <a:fillRect/>
+          </a:stretch>
+        </p:blipFill>
+        <p:spPr>
+          <a:xfrm>
+            <a:off x="10826027" y="5591322"/>
+            <a:ext cx="411128" cy="411128"/>
+          </a:xfrm>
+          <a:prstGeom prst="rect">
+            <a:avLst/>
+          </a:prstGeom>
+        </p:spPr>
+      </p:pic>
+      <p:pic>
+        <p:nvPicPr>
+          <p:cNvPr id="49" name="Picture 48">
+            <a:extLst>
+              <a:ext uri="{FF2B5EF4-FFF2-40B4-BE49-F238E27FC236}">
+                <a16:creationId xmlns:a16="http://schemas.microsoft.com/office/drawing/2014/main" id="{3C7192EB-54FE-47DE-9DC4-217B30C85D0C}"/>
+              </a:ext>
+            </a:extLst>
+          </p:cNvPr>
+          <p:cNvPicPr>
+            <a:picLocks noChangeAspect="1"/>
+          </p:cNvPicPr>
+          <p:nvPr/>
+        </p:nvPicPr>
+        <p:blipFill>
+          <a:blip r:embed="rId4">
+            <a:extLst>
+              <a:ext uri="{28A0092B-C50C-407E-A947-70E740481C1C}">
+                <a14:useLocalDpi xmlns:a14="http://schemas.microsoft.com/office/drawing/2010/main" val="0"/>
+              </a:ext>
+            </a:extLst>
+          </a:blip>
+          <a:stretch>
+            <a:fillRect/>
+          </a:stretch>
+        </p:blipFill>
+        <p:spPr>
+          <a:xfrm>
+            <a:off x="8912202" y="2627648"/>
+            <a:ext cx="531440" cy="531440"/>
+          </a:xfrm>
+          <a:prstGeom prst="rect">
+            <a:avLst/>
+          </a:prstGeom>
+        </p:spPr>
+      </p:pic>
+      <p:sp>
+        <p:nvSpPr>
+          <p:cNvPr id="50" name="Rectangle 49">
+            <a:extLst>
+              <a:ext uri="{FF2B5EF4-FFF2-40B4-BE49-F238E27FC236}">
+                <a16:creationId xmlns:a16="http://schemas.microsoft.com/office/drawing/2014/main" id="{F547CC42-E5B1-46B1-A20F-89355FD91DF1}"/>
+              </a:ext>
+            </a:extLst>
+          </p:cNvPr>
+          <p:cNvSpPr/>
+          <p:nvPr/>
+        </p:nvSpPr>
+        <p:spPr>
+          <a:xfrm>
+            <a:off x="8269650" y="2558386"/>
+            <a:ext cx="2916736" cy="948621"/>
+          </a:xfrm>
+          <a:prstGeom prst="rect">
+            <a:avLst/>
+          </a:prstGeom>
+          <a:noFill/>
+          <a:ln>
+            <a:solidFill>
+              <a:schemeClr val="accent1">
+                <a:lumMod val="75000"/>
+              </a:schemeClr>
+            </a:solidFill>
+            <a:prstDash val="lgDashDotDot"/>
+          </a:ln>
+        </p:spPr>
+        <p:style>
+          <a:lnRef idx="2">
+            <a:schemeClr val="accent1"/>
+          </a:lnRef>
+          <a:fillRef idx="1">
+            <a:schemeClr val="lt1"/>
+          </a:fillRef>
+          <a:effectRef idx="0">
+            <a:schemeClr val="accent1"/>
+          </a:effectRef>
+          <a:fontRef idx="minor">
+            <a:schemeClr val="dk1"/>
+          </a:fontRef>
+        </p:style>
+        <p:txBody>
+          <a:bodyPr rtlCol="0" anchor="ctr"/>
+          <a:lstStyle/>
+          <a:p>
+            <a:pPr algn="ctr"/>
+            <a:endParaRPr lang="en-US"/>
+          </a:p>
+        </p:txBody>
+      </p:sp>
+      <p:sp>
+        <p:nvSpPr>
+          <p:cNvPr id="51" name="TextBox 50">
+            <a:extLst>
+              <a:ext uri="{FF2B5EF4-FFF2-40B4-BE49-F238E27FC236}">
+                <a16:creationId xmlns:a16="http://schemas.microsoft.com/office/drawing/2014/main" id="{FB8377AB-1E4B-43CC-903A-503B4E484793}"/>
+              </a:ext>
+            </a:extLst>
+          </p:cNvPr>
+          <p:cNvSpPr txBox="1"/>
+          <p:nvPr/>
+        </p:nvSpPr>
+        <p:spPr>
+          <a:xfrm>
+            <a:off x="8276334" y="3242975"/>
+            <a:ext cx="530915" cy="261610"/>
+          </a:xfrm>
+          <a:prstGeom prst="rect">
+            <a:avLst/>
+          </a:prstGeom>
+          <a:noFill/>
+        </p:spPr>
+        <p:txBody>
+          <a:bodyPr wrap="none" rtlCol="0">
+            <a:spAutoFit/>
+          </a:bodyPr>
+          <a:lstStyle/>
+          <a:p>
+            <a:r>
+              <a:rPr lang="en-US" sz="1100" dirty="0"/>
+              <a:t>VMAS</a:t>
+            </a:r>
+          </a:p>
+        </p:txBody>
+      </p:sp>
+      <p:pic>
+        <p:nvPicPr>
+          <p:cNvPr id="52" name="Picture 51">
+            <a:extLst>
+              <a:ext uri="{FF2B5EF4-FFF2-40B4-BE49-F238E27FC236}">
+                <a16:creationId xmlns:a16="http://schemas.microsoft.com/office/drawing/2014/main" id="{A16E2800-518E-4E39-8556-86DB759DD2D0}"/>
+              </a:ext>
+            </a:extLst>
+          </p:cNvPr>
+          <p:cNvPicPr>
+            <a:picLocks noChangeAspect="1"/>
+          </p:cNvPicPr>
+          <p:nvPr/>
+        </p:nvPicPr>
+        <p:blipFill>
+          <a:blip r:embed="rId4">
+            <a:extLst>
+              <a:ext uri="{28A0092B-C50C-407E-A947-70E740481C1C}">
+                <a14:useLocalDpi xmlns:a14="http://schemas.microsoft.com/office/drawing/2010/main" val="0"/>
+              </a:ext>
+            </a:extLst>
+          </a:blip>
+          <a:stretch>
+            <a:fillRect/>
+          </a:stretch>
+        </p:blipFill>
+        <p:spPr>
+          <a:xfrm>
+            <a:off x="9471956" y="2619241"/>
+            <a:ext cx="531440" cy="531440"/>
+          </a:xfrm>
+          <a:prstGeom prst="rect">
+            <a:avLst/>
+          </a:prstGeom>
+        </p:spPr>
+      </p:pic>
+      <p:pic>
+        <p:nvPicPr>
+          <p:cNvPr id="53" name="Picture 52">
+            <a:extLst>
+              <a:ext uri="{FF2B5EF4-FFF2-40B4-BE49-F238E27FC236}">
+                <a16:creationId xmlns:a16="http://schemas.microsoft.com/office/drawing/2014/main" id="{038A241F-99BC-4AAA-A972-793E188406DE}"/>
+              </a:ext>
+            </a:extLst>
+          </p:cNvPr>
+          <p:cNvPicPr>
+            <a:picLocks noChangeAspect="1"/>
+          </p:cNvPicPr>
+          <p:nvPr/>
+        </p:nvPicPr>
+        <p:blipFill>
+          <a:blip r:embed="rId4">
+            <a:extLst>
+              <a:ext uri="{28A0092B-C50C-407E-A947-70E740481C1C}">
+                <a14:useLocalDpi xmlns:a14="http://schemas.microsoft.com/office/drawing/2010/main" val="0"/>
+              </a:ext>
+            </a:extLst>
+          </a:blip>
+          <a:stretch>
+            <a:fillRect/>
+          </a:stretch>
+        </p:blipFill>
+        <p:spPr>
+          <a:xfrm>
+            <a:off x="10031710" y="2627593"/>
+            <a:ext cx="531440" cy="531440"/>
+          </a:xfrm>
+          <a:prstGeom prst="rect">
+            <a:avLst/>
+          </a:prstGeom>
+        </p:spPr>
+      </p:pic>
+      <p:pic>
+        <p:nvPicPr>
+          <p:cNvPr id="54" name="Picture 53">
+            <a:extLst>
+              <a:ext uri="{FF2B5EF4-FFF2-40B4-BE49-F238E27FC236}">
+                <a16:creationId xmlns:a16="http://schemas.microsoft.com/office/drawing/2014/main" id="{67057B56-0F7E-4849-AF9C-A62B4B1A9E02}"/>
+              </a:ext>
+            </a:extLst>
+          </p:cNvPr>
+          <p:cNvPicPr>
+            <a:picLocks noChangeAspect="1"/>
+          </p:cNvPicPr>
+          <p:nvPr/>
+        </p:nvPicPr>
+        <p:blipFill>
+          <a:blip r:embed="rId4">
+            <a:extLst>
+              <a:ext uri="{28A0092B-C50C-407E-A947-70E740481C1C}">
+                <a14:useLocalDpi xmlns:a14="http://schemas.microsoft.com/office/drawing/2010/main" val="0"/>
+              </a:ext>
+            </a:extLst>
+          </a:blip>
+          <a:stretch>
+            <a:fillRect/>
+          </a:stretch>
+        </p:blipFill>
+        <p:spPr>
+          <a:xfrm>
+            <a:off x="8352448" y="2627593"/>
+            <a:ext cx="531440" cy="531440"/>
+          </a:xfrm>
+          <a:prstGeom prst="rect">
+            <a:avLst/>
+          </a:prstGeom>
+        </p:spPr>
+      </p:pic>
+      <p:pic>
+        <p:nvPicPr>
+          <p:cNvPr id="55" name="Picture 54">
+            <a:extLst>
+              <a:ext uri="{FF2B5EF4-FFF2-40B4-BE49-F238E27FC236}">
+                <a16:creationId xmlns:a16="http://schemas.microsoft.com/office/drawing/2014/main" id="{A411BF4F-4306-4F95-92CF-A9C9DDC817D4}"/>
+              </a:ext>
+            </a:extLst>
+          </p:cNvPr>
+          <p:cNvPicPr>
+            <a:picLocks noChangeAspect="1"/>
+          </p:cNvPicPr>
+          <p:nvPr/>
+        </p:nvPicPr>
+        <p:blipFill>
+          <a:blip r:embed="rId4">
+            <a:extLst>
+              <a:ext uri="{28A0092B-C50C-407E-A947-70E740481C1C}">
+                <a14:useLocalDpi xmlns:a14="http://schemas.microsoft.com/office/drawing/2010/main" val="0"/>
+              </a:ext>
+            </a:extLst>
+          </a:blip>
+          <a:stretch>
+            <a:fillRect/>
+          </a:stretch>
+        </p:blipFill>
+        <p:spPr>
+          <a:xfrm>
+            <a:off x="10591464" y="2627593"/>
+            <a:ext cx="531440" cy="531440"/>
+          </a:xfrm>
+          <a:prstGeom prst="rect">
+            <a:avLst/>
+          </a:prstGeom>
+        </p:spPr>
+      </p:pic>
+      <p:pic>
+        <p:nvPicPr>
+          <p:cNvPr id="56" name="Picture 55">
+            <a:extLst>
+              <a:ext uri="{FF2B5EF4-FFF2-40B4-BE49-F238E27FC236}">
+                <a16:creationId xmlns:a16="http://schemas.microsoft.com/office/drawing/2014/main" id="{ACD728A1-10FA-4C4B-9C65-D5F949D3CA60}"/>
+              </a:ext>
+            </a:extLst>
+          </p:cNvPr>
+          <p:cNvPicPr>
+            <a:picLocks noChangeAspect="1"/>
+          </p:cNvPicPr>
+          <p:nvPr/>
+        </p:nvPicPr>
+        <p:blipFill>
+          <a:blip r:embed="rId4">
+            <a:grayscl/>
+            <a:extLst>
+              <a:ext uri="{28A0092B-C50C-407E-A947-70E740481C1C}">
+                <a14:useLocalDpi xmlns:a14="http://schemas.microsoft.com/office/drawing/2010/main" val="0"/>
+              </a:ext>
+            </a:extLst>
+          </a:blip>
+          <a:stretch>
+            <a:fillRect/>
+          </a:stretch>
+        </p:blipFill>
+        <p:spPr>
+          <a:xfrm>
+            <a:off x="8912202" y="4291482"/>
+            <a:ext cx="531440" cy="531440"/>
+          </a:xfrm>
+          <a:prstGeom prst="rect">
+            <a:avLst/>
+          </a:prstGeom>
+        </p:spPr>
+      </p:pic>
+      <p:sp>
+        <p:nvSpPr>
+          <p:cNvPr id="57" name="Rectangle 56">
+            <a:extLst>
+              <a:ext uri="{FF2B5EF4-FFF2-40B4-BE49-F238E27FC236}">
+                <a16:creationId xmlns:a16="http://schemas.microsoft.com/office/drawing/2014/main" id="{5DF6D66C-065F-4BB7-B33A-551BBA0E3D3E}"/>
+              </a:ext>
+            </a:extLst>
+          </p:cNvPr>
+          <p:cNvSpPr/>
+          <p:nvPr/>
+        </p:nvSpPr>
+        <p:spPr>
+          <a:xfrm>
+            <a:off x="8269650" y="4222220"/>
+            <a:ext cx="2916736" cy="948621"/>
+          </a:xfrm>
+          <a:prstGeom prst="rect">
+            <a:avLst/>
+          </a:prstGeom>
+          <a:noFill/>
+          <a:ln>
+            <a:solidFill>
+              <a:schemeClr val="accent1">
+                <a:lumMod val="75000"/>
+              </a:schemeClr>
+            </a:solidFill>
+            <a:prstDash val="lgDashDotDot"/>
+          </a:ln>
+        </p:spPr>
+        <p:style>
+          <a:lnRef idx="2">
+            <a:schemeClr val="accent1"/>
+          </a:lnRef>
+          <a:fillRef idx="1">
+            <a:schemeClr val="lt1"/>
+          </a:fillRef>
+          <a:effectRef idx="0">
+            <a:schemeClr val="accent1"/>
+          </a:effectRef>
+          <a:fontRef idx="minor">
+            <a:schemeClr val="dk1"/>
+          </a:fontRef>
+        </p:style>
+        <p:txBody>
+          <a:bodyPr rtlCol="0" anchor="ctr"/>
+          <a:lstStyle/>
+          <a:p>
+            <a:pPr algn="ctr"/>
+            <a:endParaRPr lang="en-US"/>
+          </a:p>
+        </p:txBody>
+      </p:sp>
+      <p:sp>
+        <p:nvSpPr>
+          <p:cNvPr id="58" name="TextBox 57">
+            <a:extLst>
+              <a:ext uri="{FF2B5EF4-FFF2-40B4-BE49-F238E27FC236}">
+                <a16:creationId xmlns:a16="http://schemas.microsoft.com/office/drawing/2014/main" id="{13A6C4D3-B3A1-4BEC-B003-B5E136E8781E}"/>
+              </a:ext>
+            </a:extLst>
+          </p:cNvPr>
+          <p:cNvSpPr txBox="1"/>
+          <p:nvPr/>
+        </p:nvSpPr>
+        <p:spPr>
+          <a:xfrm>
+            <a:off x="8276334" y="4906809"/>
+            <a:ext cx="530915" cy="261610"/>
+          </a:xfrm>
+          <a:prstGeom prst="rect">
+            <a:avLst/>
+          </a:prstGeom>
+          <a:noFill/>
+        </p:spPr>
+        <p:txBody>
+          <a:bodyPr wrap="none" rtlCol="0">
+            <a:spAutoFit/>
+          </a:bodyPr>
+          <a:lstStyle/>
+          <a:p>
+            <a:r>
+              <a:rPr lang="en-US" sz="1100" dirty="0"/>
+              <a:t>VMAS</a:t>
+            </a:r>
+          </a:p>
+        </p:txBody>
+      </p:sp>
+      <p:pic>
+        <p:nvPicPr>
+          <p:cNvPr id="59" name="Picture 58">
+            <a:extLst>
+              <a:ext uri="{FF2B5EF4-FFF2-40B4-BE49-F238E27FC236}">
+                <a16:creationId xmlns:a16="http://schemas.microsoft.com/office/drawing/2014/main" id="{D80AE75E-749F-4097-8050-8C7A61FEBF4D}"/>
+              </a:ext>
+            </a:extLst>
+          </p:cNvPr>
+          <p:cNvPicPr>
+            <a:picLocks noChangeAspect="1"/>
+          </p:cNvPicPr>
+          <p:nvPr/>
+        </p:nvPicPr>
+        <p:blipFill>
+          <a:blip r:embed="rId4">
+            <a:grayscl/>
+            <a:extLst>
+              <a:ext uri="{28A0092B-C50C-407E-A947-70E740481C1C}">
+                <a14:useLocalDpi xmlns:a14="http://schemas.microsoft.com/office/drawing/2010/main" val="0"/>
+              </a:ext>
+            </a:extLst>
+          </a:blip>
+          <a:stretch>
+            <a:fillRect/>
+          </a:stretch>
+        </p:blipFill>
+        <p:spPr>
+          <a:xfrm>
+            <a:off x="9471956" y="4283075"/>
+            <a:ext cx="531440" cy="531440"/>
+          </a:xfrm>
+          <a:prstGeom prst="rect">
+            <a:avLst/>
+          </a:prstGeom>
+        </p:spPr>
+      </p:pic>
+      <p:pic>
+        <p:nvPicPr>
+          <p:cNvPr id="60" name="Picture 59">
+            <a:extLst>
+              <a:ext uri="{FF2B5EF4-FFF2-40B4-BE49-F238E27FC236}">
+                <a16:creationId xmlns:a16="http://schemas.microsoft.com/office/drawing/2014/main" id="{41073308-5FF6-4F1B-A34B-4E3A9F5B6F81}"/>
+              </a:ext>
+            </a:extLst>
+          </p:cNvPr>
+          <p:cNvPicPr>
+            <a:picLocks noChangeAspect="1"/>
+          </p:cNvPicPr>
+          <p:nvPr/>
+        </p:nvPicPr>
+        <p:blipFill>
+          <a:blip r:embed="rId4">
+            <a:grayscl/>
+            <a:extLst>
+              <a:ext uri="{28A0092B-C50C-407E-A947-70E740481C1C}">
+                <a14:useLocalDpi xmlns:a14="http://schemas.microsoft.com/office/drawing/2010/main" val="0"/>
+              </a:ext>
+            </a:extLst>
+          </a:blip>
+          <a:stretch>
+            <a:fillRect/>
+          </a:stretch>
+        </p:blipFill>
+        <p:spPr>
+          <a:xfrm>
+            <a:off x="10031710" y="4291427"/>
+            <a:ext cx="531440" cy="531440"/>
+          </a:xfrm>
+          <a:prstGeom prst="rect">
+            <a:avLst/>
+          </a:prstGeom>
+        </p:spPr>
+      </p:pic>
+      <p:pic>
+        <p:nvPicPr>
+          <p:cNvPr id="61" name="Picture 60">
+            <a:extLst>
+              <a:ext uri="{FF2B5EF4-FFF2-40B4-BE49-F238E27FC236}">
+                <a16:creationId xmlns:a16="http://schemas.microsoft.com/office/drawing/2014/main" id="{16BAF1C6-C4D3-4923-87CC-81495DEA01C2}"/>
+              </a:ext>
+            </a:extLst>
+          </p:cNvPr>
+          <p:cNvPicPr>
+            <a:picLocks noChangeAspect="1"/>
+          </p:cNvPicPr>
+          <p:nvPr/>
+        </p:nvPicPr>
+        <p:blipFill>
+          <a:blip r:embed="rId4">
+            <a:grayscl/>
+            <a:extLst>
+              <a:ext uri="{28A0092B-C50C-407E-A947-70E740481C1C}">
+                <a14:useLocalDpi xmlns:a14="http://schemas.microsoft.com/office/drawing/2010/main" val="0"/>
+              </a:ext>
+            </a:extLst>
+          </a:blip>
+          <a:stretch>
+            <a:fillRect/>
+          </a:stretch>
+        </p:blipFill>
+        <p:spPr>
+          <a:xfrm>
+            <a:off x="8352448" y="4291427"/>
+            <a:ext cx="531440" cy="531440"/>
+          </a:xfrm>
+          <a:prstGeom prst="rect">
+            <a:avLst/>
+          </a:prstGeom>
+        </p:spPr>
+      </p:pic>
+      <p:pic>
+        <p:nvPicPr>
+          <p:cNvPr id="62" name="Picture 61">
+            <a:extLst>
+              <a:ext uri="{FF2B5EF4-FFF2-40B4-BE49-F238E27FC236}">
+                <a16:creationId xmlns:a16="http://schemas.microsoft.com/office/drawing/2014/main" id="{1FFB6EB7-694D-4238-B6F1-C6CD13C129B1}"/>
+              </a:ext>
+            </a:extLst>
+          </p:cNvPr>
+          <p:cNvPicPr>
+            <a:picLocks noChangeAspect="1"/>
+          </p:cNvPicPr>
+          <p:nvPr/>
+        </p:nvPicPr>
+        <p:blipFill>
+          <a:blip r:embed="rId4">
+            <a:grayscl/>
+            <a:extLst>
+              <a:ext uri="{28A0092B-C50C-407E-A947-70E740481C1C}">
+                <a14:useLocalDpi xmlns:a14="http://schemas.microsoft.com/office/drawing/2010/main" val="0"/>
+              </a:ext>
+            </a:extLst>
+          </a:blip>
+          <a:stretch>
+            <a:fillRect/>
+          </a:stretch>
+        </p:blipFill>
+        <p:spPr>
+          <a:xfrm>
+            <a:off x="10591464" y="4291427"/>
+            <a:ext cx="531440" cy="531440"/>
+          </a:xfrm>
+          <a:prstGeom prst="rect">
+            <a:avLst/>
+          </a:prstGeom>
+        </p:spPr>
+      </p:pic>
+      <p:pic>
+        <p:nvPicPr>
+          <p:cNvPr id="63" name="Picture 62">
+            <a:extLst>
+              <a:ext uri="{FF2B5EF4-FFF2-40B4-BE49-F238E27FC236}">
+                <a16:creationId xmlns:a16="http://schemas.microsoft.com/office/drawing/2014/main" id="{88F48A1A-15DA-402B-921D-5F8E1CF22DAC}"/>
+              </a:ext>
+            </a:extLst>
+          </p:cNvPr>
+          <p:cNvPicPr>
+            <a:picLocks noChangeAspect="1"/>
+          </p:cNvPicPr>
+          <p:nvPr/>
+        </p:nvPicPr>
+        <p:blipFill>
+          <a:blip r:embed="rId4">
+            <a:duotone>
+              <a:prstClr val="black"/>
+              <a:schemeClr val="accent1">
+                <a:tint val="45000"/>
+                <a:satMod val="400000"/>
+              </a:schemeClr>
+            </a:duotone>
+            <a:extLst>
+              <a:ext uri="{28A0092B-C50C-407E-A947-70E740481C1C}">
+                <a14:useLocalDpi xmlns:a14="http://schemas.microsoft.com/office/drawing/2010/main" val="0"/>
+              </a:ext>
+            </a:extLst>
+          </a:blip>
+          <a:stretch>
+            <a:fillRect/>
+          </a:stretch>
+        </p:blipFill>
+        <p:spPr>
+          <a:xfrm>
+            <a:off x="4652486" y="2812772"/>
+            <a:ext cx="531440" cy="531440"/>
+          </a:xfrm>
+          <a:prstGeom prst="rect">
+            <a:avLst/>
+          </a:prstGeom>
+        </p:spPr>
+      </p:pic>
+      <p:pic>
+        <p:nvPicPr>
+          <p:cNvPr id="64" name="Picture 63">
+            <a:extLst>
+              <a:ext uri="{FF2B5EF4-FFF2-40B4-BE49-F238E27FC236}">
+                <a16:creationId xmlns:a16="http://schemas.microsoft.com/office/drawing/2014/main" id="{49BE5FEA-10F4-4291-8626-21C96B05C9BC}"/>
+              </a:ext>
+            </a:extLst>
+          </p:cNvPr>
+          <p:cNvPicPr>
+            <a:picLocks noChangeAspect="1"/>
+          </p:cNvPicPr>
+          <p:nvPr/>
+        </p:nvPicPr>
+        <p:blipFill>
+          <a:blip r:embed="rId4">
+            <a:duotone>
+              <a:prstClr val="black"/>
+              <a:schemeClr val="accent1">
+                <a:tint val="45000"/>
+                <a:satMod val="400000"/>
+              </a:schemeClr>
+            </a:duotone>
+            <a:extLst>
+              <a:ext uri="{28A0092B-C50C-407E-A947-70E740481C1C}">
+                <a14:useLocalDpi xmlns:a14="http://schemas.microsoft.com/office/drawing/2010/main" val="0"/>
+              </a:ext>
+            </a:extLst>
+          </a:blip>
+          <a:stretch>
+            <a:fillRect/>
+          </a:stretch>
+        </p:blipFill>
+        <p:spPr>
+          <a:xfrm>
+            <a:off x="5202747" y="2812772"/>
+            <a:ext cx="531440" cy="531440"/>
+          </a:xfrm>
+          <a:prstGeom prst="rect">
+            <a:avLst/>
+          </a:prstGeom>
+        </p:spPr>
+      </p:pic>
+      <p:pic>
+        <p:nvPicPr>
+          <p:cNvPr id="65" name="Picture 64">
+            <a:extLst>
+              <a:ext uri="{FF2B5EF4-FFF2-40B4-BE49-F238E27FC236}">
+                <a16:creationId xmlns:a16="http://schemas.microsoft.com/office/drawing/2014/main" id="{BB263C5E-E03B-42F8-9CB7-FA0EE5BE31FF}"/>
+              </a:ext>
+            </a:extLst>
+          </p:cNvPr>
+          <p:cNvPicPr>
+            <a:picLocks noChangeAspect="1"/>
+          </p:cNvPicPr>
+          <p:nvPr/>
+        </p:nvPicPr>
+        <p:blipFill>
+          <a:blip r:embed="rId4">
+            <a:duotone>
+              <a:prstClr val="black"/>
+              <a:schemeClr val="accent1">
+                <a:tint val="45000"/>
+                <a:satMod val="400000"/>
+              </a:schemeClr>
+            </a:duotone>
+            <a:extLst>
+              <a:ext uri="{28A0092B-C50C-407E-A947-70E740481C1C}">
+                <a14:useLocalDpi xmlns:a14="http://schemas.microsoft.com/office/drawing/2010/main" val="0"/>
+              </a:ext>
+            </a:extLst>
+          </a:blip>
+          <a:stretch>
+            <a:fillRect/>
+          </a:stretch>
+        </p:blipFill>
+        <p:spPr>
+          <a:xfrm>
+            <a:off x="4652486" y="3342321"/>
+            <a:ext cx="531440" cy="531440"/>
+          </a:xfrm>
+          <a:prstGeom prst="rect">
+            <a:avLst/>
+          </a:prstGeom>
+        </p:spPr>
+      </p:pic>
+      <p:pic>
+        <p:nvPicPr>
+          <p:cNvPr id="66" name="Picture 65">
+            <a:extLst>
+              <a:ext uri="{FF2B5EF4-FFF2-40B4-BE49-F238E27FC236}">
+                <a16:creationId xmlns:a16="http://schemas.microsoft.com/office/drawing/2014/main" id="{0AAA009C-776B-46FD-91DA-E14985B36D65}"/>
+              </a:ext>
+            </a:extLst>
+          </p:cNvPr>
+          <p:cNvPicPr>
+            <a:picLocks noChangeAspect="1"/>
+          </p:cNvPicPr>
+          <p:nvPr/>
+        </p:nvPicPr>
+        <p:blipFill>
+          <a:blip r:embed="rId4">
+            <a:duotone>
+              <a:prstClr val="black"/>
+              <a:schemeClr val="accent1">
+                <a:tint val="45000"/>
+                <a:satMod val="400000"/>
+              </a:schemeClr>
+            </a:duotone>
+            <a:extLst>
+              <a:ext uri="{28A0092B-C50C-407E-A947-70E740481C1C}">
+                <a14:useLocalDpi xmlns:a14="http://schemas.microsoft.com/office/drawing/2010/main" val="0"/>
+              </a:ext>
+            </a:extLst>
+          </a:blip>
+          <a:stretch>
+            <a:fillRect/>
+          </a:stretch>
+        </p:blipFill>
+        <p:spPr>
+          <a:xfrm>
+            <a:off x="5202747" y="3342321"/>
+            <a:ext cx="531440" cy="531440"/>
+          </a:xfrm>
+          <a:prstGeom prst="rect">
+            <a:avLst/>
+          </a:prstGeom>
+        </p:spPr>
+      </p:pic>
+      <p:sp>
+        <p:nvSpPr>
+          <p:cNvPr id="67" name="Rectangle 66">
+            <a:extLst>
+              <a:ext uri="{FF2B5EF4-FFF2-40B4-BE49-F238E27FC236}">
+                <a16:creationId xmlns:a16="http://schemas.microsoft.com/office/drawing/2014/main" id="{FC83CE48-809B-41AE-B0DC-7FE50B30E6A7}"/>
+              </a:ext>
+            </a:extLst>
+          </p:cNvPr>
+          <p:cNvSpPr/>
+          <p:nvPr/>
+        </p:nvSpPr>
+        <p:spPr>
+          <a:xfrm>
+            <a:off x="4598884" y="2781511"/>
+            <a:ext cx="1195000" cy="1370335"/>
+          </a:xfrm>
+          <a:prstGeom prst="rect">
+            <a:avLst/>
+          </a:prstGeom>
+          <a:noFill/>
+          <a:ln>
+            <a:solidFill>
+              <a:schemeClr val="accent1">
+                <a:lumMod val="75000"/>
+              </a:schemeClr>
+            </a:solidFill>
+            <a:prstDash val="lgDashDotDot"/>
+          </a:ln>
+        </p:spPr>
+        <p:style>
+          <a:lnRef idx="2">
+            <a:schemeClr val="accent1"/>
+          </a:lnRef>
+          <a:fillRef idx="1">
+            <a:schemeClr val="lt1"/>
+          </a:fillRef>
+          <a:effectRef idx="0">
+            <a:schemeClr val="accent1"/>
+          </a:effectRef>
+          <a:fontRef idx="minor">
+            <a:schemeClr val="dk1"/>
+          </a:fontRef>
+        </p:style>
+        <p:txBody>
+          <a:bodyPr rtlCol="0" anchor="ctr"/>
+          <a:lstStyle/>
+          <a:p>
+            <a:pPr algn="ctr"/>
+            <a:endParaRPr lang="en-US"/>
+          </a:p>
+        </p:txBody>
+      </p:sp>
+      <p:sp>
+        <p:nvSpPr>
+          <p:cNvPr id="68" name="TextBox 67">
+            <a:extLst>
+              <a:ext uri="{FF2B5EF4-FFF2-40B4-BE49-F238E27FC236}">
+                <a16:creationId xmlns:a16="http://schemas.microsoft.com/office/drawing/2014/main" id="{5DBBD431-E7EA-44F6-9C9A-9819888EFEFE}"/>
+              </a:ext>
+            </a:extLst>
+          </p:cNvPr>
+          <p:cNvSpPr txBox="1"/>
+          <p:nvPr/>
+        </p:nvSpPr>
+        <p:spPr>
+          <a:xfrm>
+            <a:off x="4562476" y="3894478"/>
+            <a:ext cx="688009" cy="261610"/>
+          </a:xfrm>
+          <a:prstGeom prst="rect">
+            <a:avLst/>
+          </a:prstGeom>
+          <a:noFill/>
+        </p:spPr>
+        <p:txBody>
+          <a:bodyPr wrap="none" rtlCol="0">
+            <a:spAutoFit/>
+          </a:bodyPr>
+          <a:lstStyle/>
+          <a:p>
+            <a:r>
+              <a:rPr lang="en-US" sz="1100" dirty="0"/>
+              <a:t>VMSS #1</a:t>
+            </a:r>
+          </a:p>
+        </p:txBody>
+      </p:sp>
+      <p:pic>
+        <p:nvPicPr>
+          <p:cNvPr id="69" name="Picture 68">
+            <a:extLst>
+              <a:ext uri="{FF2B5EF4-FFF2-40B4-BE49-F238E27FC236}">
+                <a16:creationId xmlns:a16="http://schemas.microsoft.com/office/drawing/2014/main" id="{975F00C6-9D91-4D6E-9034-09B75FF9C089}"/>
+              </a:ext>
+            </a:extLst>
+          </p:cNvPr>
+          <p:cNvPicPr>
+            <a:picLocks noChangeAspect="1"/>
+          </p:cNvPicPr>
+          <p:nvPr/>
+        </p:nvPicPr>
+        <p:blipFill>
+          <a:blip r:embed="rId4">
+            <a:duotone>
+              <a:prstClr val="black"/>
+              <a:schemeClr val="accent1">
+                <a:tint val="45000"/>
+                <a:satMod val="400000"/>
+              </a:schemeClr>
+            </a:duotone>
+            <a:extLst>
+              <a:ext uri="{28A0092B-C50C-407E-A947-70E740481C1C}">
+                <a14:useLocalDpi xmlns:a14="http://schemas.microsoft.com/office/drawing/2010/main" val="0"/>
+              </a:ext>
+            </a:extLst>
+          </a:blip>
+          <a:stretch>
+            <a:fillRect/>
+          </a:stretch>
+        </p:blipFill>
+        <p:spPr>
+          <a:xfrm>
+            <a:off x="4658849" y="4253845"/>
+            <a:ext cx="531440" cy="531440"/>
+          </a:xfrm>
+          <a:prstGeom prst="rect">
+            <a:avLst/>
+          </a:prstGeom>
+        </p:spPr>
+      </p:pic>
+      <p:pic>
+        <p:nvPicPr>
+          <p:cNvPr id="70" name="Picture 69">
+            <a:extLst>
+              <a:ext uri="{FF2B5EF4-FFF2-40B4-BE49-F238E27FC236}">
+                <a16:creationId xmlns:a16="http://schemas.microsoft.com/office/drawing/2014/main" id="{78C64356-F9E5-4D7B-83C0-91C5A3933DAC}"/>
+              </a:ext>
+            </a:extLst>
+          </p:cNvPr>
+          <p:cNvPicPr>
+            <a:picLocks noChangeAspect="1"/>
+          </p:cNvPicPr>
+          <p:nvPr/>
+        </p:nvPicPr>
+        <p:blipFill>
+          <a:blip r:embed="rId4">
+            <a:duotone>
+              <a:prstClr val="black"/>
+              <a:schemeClr val="accent1">
+                <a:tint val="45000"/>
+                <a:satMod val="400000"/>
+              </a:schemeClr>
+            </a:duotone>
+            <a:extLst>
+              <a:ext uri="{28A0092B-C50C-407E-A947-70E740481C1C}">
+                <a14:useLocalDpi xmlns:a14="http://schemas.microsoft.com/office/drawing/2010/main" val="0"/>
+              </a:ext>
+            </a:extLst>
+          </a:blip>
+          <a:stretch>
+            <a:fillRect/>
+          </a:stretch>
+        </p:blipFill>
+        <p:spPr>
+          <a:xfrm>
+            <a:off x="5209110" y="4253845"/>
+            <a:ext cx="531440" cy="531440"/>
+          </a:xfrm>
+          <a:prstGeom prst="rect">
+            <a:avLst/>
+          </a:prstGeom>
+        </p:spPr>
+      </p:pic>
+      <p:pic>
+        <p:nvPicPr>
+          <p:cNvPr id="71" name="Picture 70">
+            <a:extLst>
+              <a:ext uri="{FF2B5EF4-FFF2-40B4-BE49-F238E27FC236}">
+                <a16:creationId xmlns:a16="http://schemas.microsoft.com/office/drawing/2014/main" id="{A0B9E36B-DFA2-4E0D-A8CC-89E7B4659354}"/>
+              </a:ext>
+            </a:extLst>
+          </p:cNvPr>
+          <p:cNvPicPr>
+            <a:picLocks noChangeAspect="1"/>
+          </p:cNvPicPr>
+          <p:nvPr/>
+        </p:nvPicPr>
+        <p:blipFill>
+          <a:blip r:embed="rId4">
+            <a:duotone>
+              <a:prstClr val="black"/>
+              <a:schemeClr val="accent1">
+                <a:tint val="45000"/>
+                <a:satMod val="400000"/>
+              </a:schemeClr>
+            </a:duotone>
+            <a:extLst>
+              <a:ext uri="{28A0092B-C50C-407E-A947-70E740481C1C}">
+                <a14:useLocalDpi xmlns:a14="http://schemas.microsoft.com/office/drawing/2010/main" val="0"/>
+              </a:ext>
+            </a:extLst>
+          </a:blip>
+          <a:stretch>
+            <a:fillRect/>
+          </a:stretch>
+        </p:blipFill>
+        <p:spPr>
+          <a:xfrm>
+            <a:off x="4658849" y="4783394"/>
+            <a:ext cx="531440" cy="531440"/>
+          </a:xfrm>
+          <a:prstGeom prst="rect">
+            <a:avLst/>
+          </a:prstGeom>
+        </p:spPr>
+      </p:pic>
+      <p:pic>
+        <p:nvPicPr>
+          <p:cNvPr id="72" name="Picture 71">
+            <a:extLst>
+              <a:ext uri="{FF2B5EF4-FFF2-40B4-BE49-F238E27FC236}">
+                <a16:creationId xmlns:a16="http://schemas.microsoft.com/office/drawing/2014/main" id="{CAAAB856-3249-44F2-8078-4E995C1CA44D}"/>
+              </a:ext>
+            </a:extLst>
+          </p:cNvPr>
+          <p:cNvPicPr>
+            <a:picLocks noChangeAspect="1"/>
+          </p:cNvPicPr>
+          <p:nvPr/>
+        </p:nvPicPr>
+        <p:blipFill>
+          <a:blip r:embed="rId4">
+            <a:duotone>
+              <a:prstClr val="black"/>
+              <a:schemeClr val="accent1">
+                <a:tint val="45000"/>
+                <a:satMod val="400000"/>
+              </a:schemeClr>
+            </a:duotone>
+            <a:extLst>
+              <a:ext uri="{28A0092B-C50C-407E-A947-70E740481C1C}">
+                <a14:useLocalDpi xmlns:a14="http://schemas.microsoft.com/office/drawing/2010/main" val="0"/>
+              </a:ext>
+            </a:extLst>
+          </a:blip>
+          <a:stretch>
+            <a:fillRect/>
+          </a:stretch>
+        </p:blipFill>
+        <p:spPr>
+          <a:xfrm>
+            <a:off x="5209110" y="4783394"/>
+            <a:ext cx="531440" cy="531440"/>
+          </a:xfrm>
+          <a:prstGeom prst="rect">
+            <a:avLst/>
+          </a:prstGeom>
+        </p:spPr>
+      </p:pic>
+      <p:sp>
+        <p:nvSpPr>
+          <p:cNvPr id="73" name="Rectangle 72">
+            <a:extLst>
+              <a:ext uri="{FF2B5EF4-FFF2-40B4-BE49-F238E27FC236}">
+                <a16:creationId xmlns:a16="http://schemas.microsoft.com/office/drawing/2014/main" id="{521BACE1-0C27-493D-B4E1-954FEB3EB768}"/>
+              </a:ext>
+            </a:extLst>
+          </p:cNvPr>
+          <p:cNvSpPr/>
+          <p:nvPr/>
+        </p:nvSpPr>
+        <p:spPr>
+          <a:xfrm>
+            <a:off x="4605247" y="4222584"/>
+            <a:ext cx="1195000" cy="1370335"/>
+          </a:xfrm>
+          <a:prstGeom prst="rect">
+            <a:avLst/>
+          </a:prstGeom>
+          <a:noFill/>
+          <a:ln>
+            <a:solidFill>
+              <a:schemeClr val="accent1">
+                <a:lumMod val="75000"/>
+              </a:schemeClr>
+            </a:solidFill>
+            <a:prstDash val="lgDashDotDot"/>
+          </a:ln>
+        </p:spPr>
+        <p:style>
+          <a:lnRef idx="2">
+            <a:schemeClr val="accent1"/>
+          </a:lnRef>
+          <a:fillRef idx="1">
+            <a:schemeClr val="lt1"/>
+          </a:fillRef>
+          <a:effectRef idx="0">
+            <a:schemeClr val="accent1"/>
+          </a:effectRef>
+          <a:fontRef idx="minor">
+            <a:schemeClr val="dk1"/>
+          </a:fontRef>
+        </p:style>
+        <p:txBody>
+          <a:bodyPr rtlCol="0" anchor="ctr"/>
+          <a:lstStyle/>
+          <a:p>
+            <a:pPr algn="ctr"/>
+            <a:endParaRPr lang="en-US"/>
+          </a:p>
+        </p:txBody>
+      </p:sp>
+      <p:sp>
+        <p:nvSpPr>
+          <p:cNvPr id="74" name="TextBox 73">
+            <a:extLst>
+              <a:ext uri="{FF2B5EF4-FFF2-40B4-BE49-F238E27FC236}">
+                <a16:creationId xmlns:a16="http://schemas.microsoft.com/office/drawing/2014/main" id="{92580689-E1C0-49DD-BA85-3621452C35F9}"/>
+              </a:ext>
+            </a:extLst>
+          </p:cNvPr>
+          <p:cNvSpPr txBox="1"/>
+          <p:nvPr/>
+        </p:nvSpPr>
+        <p:spPr>
+          <a:xfrm>
+            <a:off x="4568839" y="5335551"/>
+            <a:ext cx="688009" cy="261610"/>
+          </a:xfrm>
+          <a:prstGeom prst="rect">
+            <a:avLst/>
+          </a:prstGeom>
+          <a:noFill/>
+        </p:spPr>
+        <p:txBody>
+          <a:bodyPr wrap="none" rtlCol="0">
+            <a:spAutoFit/>
+          </a:bodyPr>
+          <a:lstStyle/>
+          <a:p>
+            <a:r>
+              <a:rPr lang="en-US" sz="1100" dirty="0"/>
+              <a:t>VMSS #2</a:t>
+            </a:r>
+          </a:p>
+        </p:txBody>
+      </p:sp>
+      <p:pic>
+        <p:nvPicPr>
+          <p:cNvPr id="76" name="Picture 75" descr="A close up of a sign&#10;&#10;Description generated with very high confidence">
+            <a:extLst>
+              <a:ext uri="{FF2B5EF4-FFF2-40B4-BE49-F238E27FC236}">
+                <a16:creationId xmlns:a16="http://schemas.microsoft.com/office/drawing/2014/main" id="{25BF055C-769D-48DE-99A2-91C375FFD256}"/>
+              </a:ext>
+            </a:extLst>
+          </p:cNvPr>
+          <p:cNvPicPr>
+            <a:picLocks noChangeAspect="1"/>
+          </p:cNvPicPr>
+          <p:nvPr/>
+        </p:nvPicPr>
+        <p:blipFill>
+          <a:blip r:embed="rId5">
+            <a:biLevel thresh="75000"/>
+            <a:extLst>
+              <a:ext uri="{28A0092B-C50C-407E-A947-70E740481C1C}">
+                <a14:useLocalDpi xmlns:a14="http://schemas.microsoft.com/office/drawing/2010/main" val="0"/>
+              </a:ext>
+            </a:extLst>
+          </a:blip>
+          <a:stretch>
+            <a:fillRect/>
+          </a:stretch>
+        </p:blipFill>
+        <p:spPr>
+          <a:xfrm>
+            <a:off x="5734145" y="3178273"/>
+            <a:ext cx="328096" cy="328096"/>
+          </a:xfrm>
+          <a:prstGeom prst="rect">
+            <a:avLst/>
+          </a:prstGeom>
+        </p:spPr>
+      </p:pic>
+      <p:pic>
+        <p:nvPicPr>
+          <p:cNvPr id="77" name="Picture 76" descr="A close up of a sign&#10;&#10;Description generated with very high confidence">
+            <a:extLst>
+              <a:ext uri="{FF2B5EF4-FFF2-40B4-BE49-F238E27FC236}">
+                <a16:creationId xmlns:a16="http://schemas.microsoft.com/office/drawing/2014/main" id="{437E43AF-E89E-4358-9DC5-D51B8696D366}"/>
+              </a:ext>
+            </a:extLst>
+          </p:cNvPr>
+          <p:cNvPicPr>
+            <a:picLocks noChangeAspect="1"/>
+          </p:cNvPicPr>
+          <p:nvPr/>
+        </p:nvPicPr>
+        <p:blipFill>
+          <a:blip r:embed="rId5">
+            <a:biLevel thresh="75000"/>
+            <a:extLst>
+              <a:ext uri="{28A0092B-C50C-407E-A947-70E740481C1C}">
+                <a14:useLocalDpi xmlns:a14="http://schemas.microsoft.com/office/drawing/2010/main" val="0"/>
+              </a:ext>
+            </a:extLst>
+          </a:blip>
+          <a:stretch>
+            <a:fillRect/>
+          </a:stretch>
+        </p:blipFill>
+        <p:spPr>
+          <a:xfrm>
+            <a:off x="5713847" y="4591885"/>
+            <a:ext cx="328096" cy="328096"/>
+          </a:xfrm>
+          <a:prstGeom prst="rect">
+            <a:avLst/>
+          </a:prstGeom>
+        </p:spPr>
+      </p:pic>
+      <p:sp>
+        <p:nvSpPr>
+          <p:cNvPr id="78" name="Cylinder 77">
+            <a:extLst>
+              <a:ext uri="{FF2B5EF4-FFF2-40B4-BE49-F238E27FC236}">
+                <a16:creationId xmlns:a16="http://schemas.microsoft.com/office/drawing/2014/main" id="{B3A2F76E-26E2-4D3B-BFA8-85876DE221E6}"/>
+              </a:ext>
+            </a:extLst>
+          </p:cNvPr>
+          <p:cNvSpPr/>
+          <p:nvPr/>
+        </p:nvSpPr>
+        <p:spPr>
+          <a:xfrm>
+            <a:off x="1530259" y="2926850"/>
+            <a:ext cx="411181" cy="546871"/>
+          </a:xfrm>
+          <a:prstGeom prst="can">
+            <a:avLst/>
+          </a:prstGeom>
+          <a:ln>
+            <a:solidFill>
+              <a:schemeClr val="tx1"/>
+            </a:solidFill>
+          </a:ln>
+        </p:spPr>
+        <p:style>
+          <a:lnRef idx="2">
+            <a:schemeClr val="accent1"/>
+          </a:lnRef>
+          <a:fillRef idx="1">
+            <a:schemeClr val="lt1"/>
+          </a:fillRef>
+          <a:effectRef idx="0">
+            <a:schemeClr val="accent1"/>
+          </a:effectRef>
+          <a:fontRef idx="minor">
+            <a:schemeClr val="dk1"/>
+          </a:fontRef>
+        </p:style>
+        <p:txBody>
+          <a:bodyPr rtlCol="0" anchor="ctr"/>
+          <a:lstStyle/>
+          <a:p>
+            <a:pPr algn="ctr"/>
+            <a:endParaRPr lang="en-US"/>
+          </a:p>
+        </p:txBody>
+      </p:sp>
+      <p:sp>
+        <p:nvSpPr>
+          <p:cNvPr id="79" name="Cylinder 78">
+            <a:extLst>
+              <a:ext uri="{FF2B5EF4-FFF2-40B4-BE49-F238E27FC236}">
+                <a16:creationId xmlns:a16="http://schemas.microsoft.com/office/drawing/2014/main" id="{4E50174C-DF76-4E80-9678-4F1924C0EB47}"/>
+              </a:ext>
+            </a:extLst>
+          </p:cNvPr>
+          <p:cNvSpPr/>
+          <p:nvPr/>
+        </p:nvSpPr>
+        <p:spPr>
+          <a:xfrm>
+            <a:off x="1986532" y="2927946"/>
+            <a:ext cx="411181" cy="546871"/>
+          </a:xfrm>
+          <a:prstGeom prst="can">
+            <a:avLst/>
+          </a:prstGeom>
+          <a:ln>
+            <a:solidFill>
+              <a:schemeClr val="tx1"/>
+            </a:solidFill>
+          </a:ln>
+        </p:spPr>
+        <p:style>
+          <a:lnRef idx="2">
+            <a:schemeClr val="accent1"/>
+          </a:lnRef>
+          <a:fillRef idx="1">
+            <a:schemeClr val="lt1"/>
+          </a:fillRef>
+          <a:effectRef idx="0">
+            <a:schemeClr val="accent1"/>
+          </a:effectRef>
+          <a:fontRef idx="minor">
+            <a:schemeClr val="dk1"/>
+          </a:fontRef>
+        </p:style>
+        <p:txBody>
+          <a:bodyPr rtlCol="0" anchor="ctr"/>
+          <a:lstStyle/>
+          <a:p>
+            <a:pPr algn="ctr"/>
+            <a:endParaRPr lang="en-US"/>
+          </a:p>
+        </p:txBody>
+      </p:sp>
+      <p:sp>
+        <p:nvSpPr>
+          <p:cNvPr id="80" name="Cylinder 79">
+            <a:extLst>
+              <a:ext uri="{FF2B5EF4-FFF2-40B4-BE49-F238E27FC236}">
+                <a16:creationId xmlns:a16="http://schemas.microsoft.com/office/drawing/2014/main" id="{3B8314E1-3F8B-4FCA-AE70-6B1DB82E3743}"/>
+              </a:ext>
+            </a:extLst>
+          </p:cNvPr>
+          <p:cNvSpPr/>
+          <p:nvPr/>
+        </p:nvSpPr>
+        <p:spPr>
+          <a:xfrm>
+            <a:off x="1529443" y="2379978"/>
+            <a:ext cx="411181" cy="546871"/>
+          </a:xfrm>
+          <a:prstGeom prst="can">
+            <a:avLst/>
+          </a:prstGeom>
+          <a:ln>
+            <a:solidFill>
+              <a:schemeClr val="tx1"/>
+            </a:solidFill>
+          </a:ln>
+        </p:spPr>
+        <p:style>
+          <a:lnRef idx="2">
+            <a:schemeClr val="accent1"/>
+          </a:lnRef>
+          <a:fillRef idx="1">
+            <a:schemeClr val="lt1"/>
+          </a:fillRef>
+          <a:effectRef idx="0">
+            <a:schemeClr val="accent1"/>
+          </a:effectRef>
+          <a:fontRef idx="minor">
+            <a:schemeClr val="dk1"/>
+          </a:fontRef>
+        </p:style>
+        <p:txBody>
+          <a:bodyPr rtlCol="0" anchor="ctr"/>
+          <a:lstStyle/>
+          <a:p>
+            <a:pPr algn="ctr"/>
+            <a:endParaRPr lang="en-US"/>
+          </a:p>
+        </p:txBody>
+      </p:sp>
+      <p:pic>
+        <p:nvPicPr>
+          <p:cNvPr id="81" name="Picture 80">
+            <a:extLst>
+              <a:ext uri="{FF2B5EF4-FFF2-40B4-BE49-F238E27FC236}">
+                <a16:creationId xmlns:a16="http://schemas.microsoft.com/office/drawing/2014/main" id="{8C7E0788-5D38-4291-988D-8E43666F3564}"/>
+              </a:ext>
+            </a:extLst>
+          </p:cNvPr>
+          <p:cNvPicPr>
+            <a:picLocks noChangeAspect="1"/>
+          </p:cNvPicPr>
+          <p:nvPr/>
+        </p:nvPicPr>
+        <p:blipFill>
+          <a:blip r:embed="rId4">
+            <a:biLevel thresh="75000"/>
+            <a:extLst>
+              <a:ext uri="{28A0092B-C50C-407E-A947-70E740481C1C}">
+                <a14:useLocalDpi xmlns:a14="http://schemas.microsoft.com/office/drawing/2010/main" val="0"/>
+              </a:ext>
+            </a:extLst>
+          </a:blip>
+          <a:stretch>
+            <a:fillRect/>
+          </a:stretch>
+        </p:blipFill>
+        <p:spPr>
+          <a:xfrm>
+            <a:off x="1000064" y="1241193"/>
+            <a:ext cx="531440" cy="531440"/>
+          </a:xfrm>
+          <a:prstGeom prst="rect">
+            <a:avLst/>
+          </a:prstGeom>
+        </p:spPr>
+      </p:pic>
+      <p:pic>
+        <p:nvPicPr>
+          <p:cNvPr id="82" name="Picture 81">
+            <a:extLst>
+              <a:ext uri="{FF2B5EF4-FFF2-40B4-BE49-F238E27FC236}">
+                <a16:creationId xmlns:a16="http://schemas.microsoft.com/office/drawing/2014/main" id="{839400D2-D492-480D-8555-4305BFB609FF}"/>
+              </a:ext>
+            </a:extLst>
+          </p:cNvPr>
+          <p:cNvPicPr>
+            <a:picLocks noChangeAspect="1"/>
+          </p:cNvPicPr>
+          <p:nvPr/>
+        </p:nvPicPr>
+        <p:blipFill>
+          <a:blip r:embed="rId4">
+            <a:biLevel thresh="75000"/>
+            <a:extLst>
+              <a:ext uri="{28A0092B-C50C-407E-A947-70E740481C1C}">
+                <a14:useLocalDpi xmlns:a14="http://schemas.microsoft.com/office/drawing/2010/main" val="0"/>
+              </a:ext>
+            </a:extLst>
+          </a:blip>
+          <a:stretch>
+            <a:fillRect/>
+          </a:stretch>
+        </p:blipFill>
+        <p:spPr>
+          <a:xfrm>
+            <a:off x="1559818" y="1232786"/>
+            <a:ext cx="531440" cy="531440"/>
+          </a:xfrm>
+          <a:prstGeom prst="rect">
+            <a:avLst/>
+          </a:prstGeom>
+        </p:spPr>
+      </p:pic>
+      <p:pic>
+        <p:nvPicPr>
+          <p:cNvPr id="83" name="Picture 82">
+            <a:extLst>
+              <a:ext uri="{FF2B5EF4-FFF2-40B4-BE49-F238E27FC236}">
+                <a16:creationId xmlns:a16="http://schemas.microsoft.com/office/drawing/2014/main" id="{4160EF3F-64E4-4D47-A398-17513E7132EA}"/>
+              </a:ext>
+            </a:extLst>
+          </p:cNvPr>
+          <p:cNvPicPr>
+            <a:picLocks noChangeAspect="1"/>
+          </p:cNvPicPr>
+          <p:nvPr/>
+        </p:nvPicPr>
+        <p:blipFill>
+          <a:blip r:embed="rId4">
+            <a:biLevel thresh="75000"/>
+            <a:extLst>
+              <a:ext uri="{28A0092B-C50C-407E-A947-70E740481C1C}">
+                <a14:useLocalDpi xmlns:a14="http://schemas.microsoft.com/office/drawing/2010/main" val="0"/>
+              </a:ext>
+            </a:extLst>
+          </a:blip>
+          <a:stretch>
+            <a:fillRect/>
+          </a:stretch>
+        </p:blipFill>
+        <p:spPr>
+          <a:xfrm>
+            <a:off x="440310" y="1241138"/>
+            <a:ext cx="531440" cy="531440"/>
+          </a:xfrm>
+          <a:prstGeom prst="rect">
+            <a:avLst/>
+          </a:prstGeom>
+        </p:spPr>
+      </p:pic>
+      <p:pic>
+        <p:nvPicPr>
+          <p:cNvPr id="84" name="Picture 83">
+            <a:extLst>
+              <a:ext uri="{FF2B5EF4-FFF2-40B4-BE49-F238E27FC236}">
+                <a16:creationId xmlns:a16="http://schemas.microsoft.com/office/drawing/2014/main" id="{15A15330-F689-4F4B-A325-323BE156D0F9}"/>
+              </a:ext>
+            </a:extLst>
+          </p:cNvPr>
+          <p:cNvPicPr>
+            <a:picLocks noChangeAspect="1"/>
+          </p:cNvPicPr>
+          <p:nvPr/>
+        </p:nvPicPr>
+        <p:blipFill>
+          <a:blip r:embed="rId4">
+            <a:biLevel thresh="75000"/>
+            <a:extLst>
+              <a:ext uri="{28A0092B-C50C-407E-A947-70E740481C1C}">
+                <a14:useLocalDpi xmlns:a14="http://schemas.microsoft.com/office/drawing/2010/main" val="0"/>
+              </a:ext>
+            </a:extLst>
+          </a:blip>
+          <a:stretch>
+            <a:fillRect/>
+          </a:stretch>
+        </p:blipFill>
+        <p:spPr>
+          <a:xfrm>
+            <a:off x="462232" y="4649585"/>
+            <a:ext cx="531440" cy="531440"/>
+          </a:xfrm>
+          <a:prstGeom prst="rect">
+            <a:avLst/>
+          </a:prstGeom>
+        </p:spPr>
+      </p:pic>
+      <p:pic>
+        <p:nvPicPr>
+          <p:cNvPr id="85" name="Picture 84">
+            <a:extLst>
+              <a:ext uri="{FF2B5EF4-FFF2-40B4-BE49-F238E27FC236}">
+                <a16:creationId xmlns:a16="http://schemas.microsoft.com/office/drawing/2014/main" id="{E1E6D68A-5063-4959-88CB-4091EF31FBE4}"/>
+              </a:ext>
+            </a:extLst>
+          </p:cNvPr>
+          <p:cNvPicPr>
+            <a:picLocks noChangeAspect="1"/>
+          </p:cNvPicPr>
+          <p:nvPr/>
+        </p:nvPicPr>
+        <p:blipFill>
+          <a:blip r:embed="rId4">
+            <a:biLevel thresh="75000"/>
+            <a:extLst>
+              <a:ext uri="{28A0092B-C50C-407E-A947-70E740481C1C}">
+                <a14:useLocalDpi xmlns:a14="http://schemas.microsoft.com/office/drawing/2010/main" val="0"/>
+              </a:ext>
+            </a:extLst>
+          </a:blip>
+          <a:stretch>
+            <a:fillRect/>
+          </a:stretch>
+        </p:blipFill>
+        <p:spPr>
+          <a:xfrm>
+            <a:off x="1203593" y="4105832"/>
+            <a:ext cx="531440" cy="531440"/>
+          </a:xfrm>
+          <a:prstGeom prst="rect">
+            <a:avLst/>
+          </a:prstGeom>
+        </p:spPr>
+      </p:pic>
+      <p:sp>
+        <p:nvSpPr>
+          <p:cNvPr id="86" name="Cylinder 85">
+            <a:extLst>
+              <a:ext uri="{FF2B5EF4-FFF2-40B4-BE49-F238E27FC236}">
+                <a16:creationId xmlns:a16="http://schemas.microsoft.com/office/drawing/2014/main" id="{C41DDC24-BDF0-44CD-A5F1-698BB97DB8E2}"/>
+              </a:ext>
+            </a:extLst>
+          </p:cNvPr>
+          <p:cNvSpPr/>
+          <p:nvPr/>
+        </p:nvSpPr>
+        <p:spPr>
+          <a:xfrm>
+            <a:off x="2852841" y="4065441"/>
+            <a:ext cx="363424" cy="483354"/>
+          </a:xfrm>
+          <a:prstGeom prst="can">
+            <a:avLst/>
+          </a:prstGeom>
+          <a:ln>
+            <a:solidFill>
+              <a:schemeClr val="tx1"/>
+            </a:solidFill>
+          </a:ln>
+        </p:spPr>
+        <p:style>
+          <a:lnRef idx="2">
+            <a:schemeClr val="accent1"/>
+          </a:lnRef>
+          <a:fillRef idx="1">
+            <a:schemeClr val="lt1"/>
+          </a:fillRef>
+          <a:effectRef idx="0">
+            <a:schemeClr val="accent1"/>
+          </a:effectRef>
+          <a:fontRef idx="minor">
+            <a:schemeClr val="dk1"/>
+          </a:fontRef>
+        </p:style>
+        <p:txBody>
+          <a:bodyPr rtlCol="0" anchor="ctr"/>
+          <a:lstStyle/>
+          <a:p>
+            <a:pPr algn="ctr"/>
+            <a:endParaRPr lang="en-US"/>
+          </a:p>
+        </p:txBody>
+      </p:sp>
+      <p:sp>
+        <p:nvSpPr>
+          <p:cNvPr id="87" name="Cylinder 86">
+            <a:extLst>
+              <a:ext uri="{FF2B5EF4-FFF2-40B4-BE49-F238E27FC236}">
+                <a16:creationId xmlns:a16="http://schemas.microsoft.com/office/drawing/2014/main" id="{F413E8B2-3681-4254-9795-9ABA912D006B}"/>
+              </a:ext>
+            </a:extLst>
+          </p:cNvPr>
+          <p:cNvSpPr/>
+          <p:nvPr/>
+        </p:nvSpPr>
+        <p:spPr>
+          <a:xfrm>
+            <a:off x="2243089" y="4809130"/>
+            <a:ext cx="363424" cy="483354"/>
+          </a:xfrm>
+          <a:prstGeom prst="can">
+            <a:avLst/>
+          </a:prstGeom>
+          <a:ln>
+            <a:solidFill>
+              <a:schemeClr val="tx1"/>
+            </a:solidFill>
+          </a:ln>
+        </p:spPr>
+        <p:style>
+          <a:lnRef idx="2">
+            <a:schemeClr val="accent1"/>
+          </a:lnRef>
+          <a:fillRef idx="1">
+            <a:schemeClr val="lt1"/>
+          </a:fillRef>
+          <a:effectRef idx="0">
+            <a:schemeClr val="accent1"/>
+          </a:effectRef>
+          <a:fontRef idx="minor">
+            <a:schemeClr val="dk1"/>
+          </a:fontRef>
+        </p:style>
+        <p:txBody>
+          <a:bodyPr rtlCol="0" anchor="ctr"/>
+          <a:lstStyle/>
+          <a:p>
+            <a:pPr algn="ctr"/>
+            <a:endParaRPr lang="en-US"/>
+          </a:p>
+        </p:txBody>
+      </p:sp>
+      <p:pic>
+        <p:nvPicPr>
+          <p:cNvPr id="88" name="Picture 87" descr="A close up of a sign&#10;&#10;Description generated with very high confidence">
+            <a:extLst>
+              <a:ext uri="{FF2B5EF4-FFF2-40B4-BE49-F238E27FC236}">
+                <a16:creationId xmlns:a16="http://schemas.microsoft.com/office/drawing/2014/main" id="{96B3E745-0D0D-4EB4-9A7A-BCFCDA465818}"/>
+              </a:ext>
+            </a:extLst>
+          </p:cNvPr>
+          <p:cNvPicPr>
+            <a:picLocks noChangeAspect="1"/>
+          </p:cNvPicPr>
+          <p:nvPr/>
+        </p:nvPicPr>
+        <p:blipFill>
+          <a:blip r:embed="rId5">
+            <a:biLevel thresh="75000"/>
+            <a:extLst>
+              <a:ext uri="{28A0092B-C50C-407E-A947-70E740481C1C}">
+                <a14:useLocalDpi xmlns:a14="http://schemas.microsoft.com/office/drawing/2010/main" val="0"/>
+              </a:ext>
+            </a:extLst>
+          </a:blip>
+          <a:stretch>
+            <a:fillRect/>
+          </a:stretch>
+        </p:blipFill>
+        <p:spPr>
+          <a:xfrm>
+            <a:off x="1816590" y="3672228"/>
+            <a:ext cx="328096" cy="328096"/>
+          </a:xfrm>
+          <a:prstGeom prst="rect">
+            <a:avLst/>
+          </a:prstGeom>
+        </p:spPr>
+      </p:pic>
+      <p:pic>
+        <p:nvPicPr>
+          <p:cNvPr id="89" name="Picture 88" descr="A close up of a sign&#10;&#10;Description generated with very high confidence">
+            <a:extLst>
+              <a:ext uri="{FF2B5EF4-FFF2-40B4-BE49-F238E27FC236}">
+                <a16:creationId xmlns:a16="http://schemas.microsoft.com/office/drawing/2014/main" id="{1729C9C7-EBCC-43FF-BD94-41E167F9C2CD}"/>
+              </a:ext>
+            </a:extLst>
+          </p:cNvPr>
+          <p:cNvPicPr>
+            <a:picLocks noChangeAspect="1"/>
+          </p:cNvPicPr>
+          <p:nvPr/>
+        </p:nvPicPr>
+        <p:blipFill>
+          <a:blip r:embed="rId5">
+            <a:biLevel thresh="75000"/>
+            <a:extLst>
+              <a:ext uri="{28A0092B-C50C-407E-A947-70E740481C1C}">
+                <a14:useLocalDpi xmlns:a14="http://schemas.microsoft.com/office/drawing/2010/main" val="0"/>
+              </a:ext>
+            </a:extLst>
+          </a:blip>
+          <a:stretch>
+            <a:fillRect/>
+          </a:stretch>
+        </p:blipFill>
+        <p:spPr>
+          <a:xfrm>
+            <a:off x="1811584" y="1982640"/>
+            <a:ext cx="328096" cy="328096"/>
+          </a:xfrm>
+          <a:prstGeom prst="rect">
+            <a:avLst/>
+          </a:prstGeom>
+        </p:spPr>
+      </p:pic>
+      <p:sp>
+        <p:nvSpPr>
+          <p:cNvPr id="90" name="Rectangle 89">
+            <a:extLst>
+              <a:ext uri="{FF2B5EF4-FFF2-40B4-BE49-F238E27FC236}">
+                <a16:creationId xmlns:a16="http://schemas.microsoft.com/office/drawing/2014/main" id="{BC923AA1-9D42-416E-B124-321EC5414865}"/>
+              </a:ext>
+            </a:extLst>
+          </p:cNvPr>
+          <p:cNvSpPr/>
+          <p:nvPr/>
+        </p:nvSpPr>
+        <p:spPr>
+          <a:xfrm>
+            <a:off x="1424738" y="2301190"/>
+            <a:ext cx="1084192" cy="1236078"/>
+          </a:xfrm>
+          <a:prstGeom prst="rect">
+            <a:avLst/>
+          </a:prstGeom>
+          <a:noFill/>
+          <a:ln>
+            <a:solidFill>
+              <a:schemeClr val="tx1"/>
+            </a:solidFill>
+            <a:prstDash val="lgDashDotDot"/>
+          </a:ln>
+        </p:spPr>
+        <p:style>
+          <a:lnRef idx="2">
+            <a:schemeClr val="accent1"/>
+          </a:lnRef>
+          <a:fillRef idx="1">
+            <a:schemeClr val="lt1"/>
+          </a:fillRef>
+          <a:effectRef idx="0">
+            <a:schemeClr val="accent1"/>
+          </a:effectRef>
+          <a:fontRef idx="minor">
+            <a:schemeClr val="dk1"/>
+          </a:fontRef>
+        </p:style>
+        <p:txBody>
+          <a:bodyPr rtlCol="0" anchor="ctr"/>
+          <a:lstStyle/>
+          <a:p>
+            <a:pPr algn="ctr"/>
+            <a:endParaRPr lang="en-US"/>
+          </a:p>
+        </p:txBody>
+      </p:sp>
+      <p:sp>
+        <p:nvSpPr>
+          <p:cNvPr id="91" name="Cylinder 90">
+            <a:extLst>
+              <a:ext uri="{FF2B5EF4-FFF2-40B4-BE49-F238E27FC236}">
+                <a16:creationId xmlns:a16="http://schemas.microsoft.com/office/drawing/2014/main" id="{1BADEDFF-6B6F-4CF0-BB41-7559F715E080}"/>
+              </a:ext>
+            </a:extLst>
+          </p:cNvPr>
+          <p:cNvSpPr/>
+          <p:nvPr/>
+        </p:nvSpPr>
+        <p:spPr>
+          <a:xfrm>
+            <a:off x="1982594" y="2392380"/>
+            <a:ext cx="411181" cy="546871"/>
+          </a:xfrm>
+          <a:prstGeom prst="can">
+            <a:avLst/>
+          </a:prstGeom>
+          <a:ln>
+            <a:solidFill>
+              <a:schemeClr val="tx1"/>
+            </a:solidFill>
+          </a:ln>
+        </p:spPr>
+        <p:style>
+          <a:lnRef idx="2">
+            <a:schemeClr val="accent1"/>
+          </a:lnRef>
+          <a:fillRef idx="1">
+            <a:schemeClr val="lt1"/>
+          </a:fillRef>
+          <a:effectRef idx="0">
+            <a:schemeClr val="accent1"/>
+          </a:effectRef>
+          <a:fontRef idx="minor">
+            <a:schemeClr val="dk1"/>
+          </a:fontRef>
+        </p:style>
+        <p:txBody>
+          <a:bodyPr rtlCol="0" anchor="ctr"/>
+          <a:lstStyle/>
+          <a:p>
+            <a:pPr algn="ctr"/>
+            <a:endParaRPr lang="en-US"/>
+          </a:p>
+        </p:txBody>
+      </p:sp>
+      <p:pic>
+        <p:nvPicPr>
+          <p:cNvPr id="95" name="Picture 94" descr="A close up of a sign&#10;&#10;Description generated with very high confidence">
+            <a:extLst>
+              <a:ext uri="{FF2B5EF4-FFF2-40B4-BE49-F238E27FC236}">
+                <a16:creationId xmlns:a16="http://schemas.microsoft.com/office/drawing/2014/main" id="{62887AB5-F3CF-42F8-B49C-0F2184BB1F06}"/>
+              </a:ext>
+            </a:extLst>
+          </p:cNvPr>
+          <p:cNvPicPr>
+            <a:picLocks noChangeAspect="1"/>
+          </p:cNvPicPr>
+          <p:nvPr/>
+        </p:nvPicPr>
+        <p:blipFill>
+          <a:blip r:embed="rId5">
+            <a:biLevel thresh="75000"/>
+            <a:extLst>
+              <a:ext uri="{28A0092B-C50C-407E-A947-70E740481C1C}">
+                <a14:useLocalDpi xmlns:a14="http://schemas.microsoft.com/office/drawing/2010/main" val="0"/>
+              </a:ext>
+            </a:extLst>
+          </a:blip>
+          <a:stretch>
+            <a:fillRect/>
+          </a:stretch>
+        </p:blipFill>
+        <p:spPr>
+          <a:xfrm>
+            <a:off x="7901050" y="2696022"/>
+            <a:ext cx="328096" cy="328096"/>
+          </a:xfrm>
+          <a:prstGeom prst="rect">
+            <a:avLst/>
+          </a:prstGeom>
+        </p:spPr>
+      </p:pic>
+      <p:pic>
+        <p:nvPicPr>
+          <p:cNvPr id="96" name="Picture 95" descr="A close up of a sign&#10;&#10;Description generated with very high confidence">
+            <a:extLst>
+              <a:ext uri="{FF2B5EF4-FFF2-40B4-BE49-F238E27FC236}">
+                <a16:creationId xmlns:a16="http://schemas.microsoft.com/office/drawing/2014/main" id="{F6D07D3F-BC4A-4B66-8CD0-5D84885D99B1}"/>
+              </a:ext>
+            </a:extLst>
+          </p:cNvPr>
+          <p:cNvPicPr>
+            <a:picLocks noChangeAspect="1"/>
+          </p:cNvPicPr>
+          <p:nvPr/>
+        </p:nvPicPr>
+        <p:blipFill>
+          <a:blip r:embed="rId5">
+            <a:biLevel thresh="75000"/>
+            <a:extLst>
+              <a:ext uri="{28A0092B-C50C-407E-A947-70E740481C1C}">
+                <a14:useLocalDpi xmlns:a14="http://schemas.microsoft.com/office/drawing/2010/main" val="0"/>
+              </a:ext>
+            </a:extLst>
+          </a:blip>
+          <a:stretch>
+            <a:fillRect/>
+          </a:stretch>
+        </p:blipFill>
+        <p:spPr>
+          <a:xfrm>
+            <a:off x="7885637" y="3253272"/>
+            <a:ext cx="328096" cy="328096"/>
+          </a:xfrm>
+          <a:prstGeom prst="rect">
+            <a:avLst/>
+          </a:prstGeom>
+        </p:spPr>
+      </p:pic>
+      <p:pic>
+        <p:nvPicPr>
+          <p:cNvPr id="97" name="Picture 96" descr="A close up of a sign&#10;&#10;Description generated with very high confidence">
+            <a:extLst>
+              <a:ext uri="{FF2B5EF4-FFF2-40B4-BE49-F238E27FC236}">
+                <a16:creationId xmlns:a16="http://schemas.microsoft.com/office/drawing/2014/main" id="{33120584-E6AE-415A-9F5E-794F4BABA22A}"/>
+              </a:ext>
+            </a:extLst>
+          </p:cNvPr>
+          <p:cNvPicPr>
+            <a:picLocks noChangeAspect="1"/>
+          </p:cNvPicPr>
+          <p:nvPr/>
+        </p:nvPicPr>
+        <p:blipFill>
+          <a:blip r:embed="rId5">
+            <a:biLevel thresh="75000"/>
+            <a:extLst>
+              <a:ext uri="{28A0092B-C50C-407E-A947-70E740481C1C}">
+                <a14:useLocalDpi xmlns:a14="http://schemas.microsoft.com/office/drawing/2010/main" val="0"/>
+              </a:ext>
+            </a:extLst>
+          </a:blip>
+          <a:stretch>
+            <a:fillRect/>
+          </a:stretch>
+        </p:blipFill>
+        <p:spPr>
+          <a:xfrm>
+            <a:off x="7905817" y="4380137"/>
+            <a:ext cx="328096" cy="328096"/>
+          </a:xfrm>
+          <a:prstGeom prst="rect">
+            <a:avLst/>
+          </a:prstGeom>
+        </p:spPr>
+      </p:pic>
+      <p:pic>
+        <p:nvPicPr>
+          <p:cNvPr id="98" name="Picture 97" descr="A close up of a sign&#10;&#10;Description generated with very high confidence">
+            <a:extLst>
+              <a:ext uri="{FF2B5EF4-FFF2-40B4-BE49-F238E27FC236}">
+                <a16:creationId xmlns:a16="http://schemas.microsoft.com/office/drawing/2014/main" id="{2A9E94A4-5D05-4889-98BC-5A5F9B2E7258}"/>
+              </a:ext>
+            </a:extLst>
+          </p:cNvPr>
+          <p:cNvPicPr>
+            <a:picLocks noChangeAspect="1"/>
+          </p:cNvPicPr>
+          <p:nvPr/>
+        </p:nvPicPr>
+        <p:blipFill>
+          <a:blip r:embed="rId5">
+            <a:biLevel thresh="75000"/>
+            <a:extLst>
+              <a:ext uri="{28A0092B-C50C-407E-A947-70E740481C1C}">
+                <a14:useLocalDpi xmlns:a14="http://schemas.microsoft.com/office/drawing/2010/main" val="0"/>
+              </a:ext>
+            </a:extLst>
+          </a:blip>
+          <a:stretch>
+            <a:fillRect/>
+          </a:stretch>
+        </p:blipFill>
+        <p:spPr>
+          <a:xfrm>
+            <a:off x="7900052" y="4937387"/>
+            <a:ext cx="328096" cy="328096"/>
+          </a:xfrm>
+          <a:prstGeom prst="rect">
+            <a:avLst/>
+          </a:prstGeom>
+        </p:spPr>
+      </p:pic>
+      <p:sp>
+        <p:nvSpPr>
+          <p:cNvPr id="100" name="TextBox 99">
+            <a:extLst>
+              <a:ext uri="{FF2B5EF4-FFF2-40B4-BE49-F238E27FC236}">
+                <a16:creationId xmlns:a16="http://schemas.microsoft.com/office/drawing/2014/main" id="{ED0943BD-F182-44A5-BCB2-702BB00C8532}"/>
+              </a:ext>
+            </a:extLst>
+          </p:cNvPr>
+          <p:cNvSpPr txBox="1"/>
+          <p:nvPr/>
+        </p:nvSpPr>
+        <p:spPr>
+          <a:xfrm>
+            <a:off x="11512567" y="2644626"/>
+            <a:ext cx="529311" cy="430887"/>
+          </a:xfrm>
+          <a:prstGeom prst="rect">
+            <a:avLst/>
+          </a:prstGeom>
+          <a:noFill/>
+        </p:spPr>
+        <p:txBody>
+          <a:bodyPr wrap="none" rtlCol="0">
+            <a:spAutoFit/>
+          </a:bodyPr>
+          <a:lstStyle/>
+          <a:p>
+            <a:pPr algn="ctr"/>
+            <a:r>
+              <a:rPr lang="en-US" sz="1100" dirty="0"/>
+              <a:t>Public</a:t>
+            </a:r>
+          </a:p>
+          <a:p>
+            <a:pPr algn="ctr"/>
+            <a:r>
+              <a:rPr lang="fr-FR" sz="1100" dirty="0"/>
+              <a:t>I</a:t>
+            </a:r>
+            <a:r>
+              <a:rPr lang="en-US" sz="1100" dirty="0"/>
+              <a:t>P</a:t>
+            </a:r>
+          </a:p>
+        </p:txBody>
+      </p:sp>
+      <p:pic>
+        <p:nvPicPr>
+          <p:cNvPr id="101" name="Picture 100" descr="A close up of a sign&#10;&#10;Description generated with very high confidence">
+            <a:extLst>
+              <a:ext uri="{FF2B5EF4-FFF2-40B4-BE49-F238E27FC236}">
+                <a16:creationId xmlns:a16="http://schemas.microsoft.com/office/drawing/2014/main" id="{28B28B92-F777-4C6C-BCC1-72DC398375C0}"/>
+              </a:ext>
+            </a:extLst>
+          </p:cNvPr>
+          <p:cNvPicPr>
+            <a:picLocks noChangeAspect="1"/>
+          </p:cNvPicPr>
+          <p:nvPr/>
+        </p:nvPicPr>
+        <p:blipFill>
+          <a:blip r:embed="rId5">
+            <a:biLevel thresh="75000"/>
+            <a:extLst>
+              <a:ext uri="{28A0092B-C50C-407E-A947-70E740481C1C}">
+                <a14:useLocalDpi xmlns:a14="http://schemas.microsoft.com/office/drawing/2010/main" val="0"/>
+              </a:ext>
+            </a:extLst>
+          </a:blip>
+          <a:stretch>
+            <a:fillRect/>
+          </a:stretch>
+        </p:blipFill>
+        <p:spPr>
+          <a:xfrm>
+            <a:off x="7893379" y="1154456"/>
+            <a:ext cx="328096" cy="328096"/>
+          </a:xfrm>
+          <a:prstGeom prst="rect">
+            <a:avLst/>
+          </a:prstGeom>
+        </p:spPr>
+      </p:pic>
+      <p:pic>
+        <p:nvPicPr>
+          <p:cNvPr id="99" name="Picture 98" descr="A close up of a sign&#10;&#10;Description generated with very high confidence">
+            <a:extLst>
+              <a:ext uri="{FF2B5EF4-FFF2-40B4-BE49-F238E27FC236}">
+                <a16:creationId xmlns:a16="http://schemas.microsoft.com/office/drawing/2014/main" id="{D2CC7ABB-99F6-4807-8210-52BF028489E1}"/>
+              </a:ext>
+            </a:extLst>
+          </p:cNvPr>
+          <p:cNvPicPr>
+            <a:picLocks noChangeAspect="1"/>
+          </p:cNvPicPr>
+          <p:nvPr/>
+        </p:nvPicPr>
+        <p:blipFill>
+          <a:blip r:embed="rId5">
+            <a:extLst>
+              <a:ext uri="{28A0092B-C50C-407E-A947-70E740481C1C}">
+                <a14:useLocalDpi xmlns:a14="http://schemas.microsoft.com/office/drawing/2010/main" val="0"/>
+              </a:ext>
+            </a:extLst>
+          </a:blip>
+          <a:stretch>
+            <a:fillRect/>
+          </a:stretch>
+        </p:blipFill>
+        <p:spPr>
+          <a:xfrm>
+            <a:off x="11210663" y="2685168"/>
+            <a:ext cx="328096" cy="328096"/>
+          </a:xfrm>
+          <a:prstGeom prst="rect">
+            <a:avLst/>
+          </a:prstGeom>
+        </p:spPr>
+      </p:pic>
+      <p:sp>
+        <p:nvSpPr>
+          <p:cNvPr id="102" name="TextBox 101">
+            <a:extLst>
+              <a:ext uri="{FF2B5EF4-FFF2-40B4-BE49-F238E27FC236}">
+                <a16:creationId xmlns:a16="http://schemas.microsoft.com/office/drawing/2014/main" id="{5074D219-C3AC-471E-9637-1817B83C1998}"/>
+              </a:ext>
+            </a:extLst>
+          </p:cNvPr>
+          <p:cNvSpPr txBox="1"/>
+          <p:nvPr/>
+        </p:nvSpPr>
+        <p:spPr>
+          <a:xfrm>
+            <a:off x="7755934" y="6151969"/>
+            <a:ext cx="602986" cy="307777"/>
+          </a:xfrm>
+          <a:prstGeom prst="rect">
+            <a:avLst/>
+          </a:prstGeom>
+          <a:noFill/>
+        </p:spPr>
+        <p:txBody>
+          <a:bodyPr wrap="none" rtlCol="0">
+            <a:spAutoFit/>
+          </a:bodyPr>
+          <a:lstStyle/>
+          <a:p>
+            <a:r>
+              <a:rPr lang="en-US" sz="1400" dirty="0"/>
+              <a:t>Azure</a:t>
+            </a:r>
+          </a:p>
+        </p:txBody>
+      </p:sp>
+      <p:pic>
+        <p:nvPicPr>
+          <p:cNvPr id="14" name="Picture 13">
+            <a:extLst>
+              <a:ext uri="{FF2B5EF4-FFF2-40B4-BE49-F238E27FC236}">
+                <a16:creationId xmlns:a16="http://schemas.microsoft.com/office/drawing/2014/main" id="{9F4E812B-AF57-4EB0-B85A-FEE28B149D25}"/>
+              </a:ext>
+            </a:extLst>
+          </p:cNvPr>
+          <p:cNvPicPr>
+            <a:picLocks noChangeAspect="1"/>
+          </p:cNvPicPr>
+          <p:nvPr/>
+        </p:nvPicPr>
+        <p:blipFill>
+          <a:blip r:embed="rId6" cstate="print">
+            <a:extLst>
+              <a:ext uri="{28A0092B-C50C-407E-A947-70E740481C1C}">
+                <a14:useLocalDpi xmlns:a14="http://schemas.microsoft.com/office/drawing/2010/main" val="0"/>
+              </a:ext>
+            </a:extLst>
+          </a:blip>
+          <a:stretch>
+            <a:fillRect/>
+          </a:stretch>
+        </p:blipFill>
+        <p:spPr>
+          <a:xfrm>
+            <a:off x="4990258" y="843902"/>
+            <a:ext cx="514749" cy="514749"/>
+          </a:xfrm>
+          <a:prstGeom prst="rect">
+            <a:avLst/>
+          </a:prstGeom>
+        </p:spPr>
+      </p:pic>
+      <p:sp>
+        <p:nvSpPr>
+          <p:cNvPr id="93" name="TextBox 92">
+            <a:extLst>
+              <a:ext uri="{FF2B5EF4-FFF2-40B4-BE49-F238E27FC236}">
+                <a16:creationId xmlns:a16="http://schemas.microsoft.com/office/drawing/2014/main" id="{A2A1EFDB-A315-4FDF-A0E1-7863F31C6EB6}"/>
+              </a:ext>
+            </a:extLst>
+          </p:cNvPr>
+          <p:cNvSpPr txBox="1"/>
+          <p:nvPr/>
+        </p:nvSpPr>
+        <p:spPr>
+          <a:xfrm>
+            <a:off x="4517244" y="1762064"/>
+            <a:ext cx="1175322" cy="261610"/>
+          </a:xfrm>
+          <a:prstGeom prst="rect">
+            <a:avLst/>
+          </a:prstGeom>
+          <a:noFill/>
+        </p:spPr>
+        <p:txBody>
+          <a:bodyPr wrap="none" rtlCol="0">
+            <a:spAutoFit/>
+          </a:bodyPr>
+          <a:lstStyle/>
+          <a:p>
+            <a:r>
+              <a:rPr lang="en-US" sz="1100" dirty="0"/>
+              <a:t>VNET to on-</a:t>
+            </a:r>
+            <a:r>
+              <a:rPr lang="en-US" sz="1100" dirty="0" err="1"/>
+              <a:t>prem</a:t>
+            </a:r>
+            <a:endParaRPr lang="en-US" sz="1100" dirty="0"/>
           </a:p>
         </p:txBody>
       </p:sp>
       <p:cxnSp>
         <p:nvCxnSpPr>
-          <p:cNvPr id="29" name="Straight Arrow Connector 28">
-            <a:extLst>
-              <a:ext uri="{FF2B5EF4-FFF2-40B4-BE49-F238E27FC236}">
-                <a16:creationId xmlns:a16="http://schemas.microsoft.com/office/drawing/2014/main" id="{B2ABD4AD-73BB-4FDA-95CC-957C356CC11A}"/>
-              </a:ext>
-            </a:extLst>
-          </p:cNvPr>
-          <p:cNvCxnSpPr/>
+          <p:cNvPr id="94" name="Straight Arrow Connector 93">
+            <a:extLst>
+              <a:ext uri="{FF2B5EF4-FFF2-40B4-BE49-F238E27FC236}">
+                <a16:creationId xmlns:a16="http://schemas.microsoft.com/office/drawing/2014/main" id="{754F7F88-774B-4D69-96DC-AD7100E8D3E8}"/>
+              </a:ext>
+            </a:extLst>
+          </p:cNvPr>
+          <p:cNvCxnSpPr>
+            <a:cxnSpLocks/>
+            <a:stCxn id="92" idx="2"/>
+            <a:endCxn id="16" idx="0"/>
+          </p:cNvCxnSpPr>
           <p:nvPr/>
         </p:nvCxnSpPr>
         <p:spPr>
-          <a:xfrm>
-            <a:off x="5868344" y="1321067"/>
-            <a:ext cx="766065" cy="8352"/>
+          <a:xfrm flipH="1">
+            <a:off x="5200911" y="2038243"/>
+            <a:ext cx="5408" cy="666131"/>
           </a:xfrm>
           <a:prstGeom prst="straightConnector1">
             <a:avLst/>
@@ -5595,160 +8288,90 @@
       </p:cxnSp>
       <p:sp>
         <p:nvSpPr>
-          <p:cNvPr id="30" name="Rectangle 29">
-            <a:extLst>
-              <a:ext uri="{FF2B5EF4-FFF2-40B4-BE49-F238E27FC236}">
-                <a16:creationId xmlns:a16="http://schemas.microsoft.com/office/drawing/2014/main" id="{03D717DC-CE5F-4D00-8A4F-742C1384771E}"/>
-              </a:ext>
-            </a:extLst>
-          </p:cNvPr>
-          <p:cNvSpPr/>
+          <p:cNvPr id="103" name="TextBox 102">
+            <a:extLst>
+              <a:ext uri="{FF2B5EF4-FFF2-40B4-BE49-F238E27FC236}">
+                <a16:creationId xmlns:a16="http://schemas.microsoft.com/office/drawing/2014/main" id="{7D2BB949-C158-4F25-A72D-13582CD8F78D}"/>
+              </a:ext>
+            </a:extLst>
+          </p:cNvPr>
+          <p:cNvSpPr txBox="1"/>
           <p:nvPr/>
         </p:nvSpPr>
         <p:spPr>
           <a:xfrm>
-            <a:off x="8057427" y="744132"/>
-            <a:ext cx="3195695" cy="1464000"/>
-          </a:xfrm>
-          <a:prstGeom prst="rect">
+            <a:off x="5179290" y="2232854"/>
+            <a:ext cx="619080" cy="261610"/>
+          </a:xfrm>
+          <a:prstGeom prst="rect">
+            <a:avLst/>
+          </a:prstGeom>
+          <a:noFill/>
+        </p:spPr>
+        <p:txBody>
+          <a:bodyPr wrap="none" rtlCol="0">
+            <a:spAutoFit/>
+          </a:bodyPr>
+          <a:lstStyle/>
+          <a:p>
+            <a:pPr algn="ctr"/>
+            <a:r>
+              <a:rPr lang="en-US" sz="1100" dirty="0"/>
+              <a:t>Peering</a:t>
+            </a:r>
+          </a:p>
+        </p:txBody>
+      </p:sp>
+      <p:cxnSp>
+        <p:nvCxnSpPr>
+          <p:cNvPr id="18" name="Straight Arrow Connector 17">
+            <a:extLst>
+              <a:ext uri="{FF2B5EF4-FFF2-40B4-BE49-F238E27FC236}">
+                <a16:creationId xmlns:a16="http://schemas.microsoft.com/office/drawing/2014/main" id="{465459A6-6CB8-475C-A79F-DDF0999A84AF}"/>
+              </a:ext>
+            </a:extLst>
+          </p:cNvPr>
+          <p:cNvCxnSpPr>
+            <a:cxnSpLocks/>
+            <a:stCxn id="107" idx="3"/>
+            <a:endCxn id="14" idx="1"/>
+          </p:cNvCxnSpPr>
+          <p:nvPr/>
+        </p:nvCxnSpPr>
+        <p:spPr>
+          <a:xfrm flipV="1">
+            <a:off x="3466992" y="1101277"/>
+            <a:ext cx="1523266" cy="5812"/>
+          </a:xfrm>
+          <a:prstGeom prst="straightConnector1">
             <a:avLst/>
           </a:prstGeom>
           <a:ln>
-            <a:solidFill>
-              <a:schemeClr val="accent3"/>
-            </a:solidFill>
-            <a:prstDash val="lgDashDotDot"/>
+            <a:headEnd type="triangle"/>
+            <a:tailEnd type="triangle"/>
           </a:ln>
         </p:spPr>
         <p:style>
-          <a:lnRef idx="2">
+          <a:lnRef idx="1">
             <a:schemeClr val="accent1"/>
           </a:lnRef>
-          <a:fillRef idx="1">
-            <a:schemeClr val="lt1"/>
+          <a:fillRef idx="0">
+            <a:schemeClr val="accent1"/>
           </a:fillRef>
           <a:effectRef idx="0">
             <a:schemeClr val="accent1"/>
           </a:effectRef>
           <a:fontRef idx="minor">
-            <a:schemeClr val="dk1"/>
+            <a:schemeClr val="tx1"/>
           </a:fontRef>
         </p:style>
-        <p:txBody>
-          <a:bodyPr rtlCol="0" anchor="ctr"/>
-          <a:lstStyle/>
-          <a:p>
-            <a:pPr algn="ctr"/>
-            <a:endParaRPr lang="en-US"/>
-          </a:p>
-        </p:txBody>
-      </p:sp>
-      <p:sp>
-        <p:nvSpPr>
-          <p:cNvPr id="34" name="Rectangle 33">
-            <a:extLst>
-              <a:ext uri="{FF2B5EF4-FFF2-40B4-BE49-F238E27FC236}">
-                <a16:creationId xmlns:a16="http://schemas.microsoft.com/office/drawing/2014/main" id="{7885D35A-50F8-4850-B56F-18AD4B21E5EC}"/>
-              </a:ext>
-            </a:extLst>
-          </p:cNvPr>
-          <p:cNvSpPr/>
-          <p:nvPr/>
-        </p:nvSpPr>
-        <p:spPr>
-          <a:xfrm>
-            <a:off x="8057427" y="2424982"/>
-            <a:ext cx="3195695" cy="1464000"/>
-          </a:xfrm>
-          <a:prstGeom prst="rect">
-            <a:avLst/>
-          </a:prstGeom>
-          <a:ln>
-            <a:solidFill>
-              <a:schemeClr val="accent3"/>
-            </a:solidFill>
-            <a:prstDash val="lgDashDotDot"/>
-          </a:ln>
-        </p:spPr>
-        <p:style>
-          <a:lnRef idx="2">
-            <a:schemeClr val="accent1"/>
-          </a:lnRef>
-          <a:fillRef idx="1">
-            <a:schemeClr val="lt1"/>
-          </a:fillRef>
-          <a:effectRef idx="0">
-            <a:schemeClr val="accent1"/>
-          </a:effectRef>
-          <a:fontRef idx="minor">
-            <a:schemeClr val="dk1"/>
-          </a:fontRef>
-        </p:style>
-        <p:txBody>
-          <a:bodyPr rtlCol="0" anchor="ctr"/>
-          <a:lstStyle/>
-          <a:p>
-            <a:pPr algn="ctr"/>
-            <a:endParaRPr lang="en-US"/>
-          </a:p>
-        </p:txBody>
-      </p:sp>
-      <p:sp>
-        <p:nvSpPr>
-          <p:cNvPr id="35" name="Rectangle 34">
-            <a:extLst>
-              <a:ext uri="{FF2B5EF4-FFF2-40B4-BE49-F238E27FC236}">
-                <a16:creationId xmlns:a16="http://schemas.microsoft.com/office/drawing/2014/main" id="{72E45B5F-EB45-4AED-8D62-33EE91CE4047}"/>
-              </a:ext>
-            </a:extLst>
-          </p:cNvPr>
-          <p:cNvSpPr/>
-          <p:nvPr/>
-        </p:nvSpPr>
-        <p:spPr>
-          <a:xfrm>
-            <a:off x="8057427" y="4105832"/>
-            <a:ext cx="3195695" cy="1464000"/>
-          </a:xfrm>
-          <a:prstGeom prst="rect">
-            <a:avLst/>
-          </a:prstGeom>
-          <a:ln>
-            <a:solidFill>
-              <a:schemeClr val="accent3"/>
-            </a:solidFill>
-            <a:prstDash val="lgDashDotDot"/>
-          </a:ln>
-        </p:spPr>
-        <p:style>
-          <a:lnRef idx="2">
-            <a:schemeClr val="accent1"/>
-          </a:lnRef>
-          <a:fillRef idx="1">
-            <a:schemeClr val="lt1"/>
-          </a:fillRef>
-          <a:effectRef idx="0">
-            <a:schemeClr val="accent1"/>
-          </a:effectRef>
-          <a:fontRef idx="minor">
-            <a:schemeClr val="dk1"/>
-          </a:fontRef>
-        </p:style>
-        <p:txBody>
-          <a:bodyPr rtlCol="0" anchor="ctr"/>
-          <a:lstStyle/>
-          <a:p>
-            <a:pPr algn="ctr"/>
-            <a:endParaRPr lang="en-US"/>
-          </a:p>
-        </p:txBody>
-      </p:sp>
-      <p:sp>
-        <p:nvSpPr>
-          <p:cNvPr id="36" name="TextBox 35">
-            <a:extLst>
-              <a:ext uri="{FF2B5EF4-FFF2-40B4-BE49-F238E27FC236}">
-                <a16:creationId xmlns:a16="http://schemas.microsoft.com/office/drawing/2014/main" id="{570233F2-FD41-4719-B939-A32272401281}"/>
+      </p:cxnSp>
+      <p:sp>
+        <p:nvSpPr>
+          <p:cNvPr id="105" name="TextBox 104">
+            <a:extLst>
+              <a:ext uri="{FF2B5EF4-FFF2-40B4-BE49-F238E27FC236}">
+                <a16:creationId xmlns:a16="http://schemas.microsoft.com/office/drawing/2014/main" id="{61DD8FB9-2DDE-45CE-934A-C170A08FDA24}"/>
               </a:ext>
             </a:extLst>
           </p:cNvPr>
@@ -5757,8 +8380,8 @@
         </p:nvSpPr>
         <p:spPr>
           <a:xfrm>
-            <a:off x="8067363" y="1946522"/>
-            <a:ext cx="1754006" cy="261610"/>
+            <a:off x="4721261" y="1522912"/>
+            <a:ext cx="946093" cy="230832"/>
           </a:xfrm>
           <a:prstGeom prst="rect">
             <a:avLst/>
@@ -5772,88 +8395,18 @@
           <a:lstStyle/>
           <a:p>
             <a:r>
-              <a:rPr lang="en-US" sz="1100" dirty="0"/>
-              <a:t>Kubernetes masters subnet</a:t>
-            </a:r>
-          </a:p>
-        </p:txBody>
-      </p:sp>
-      <p:sp>
-        <p:nvSpPr>
-          <p:cNvPr id="37" name="TextBox 36">
-            <a:extLst>
-              <a:ext uri="{FF2B5EF4-FFF2-40B4-BE49-F238E27FC236}">
-                <a16:creationId xmlns:a16="http://schemas.microsoft.com/office/drawing/2014/main" id="{552396D1-4023-46B1-B001-EF2DAE792079}"/>
-              </a:ext>
-            </a:extLst>
-          </p:cNvPr>
-          <p:cNvSpPr txBox="1"/>
-          <p:nvPr/>
-        </p:nvSpPr>
-        <p:spPr>
-          <a:xfrm>
-            <a:off x="8064101" y="3623963"/>
-            <a:ext cx="2105063" cy="261610"/>
-          </a:xfrm>
-          <a:prstGeom prst="rect">
-            <a:avLst/>
-          </a:prstGeom>
-          <a:noFill/>
-        </p:spPr>
-        <p:txBody>
-          <a:bodyPr wrap="none" rtlCol="0">
-            <a:spAutoFit/>
-          </a:bodyPr>
-          <a:lstStyle/>
-          <a:p>
-            <a:r>
-              <a:rPr lang="en-US" sz="1100" dirty="0"/>
-              <a:t>Kubernetes nodes pool #1 subnet</a:t>
-            </a:r>
-          </a:p>
-        </p:txBody>
-      </p:sp>
-      <p:sp>
-        <p:nvSpPr>
-          <p:cNvPr id="38" name="TextBox 37">
-            <a:extLst>
-              <a:ext uri="{FF2B5EF4-FFF2-40B4-BE49-F238E27FC236}">
-                <a16:creationId xmlns:a16="http://schemas.microsoft.com/office/drawing/2014/main" id="{3EDCF0AE-A6CC-4A96-BB65-0B9974F64C5A}"/>
-              </a:ext>
-            </a:extLst>
-          </p:cNvPr>
-          <p:cNvSpPr txBox="1"/>
-          <p:nvPr/>
-        </p:nvSpPr>
-        <p:spPr>
-          <a:xfrm>
-            <a:off x="8064100" y="5308876"/>
-            <a:ext cx="2105063" cy="261610"/>
-          </a:xfrm>
-          <a:prstGeom prst="rect">
-            <a:avLst/>
-          </a:prstGeom>
-          <a:noFill/>
-        </p:spPr>
-        <p:txBody>
-          <a:bodyPr wrap="none" rtlCol="0">
-            <a:spAutoFit/>
-          </a:bodyPr>
-          <a:lstStyle/>
-          <a:p>
-            <a:r>
-              <a:rPr lang="en-US" sz="1100" dirty="0"/>
-              <a:t>Kubernetes nodes pool #2 subnet</a:t>
+              <a:rPr lang="en-US" sz="900" dirty="0"/>
+              <a:t>Gateway subnet</a:t>
             </a:r>
           </a:p>
         </p:txBody>
       </p:sp>
       <p:pic>
         <p:nvPicPr>
-          <p:cNvPr id="40" name="Picture 39">
-            <a:extLst>
-              <a:ext uri="{FF2B5EF4-FFF2-40B4-BE49-F238E27FC236}">
-                <a16:creationId xmlns:a16="http://schemas.microsoft.com/office/drawing/2014/main" id="{DF8412F4-EF09-4E07-82AB-C4DB85DE0149}"/>
+          <p:cNvPr id="107" name="Picture 106">
+            <a:extLst>
+              <a:ext uri="{FF2B5EF4-FFF2-40B4-BE49-F238E27FC236}">
+                <a16:creationId xmlns:a16="http://schemas.microsoft.com/office/drawing/2014/main" id="{70ADC52B-A060-495C-8A8E-16658ED2F7BA}"/>
               </a:ext>
             </a:extLst>
           </p:cNvPr>
@@ -5863,14 +8416,7 @@
           <p:nvPr/>
         </p:nvPicPr>
         <p:blipFill>
-          <a:blip r:embed="rId5">
-            <a:duotone>
-              <a:prstClr val="black"/>
-              <a:schemeClr val="accent1">
-                <a:tint val="45000"/>
-                <a:satMod val="400000"/>
-              </a:schemeClr>
-            </a:duotone>
+          <a:blip r:embed="rId6" cstate="print">
             <a:extLst>
               <a:ext uri="{28A0092B-C50C-407E-A947-70E740481C1C}">
                 <a14:useLocalDpi xmlns:a14="http://schemas.microsoft.com/office/drawing/2010/main" val="0"/>
@@ -5883,2302 +8429,14 @@
         </p:blipFill>
         <p:spPr>
           <a:xfrm>
-            <a:off x="8912202" y="950294"/>
-            <a:ext cx="531440" cy="531440"/>
+            <a:off x="2952243" y="849714"/>
+            <a:ext cx="514749" cy="514749"/>
           </a:xfrm>
           <a:prstGeom prst="rect">
             <a:avLst/>
           </a:prstGeom>
         </p:spPr>
       </p:pic>
-      <p:sp>
-        <p:nvSpPr>
-          <p:cNvPr id="43" name="Rectangle 42">
-            <a:extLst>
-              <a:ext uri="{FF2B5EF4-FFF2-40B4-BE49-F238E27FC236}">
-                <a16:creationId xmlns:a16="http://schemas.microsoft.com/office/drawing/2014/main" id="{53761709-8949-437C-84E0-474EB836DCF1}"/>
-              </a:ext>
-            </a:extLst>
-          </p:cNvPr>
-          <p:cNvSpPr/>
-          <p:nvPr/>
-        </p:nvSpPr>
-        <p:spPr>
-          <a:xfrm>
-            <a:off x="8830309" y="881032"/>
-            <a:ext cx="1802102" cy="948621"/>
-          </a:xfrm>
-          <a:prstGeom prst="rect">
-            <a:avLst/>
-          </a:prstGeom>
-          <a:noFill/>
-          <a:ln>
-            <a:solidFill>
-              <a:schemeClr val="accent1">
-                <a:lumMod val="75000"/>
-              </a:schemeClr>
-            </a:solidFill>
-            <a:prstDash val="lgDashDotDot"/>
-          </a:ln>
-        </p:spPr>
-        <p:style>
-          <a:lnRef idx="2">
-            <a:schemeClr val="accent1"/>
-          </a:lnRef>
-          <a:fillRef idx="1">
-            <a:schemeClr val="lt1"/>
-          </a:fillRef>
-          <a:effectRef idx="0">
-            <a:schemeClr val="accent1"/>
-          </a:effectRef>
-          <a:fontRef idx="minor">
-            <a:schemeClr val="dk1"/>
-          </a:fontRef>
-        </p:style>
-        <p:txBody>
-          <a:bodyPr rtlCol="0" anchor="ctr"/>
-          <a:lstStyle/>
-          <a:p>
-            <a:pPr algn="ctr"/>
-            <a:endParaRPr lang="en-US"/>
-          </a:p>
-        </p:txBody>
-      </p:sp>
-      <p:sp>
-        <p:nvSpPr>
-          <p:cNvPr id="44" name="TextBox 43">
-            <a:extLst>
-              <a:ext uri="{FF2B5EF4-FFF2-40B4-BE49-F238E27FC236}">
-                <a16:creationId xmlns:a16="http://schemas.microsoft.com/office/drawing/2014/main" id="{2CA8E7EB-BE35-4809-9E53-6D2F71AFF2CC}"/>
-              </a:ext>
-            </a:extLst>
-          </p:cNvPr>
-          <p:cNvSpPr txBox="1"/>
-          <p:nvPr/>
-        </p:nvSpPr>
-        <p:spPr>
-          <a:xfrm>
-            <a:off x="8830309" y="1565621"/>
-            <a:ext cx="530915" cy="261610"/>
-          </a:xfrm>
-          <a:prstGeom prst="rect">
-            <a:avLst/>
-          </a:prstGeom>
-          <a:noFill/>
-        </p:spPr>
-        <p:txBody>
-          <a:bodyPr wrap="none" rtlCol="0">
-            <a:spAutoFit/>
-          </a:bodyPr>
-          <a:lstStyle/>
-          <a:p>
-            <a:r>
-              <a:rPr lang="en-US" sz="1100" dirty="0"/>
-              <a:t>VMAS</a:t>
-            </a:r>
-          </a:p>
-        </p:txBody>
-      </p:sp>
-      <p:pic>
-        <p:nvPicPr>
-          <p:cNvPr id="45" name="Picture 44">
-            <a:extLst>
-              <a:ext uri="{FF2B5EF4-FFF2-40B4-BE49-F238E27FC236}">
-                <a16:creationId xmlns:a16="http://schemas.microsoft.com/office/drawing/2014/main" id="{E63C2691-B7F9-43EC-B486-E8765E479C1D}"/>
-              </a:ext>
-            </a:extLst>
-          </p:cNvPr>
-          <p:cNvPicPr>
-            <a:picLocks noChangeAspect="1"/>
-          </p:cNvPicPr>
-          <p:nvPr/>
-        </p:nvPicPr>
-        <p:blipFill>
-          <a:blip r:embed="rId5">
-            <a:duotone>
-              <a:prstClr val="black"/>
-              <a:schemeClr val="accent1">
-                <a:tint val="45000"/>
-                <a:satMod val="400000"/>
-              </a:schemeClr>
-            </a:duotone>
-            <a:extLst>
-              <a:ext uri="{28A0092B-C50C-407E-A947-70E740481C1C}">
-                <a14:useLocalDpi xmlns:a14="http://schemas.microsoft.com/office/drawing/2010/main" val="0"/>
-              </a:ext>
-            </a:extLst>
-          </a:blip>
-          <a:stretch>
-            <a:fillRect/>
-          </a:stretch>
-        </p:blipFill>
-        <p:spPr>
-          <a:xfrm>
-            <a:off x="9471956" y="941887"/>
-            <a:ext cx="531440" cy="531440"/>
-          </a:xfrm>
-          <a:prstGeom prst="rect">
-            <a:avLst/>
-          </a:prstGeom>
-        </p:spPr>
-      </p:pic>
-      <p:pic>
-        <p:nvPicPr>
-          <p:cNvPr id="46" name="Picture 45">
-            <a:extLst>
-              <a:ext uri="{FF2B5EF4-FFF2-40B4-BE49-F238E27FC236}">
-                <a16:creationId xmlns:a16="http://schemas.microsoft.com/office/drawing/2014/main" id="{7CFE1C6A-9619-4E52-8EDD-E5645B4C1D23}"/>
-              </a:ext>
-            </a:extLst>
-          </p:cNvPr>
-          <p:cNvPicPr>
-            <a:picLocks noChangeAspect="1"/>
-          </p:cNvPicPr>
-          <p:nvPr/>
-        </p:nvPicPr>
-        <p:blipFill>
-          <a:blip r:embed="rId5">
-            <a:duotone>
-              <a:prstClr val="black"/>
-              <a:schemeClr val="accent1">
-                <a:tint val="45000"/>
-                <a:satMod val="400000"/>
-              </a:schemeClr>
-            </a:duotone>
-            <a:extLst>
-              <a:ext uri="{28A0092B-C50C-407E-A947-70E740481C1C}">
-                <a14:useLocalDpi xmlns:a14="http://schemas.microsoft.com/office/drawing/2010/main" val="0"/>
-              </a:ext>
-            </a:extLst>
-          </a:blip>
-          <a:stretch>
-            <a:fillRect/>
-          </a:stretch>
-        </p:blipFill>
-        <p:spPr>
-          <a:xfrm>
-            <a:off x="10031710" y="950239"/>
-            <a:ext cx="531440" cy="531440"/>
-          </a:xfrm>
-          <a:prstGeom prst="rect">
-            <a:avLst/>
-          </a:prstGeom>
-        </p:spPr>
-      </p:pic>
-      <p:pic>
-        <p:nvPicPr>
-          <p:cNvPr id="47" name="Picture 46">
-            <a:extLst>
-              <a:ext uri="{FF2B5EF4-FFF2-40B4-BE49-F238E27FC236}">
-                <a16:creationId xmlns:a16="http://schemas.microsoft.com/office/drawing/2014/main" id="{0E2AE5E9-4F67-4824-8D31-C8E411FFEF8C}"/>
-              </a:ext>
-            </a:extLst>
-          </p:cNvPr>
-          <p:cNvPicPr>
-            <a:picLocks noChangeAspect="1"/>
-          </p:cNvPicPr>
-          <p:nvPr/>
-        </p:nvPicPr>
-        <p:blipFill>
-          <a:blip r:embed="rId3" cstate="print">
-            <a:extLst>
-              <a:ext uri="{28A0092B-C50C-407E-A947-70E740481C1C}">
-                <a14:useLocalDpi xmlns:a14="http://schemas.microsoft.com/office/drawing/2010/main" val="0"/>
-              </a:ext>
-            </a:extLst>
-          </a:blip>
-          <a:stretch>
-            <a:fillRect/>
-          </a:stretch>
-        </p:blipFill>
-        <p:spPr>
-          <a:xfrm>
-            <a:off x="5369408" y="5586112"/>
-            <a:ext cx="411128" cy="411128"/>
-          </a:xfrm>
-          <a:prstGeom prst="rect">
-            <a:avLst/>
-          </a:prstGeom>
-        </p:spPr>
-      </p:pic>
-      <p:pic>
-        <p:nvPicPr>
-          <p:cNvPr id="48" name="Picture 47">
-            <a:extLst>
-              <a:ext uri="{FF2B5EF4-FFF2-40B4-BE49-F238E27FC236}">
-                <a16:creationId xmlns:a16="http://schemas.microsoft.com/office/drawing/2014/main" id="{347BF3A4-5E80-4607-9E35-B00B3192E3D9}"/>
-              </a:ext>
-            </a:extLst>
-          </p:cNvPr>
-          <p:cNvPicPr>
-            <a:picLocks noChangeAspect="1"/>
-          </p:cNvPicPr>
-          <p:nvPr/>
-        </p:nvPicPr>
-        <p:blipFill>
-          <a:blip r:embed="rId3" cstate="print">
-            <a:extLst>
-              <a:ext uri="{28A0092B-C50C-407E-A947-70E740481C1C}">
-                <a14:useLocalDpi xmlns:a14="http://schemas.microsoft.com/office/drawing/2010/main" val="0"/>
-              </a:ext>
-            </a:extLst>
-          </a:blip>
-          <a:stretch>
-            <a:fillRect/>
-          </a:stretch>
-        </p:blipFill>
-        <p:spPr>
-          <a:xfrm>
-            <a:off x="10826027" y="5591322"/>
-            <a:ext cx="411128" cy="411128"/>
-          </a:xfrm>
-          <a:prstGeom prst="rect">
-            <a:avLst/>
-          </a:prstGeom>
-        </p:spPr>
-      </p:pic>
-      <p:pic>
-        <p:nvPicPr>
-          <p:cNvPr id="49" name="Picture 48">
-            <a:extLst>
-              <a:ext uri="{FF2B5EF4-FFF2-40B4-BE49-F238E27FC236}">
-                <a16:creationId xmlns:a16="http://schemas.microsoft.com/office/drawing/2014/main" id="{3C7192EB-54FE-47DE-9DC4-217B30C85D0C}"/>
-              </a:ext>
-            </a:extLst>
-          </p:cNvPr>
-          <p:cNvPicPr>
-            <a:picLocks noChangeAspect="1"/>
-          </p:cNvPicPr>
-          <p:nvPr/>
-        </p:nvPicPr>
-        <p:blipFill>
-          <a:blip r:embed="rId5">
-            <a:extLst>
-              <a:ext uri="{28A0092B-C50C-407E-A947-70E740481C1C}">
-                <a14:useLocalDpi xmlns:a14="http://schemas.microsoft.com/office/drawing/2010/main" val="0"/>
-              </a:ext>
-            </a:extLst>
-          </a:blip>
-          <a:stretch>
-            <a:fillRect/>
-          </a:stretch>
-        </p:blipFill>
-        <p:spPr>
-          <a:xfrm>
-            <a:off x="8912202" y="2627648"/>
-            <a:ext cx="531440" cy="531440"/>
-          </a:xfrm>
-          <a:prstGeom prst="rect">
-            <a:avLst/>
-          </a:prstGeom>
-        </p:spPr>
-      </p:pic>
-      <p:sp>
-        <p:nvSpPr>
-          <p:cNvPr id="50" name="Rectangle 49">
-            <a:extLst>
-              <a:ext uri="{FF2B5EF4-FFF2-40B4-BE49-F238E27FC236}">
-                <a16:creationId xmlns:a16="http://schemas.microsoft.com/office/drawing/2014/main" id="{F547CC42-E5B1-46B1-A20F-89355FD91DF1}"/>
-              </a:ext>
-            </a:extLst>
-          </p:cNvPr>
-          <p:cNvSpPr/>
-          <p:nvPr/>
-        </p:nvSpPr>
-        <p:spPr>
-          <a:xfrm>
-            <a:off x="8269650" y="2558386"/>
-            <a:ext cx="2916736" cy="948621"/>
-          </a:xfrm>
-          <a:prstGeom prst="rect">
-            <a:avLst/>
-          </a:prstGeom>
-          <a:noFill/>
-          <a:ln>
-            <a:solidFill>
-              <a:schemeClr val="accent1">
-                <a:lumMod val="75000"/>
-              </a:schemeClr>
-            </a:solidFill>
-            <a:prstDash val="lgDashDotDot"/>
-          </a:ln>
-        </p:spPr>
-        <p:style>
-          <a:lnRef idx="2">
-            <a:schemeClr val="accent1"/>
-          </a:lnRef>
-          <a:fillRef idx="1">
-            <a:schemeClr val="lt1"/>
-          </a:fillRef>
-          <a:effectRef idx="0">
-            <a:schemeClr val="accent1"/>
-          </a:effectRef>
-          <a:fontRef idx="minor">
-            <a:schemeClr val="dk1"/>
-          </a:fontRef>
-        </p:style>
-        <p:txBody>
-          <a:bodyPr rtlCol="0" anchor="ctr"/>
-          <a:lstStyle/>
-          <a:p>
-            <a:pPr algn="ctr"/>
-            <a:endParaRPr lang="en-US"/>
-          </a:p>
-        </p:txBody>
-      </p:sp>
-      <p:sp>
-        <p:nvSpPr>
-          <p:cNvPr id="51" name="TextBox 50">
-            <a:extLst>
-              <a:ext uri="{FF2B5EF4-FFF2-40B4-BE49-F238E27FC236}">
-                <a16:creationId xmlns:a16="http://schemas.microsoft.com/office/drawing/2014/main" id="{FB8377AB-1E4B-43CC-903A-503B4E484793}"/>
-              </a:ext>
-            </a:extLst>
-          </p:cNvPr>
-          <p:cNvSpPr txBox="1"/>
-          <p:nvPr/>
-        </p:nvSpPr>
-        <p:spPr>
-          <a:xfrm>
-            <a:off x="8276334" y="3242975"/>
-            <a:ext cx="530915" cy="261610"/>
-          </a:xfrm>
-          <a:prstGeom prst="rect">
-            <a:avLst/>
-          </a:prstGeom>
-          <a:noFill/>
-        </p:spPr>
-        <p:txBody>
-          <a:bodyPr wrap="none" rtlCol="0">
-            <a:spAutoFit/>
-          </a:bodyPr>
-          <a:lstStyle/>
-          <a:p>
-            <a:r>
-              <a:rPr lang="en-US" sz="1100" dirty="0"/>
-              <a:t>VMAS</a:t>
-            </a:r>
-          </a:p>
-        </p:txBody>
-      </p:sp>
-      <p:pic>
-        <p:nvPicPr>
-          <p:cNvPr id="52" name="Picture 51">
-            <a:extLst>
-              <a:ext uri="{FF2B5EF4-FFF2-40B4-BE49-F238E27FC236}">
-                <a16:creationId xmlns:a16="http://schemas.microsoft.com/office/drawing/2014/main" id="{A16E2800-518E-4E39-8556-86DB759DD2D0}"/>
-              </a:ext>
-            </a:extLst>
-          </p:cNvPr>
-          <p:cNvPicPr>
-            <a:picLocks noChangeAspect="1"/>
-          </p:cNvPicPr>
-          <p:nvPr/>
-        </p:nvPicPr>
-        <p:blipFill>
-          <a:blip r:embed="rId5">
-            <a:extLst>
-              <a:ext uri="{28A0092B-C50C-407E-A947-70E740481C1C}">
-                <a14:useLocalDpi xmlns:a14="http://schemas.microsoft.com/office/drawing/2010/main" val="0"/>
-              </a:ext>
-            </a:extLst>
-          </a:blip>
-          <a:stretch>
-            <a:fillRect/>
-          </a:stretch>
-        </p:blipFill>
-        <p:spPr>
-          <a:xfrm>
-            <a:off x="9471956" y="2619241"/>
-            <a:ext cx="531440" cy="531440"/>
-          </a:xfrm>
-          <a:prstGeom prst="rect">
-            <a:avLst/>
-          </a:prstGeom>
-        </p:spPr>
-      </p:pic>
-      <p:pic>
-        <p:nvPicPr>
-          <p:cNvPr id="53" name="Picture 52">
-            <a:extLst>
-              <a:ext uri="{FF2B5EF4-FFF2-40B4-BE49-F238E27FC236}">
-                <a16:creationId xmlns:a16="http://schemas.microsoft.com/office/drawing/2014/main" id="{038A241F-99BC-4AAA-A972-793E188406DE}"/>
-              </a:ext>
-            </a:extLst>
-          </p:cNvPr>
-          <p:cNvPicPr>
-            <a:picLocks noChangeAspect="1"/>
-          </p:cNvPicPr>
-          <p:nvPr/>
-        </p:nvPicPr>
-        <p:blipFill>
-          <a:blip r:embed="rId5">
-            <a:extLst>
-              <a:ext uri="{28A0092B-C50C-407E-A947-70E740481C1C}">
-                <a14:useLocalDpi xmlns:a14="http://schemas.microsoft.com/office/drawing/2010/main" val="0"/>
-              </a:ext>
-            </a:extLst>
-          </a:blip>
-          <a:stretch>
-            <a:fillRect/>
-          </a:stretch>
-        </p:blipFill>
-        <p:spPr>
-          <a:xfrm>
-            <a:off x="10031710" y="2627593"/>
-            <a:ext cx="531440" cy="531440"/>
-          </a:xfrm>
-          <a:prstGeom prst="rect">
-            <a:avLst/>
-          </a:prstGeom>
-        </p:spPr>
-      </p:pic>
-      <p:pic>
-        <p:nvPicPr>
-          <p:cNvPr id="54" name="Picture 53">
-            <a:extLst>
-              <a:ext uri="{FF2B5EF4-FFF2-40B4-BE49-F238E27FC236}">
-                <a16:creationId xmlns:a16="http://schemas.microsoft.com/office/drawing/2014/main" id="{67057B56-0F7E-4849-AF9C-A62B4B1A9E02}"/>
-              </a:ext>
-            </a:extLst>
-          </p:cNvPr>
-          <p:cNvPicPr>
-            <a:picLocks noChangeAspect="1"/>
-          </p:cNvPicPr>
-          <p:nvPr/>
-        </p:nvPicPr>
-        <p:blipFill>
-          <a:blip r:embed="rId5">
-            <a:extLst>
-              <a:ext uri="{28A0092B-C50C-407E-A947-70E740481C1C}">
-                <a14:useLocalDpi xmlns:a14="http://schemas.microsoft.com/office/drawing/2010/main" val="0"/>
-              </a:ext>
-            </a:extLst>
-          </a:blip>
-          <a:stretch>
-            <a:fillRect/>
-          </a:stretch>
-        </p:blipFill>
-        <p:spPr>
-          <a:xfrm>
-            <a:off x="8352448" y="2627593"/>
-            <a:ext cx="531440" cy="531440"/>
-          </a:xfrm>
-          <a:prstGeom prst="rect">
-            <a:avLst/>
-          </a:prstGeom>
-        </p:spPr>
-      </p:pic>
-      <p:pic>
-        <p:nvPicPr>
-          <p:cNvPr id="55" name="Picture 54">
-            <a:extLst>
-              <a:ext uri="{FF2B5EF4-FFF2-40B4-BE49-F238E27FC236}">
-                <a16:creationId xmlns:a16="http://schemas.microsoft.com/office/drawing/2014/main" id="{A411BF4F-4306-4F95-92CF-A9C9DDC817D4}"/>
-              </a:ext>
-            </a:extLst>
-          </p:cNvPr>
-          <p:cNvPicPr>
-            <a:picLocks noChangeAspect="1"/>
-          </p:cNvPicPr>
-          <p:nvPr/>
-        </p:nvPicPr>
-        <p:blipFill>
-          <a:blip r:embed="rId5">
-            <a:extLst>
-              <a:ext uri="{28A0092B-C50C-407E-A947-70E740481C1C}">
-                <a14:useLocalDpi xmlns:a14="http://schemas.microsoft.com/office/drawing/2010/main" val="0"/>
-              </a:ext>
-            </a:extLst>
-          </a:blip>
-          <a:stretch>
-            <a:fillRect/>
-          </a:stretch>
-        </p:blipFill>
-        <p:spPr>
-          <a:xfrm>
-            <a:off x="10591464" y="2627593"/>
-            <a:ext cx="531440" cy="531440"/>
-          </a:xfrm>
-          <a:prstGeom prst="rect">
-            <a:avLst/>
-          </a:prstGeom>
-        </p:spPr>
-      </p:pic>
-      <p:pic>
-        <p:nvPicPr>
-          <p:cNvPr id="56" name="Picture 55">
-            <a:extLst>
-              <a:ext uri="{FF2B5EF4-FFF2-40B4-BE49-F238E27FC236}">
-                <a16:creationId xmlns:a16="http://schemas.microsoft.com/office/drawing/2014/main" id="{ACD728A1-10FA-4C4B-9C65-D5F949D3CA60}"/>
-              </a:ext>
-            </a:extLst>
-          </p:cNvPr>
-          <p:cNvPicPr>
-            <a:picLocks noChangeAspect="1"/>
-          </p:cNvPicPr>
-          <p:nvPr/>
-        </p:nvPicPr>
-        <p:blipFill>
-          <a:blip r:embed="rId5">
-            <a:grayscl/>
-            <a:extLst>
-              <a:ext uri="{28A0092B-C50C-407E-A947-70E740481C1C}">
-                <a14:useLocalDpi xmlns:a14="http://schemas.microsoft.com/office/drawing/2010/main" val="0"/>
-              </a:ext>
-            </a:extLst>
-          </a:blip>
-          <a:stretch>
-            <a:fillRect/>
-          </a:stretch>
-        </p:blipFill>
-        <p:spPr>
-          <a:xfrm>
-            <a:off x="8912202" y="4291482"/>
-            <a:ext cx="531440" cy="531440"/>
-          </a:xfrm>
-          <a:prstGeom prst="rect">
-            <a:avLst/>
-          </a:prstGeom>
-        </p:spPr>
-      </p:pic>
-      <p:sp>
-        <p:nvSpPr>
-          <p:cNvPr id="57" name="Rectangle 56">
-            <a:extLst>
-              <a:ext uri="{FF2B5EF4-FFF2-40B4-BE49-F238E27FC236}">
-                <a16:creationId xmlns:a16="http://schemas.microsoft.com/office/drawing/2014/main" id="{5DF6D66C-065F-4BB7-B33A-551BBA0E3D3E}"/>
-              </a:ext>
-            </a:extLst>
-          </p:cNvPr>
-          <p:cNvSpPr/>
-          <p:nvPr/>
-        </p:nvSpPr>
-        <p:spPr>
-          <a:xfrm>
-            <a:off x="8269650" y="4222220"/>
-            <a:ext cx="2916736" cy="948621"/>
-          </a:xfrm>
-          <a:prstGeom prst="rect">
-            <a:avLst/>
-          </a:prstGeom>
-          <a:noFill/>
-          <a:ln>
-            <a:solidFill>
-              <a:schemeClr val="accent1">
-                <a:lumMod val="75000"/>
-              </a:schemeClr>
-            </a:solidFill>
-            <a:prstDash val="lgDashDotDot"/>
-          </a:ln>
-        </p:spPr>
-        <p:style>
-          <a:lnRef idx="2">
-            <a:schemeClr val="accent1"/>
-          </a:lnRef>
-          <a:fillRef idx="1">
-            <a:schemeClr val="lt1"/>
-          </a:fillRef>
-          <a:effectRef idx="0">
-            <a:schemeClr val="accent1"/>
-          </a:effectRef>
-          <a:fontRef idx="minor">
-            <a:schemeClr val="dk1"/>
-          </a:fontRef>
-        </p:style>
-        <p:txBody>
-          <a:bodyPr rtlCol="0" anchor="ctr"/>
-          <a:lstStyle/>
-          <a:p>
-            <a:pPr algn="ctr"/>
-            <a:endParaRPr lang="en-US"/>
-          </a:p>
-        </p:txBody>
-      </p:sp>
-      <p:sp>
-        <p:nvSpPr>
-          <p:cNvPr id="58" name="TextBox 57">
-            <a:extLst>
-              <a:ext uri="{FF2B5EF4-FFF2-40B4-BE49-F238E27FC236}">
-                <a16:creationId xmlns:a16="http://schemas.microsoft.com/office/drawing/2014/main" id="{13A6C4D3-B3A1-4BEC-B003-B5E136E8781E}"/>
-              </a:ext>
-            </a:extLst>
-          </p:cNvPr>
-          <p:cNvSpPr txBox="1"/>
-          <p:nvPr/>
-        </p:nvSpPr>
-        <p:spPr>
-          <a:xfrm>
-            <a:off x="8276334" y="4906809"/>
-            <a:ext cx="530915" cy="261610"/>
-          </a:xfrm>
-          <a:prstGeom prst="rect">
-            <a:avLst/>
-          </a:prstGeom>
-          <a:noFill/>
-        </p:spPr>
-        <p:txBody>
-          <a:bodyPr wrap="none" rtlCol="0">
-            <a:spAutoFit/>
-          </a:bodyPr>
-          <a:lstStyle/>
-          <a:p>
-            <a:r>
-              <a:rPr lang="en-US" sz="1100" dirty="0"/>
-              <a:t>VMAS</a:t>
-            </a:r>
-          </a:p>
-        </p:txBody>
-      </p:sp>
-      <p:pic>
-        <p:nvPicPr>
-          <p:cNvPr id="59" name="Picture 58">
-            <a:extLst>
-              <a:ext uri="{FF2B5EF4-FFF2-40B4-BE49-F238E27FC236}">
-                <a16:creationId xmlns:a16="http://schemas.microsoft.com/office/drawing/2014/main" id="{D80AE75E-749F-4097-8050-8C7A61FEBF4D}"/>
-              </a:ext>
-            </a:extLst>
-          </p:cNvPr>
-          <p:cNvPicPr>
-            <a:picLocks noChangeAspect="1"/>
-          </p:cNvPicPr>
-          <p:nvPr/>
-        </p:nvPicPr>
-        <p:blipFill>
-          <a:blip r:embed="rId5">
-            <a:grayscl/>
-            <a:extLst>
-              <a:ext uri="{28A0092B-C50C-407E-A947-70E740481C1C}">
-                <a14:useLocalDpi xmlns:a14="http://schemas.microsoft.com/office/drawing/2010/main" val="0"/>
-              </a:ext>
-            </a:extLst>
-          </a:blip>
-          <a:stretch>
-            <a:fillRect/>
-          </a:stretch>
-        </p:blipFill>
-        <p:spPr>
-          <a:xfrm>
-            <a:off x="9471956" y="4283075"/>
-            <a:ext cx="531440" cy="531440"/>
-          </a:xfrm>
-          <a:prstGeom prst="rect">
-            <a:avLst/>
-          </a:prstGeom>
-        </p:spPr>
-      </p:pic>
-      <p:pic>
-        <p:nvPicPr>
-          <p:cNvPr id="60" name="Picture 59">
-            <a:extLst>
-              <a:ext uri="{FF2B5EF4-FFF2-40B4-BE49-F238E27FC236}">
-                <a16:creationId xmlns:a16="http://schemas.microsoft.com/office/drawing/2014/main" id="{41073308-5FF6-4F1B-A34B-4E3A9F5B6F81}"/>
-              </a:ext>
-            </a:extLst>
-          </p:cNvPr>
-          <p:cNvPicPr>
-            <a:picLocks noChangeAspect="1"/>
-          </p:cNvPicPr>
-          <p:nvPr/>
-        </p:nvPicPr>
-        <p:blipFill>
-          <a:blip r:embed="rId5">
-            <a:grayscl/>
-            <a:extLst>
-              <a:ext uri="{28A0092B-C50C-407E-A947-70E740481C1C}">
-                <a14:useLocalDpi xmlns:a14="http://schemas.microsoft.com/office/drawing/2010/main" val="0"/>
-              </a:ext>
-            </a:extLst>
-          </a:blip>
-          <a:stretch>
-            <a:fillRect/>
-          </a:stretch>
-        </p:blipFill>
-        <p:spPr>
-          <a:xfrm>
-            <a:off x="10031710" y="4291427"/>
-            <a:ext cx="531440" cy="531440"/>
-          </a:xfrm>
-          <a:prstGeom prst="rect">
-            <a:avLst/>
-          </a:prstGeom>
-        </p:spPr>
-      </p:pic>
-      <p:pic>
-        <p:nvPicPr>
-          <p:cNvPr id="61" name="Picture 60">
-            <a:extLst>
-              <a:ext uri="{FF2B5EF4-FFF2-40B4-BE49-F238E27FC236}">
-                <a16:creationId xmlns:a16="http://schemas.microsoft.com/office/drawing/2014/main" id="{16BAF1C6-C4D3-4923-87CC-81495DEA01C2}"/>
-              </a:ext>
-            </a:extLst>
-          </p:cNvPr>
-          <p:cNvPicPr>
-            <a:picLocks noChangeAspect="1"/>
-          </p:cNvPicPr>
-          <p:nvPr/>
-        </p:nvPicPr>
-        <p:blipFill>
-          <a:blip r:embed="rId5">
-            <a:grayscl/>
-            <a:extLst>
-              <a:ext uri="{28A0092B-C50C-407E-A947-70E740481C1C}">
-                <a14:useLocalDpi xmlns:a14="http://schemas.microsoft.com/office/drawing/2010/main" val="0"/>
-              </a:ext>
-            </a:extLst>
-          </a:blip>
-          <a:stretch>
-            <a:fillRect/>
-          </a:stretch>
-        </p:blipFill>
-        <p:spPr>
-          <a:xfrm>
-            <a:off x="8352448" y="4291427"/>
-            <a:ext cx="531440" cy="531440"/>
-          </a:xfrm>
-          <a:prstGeom prst="rect">
-            <a:avLst/>
-          </a:prstGeom>
-        </p:spPr>
-      </p:pic>
-      <p:pic>
-        <p:nvPicPr>
-          <p:cNvPr id="62" name="Picture 61">
-            <a:extLst>
-              <a:ext uri="{FF2B5EF4-FFF2-40B4-BE49-F238E27FC236}">
-                <a16:creationId xmlns:a16="http://schemas.microsoft.com/office/drawing/2014/main" id="{1FFB6EB7-694D-4238-B6F1-C6CD13C129B1}"/>
-              </a:ext>
-            </a:extLst>
-          </p:cNvPr>
-          <p:cNvPicPr>
-            <a:picLocks noChangeAspect="1"/>
-          </p:cNvPicPr>
-          <p:nvPr/>
-        </p:nvPicPr>
-        <p:blipFill>
-          <a:blip r:embed="rId5">
-            <a:grayscl/>
-            <a:extLst>
-              <a:ext uri="{28A0092B-C50C-407E-A947-70E740481C1C}">
-                <a14:useLocalDpi xmlns:a14="http://schemas.microsoft.com/office/drawing/2010/main" val="0"/>
-              </a:ext>
-            </a:extLst>
-          </a:blip>
-          <a:stretch>
-            <a:fillRect/>
-          </a:stretch>
-        </p:blipFill>
-        <p:spPr>
-          <a:xfrm>
-            <a:off x="10591464" y="4291427"/>
-            <a:ext cx="531440" cy="531440"/>
-          </a:xfrm>
-          <a:prstGeom prst="rect">
-            <a:avLst/>
-          </a:prstGeom>
-        </p:spPr>
-      </p:pic>
-      <p:pic>
-        <p:nvPicPr>
-          <p:cNvPr id="63" name="Picture 62">
-            <a:extLst>
-              <a:ext uri="{FF2B5EF4-FFF2-40B4-BE49-F238E27FC236}">
-                <a16:creationId xmlns:a16="http://schemas.microsoft.com/office/drawing/2014/main" id="{88F48A1A-15DA-402B-921D-5F8E1CF22DAC}"/>
-              </a:ext>
-            </a:extLst>
-          </p:cNvPr>
-          <p:cNvPicPr>
-            <a:picLocks noChangeAspect="1"/>
-          </p:cNvPicPr>
-          <p:nvPr/>
-        </p:nvPicPr>
-        <p:blipFill>
-          <a:blip r:embed="rId5">
-            <a:duotone>
-              <a:prstClr val="black"/>
-              <a:schemeClr val="accent1">
-                <a:tint val="45000"/>
-                <a:satMod val="400000"/>
-              </a:schemeClr>
-            </a:duotone>
-            <a:extLst>
-              <a:ext uri="{28A0092B-C50C-407E-A947-70E740481C1C}">
-                <a14:useLocalDpi xmlns:a14="http://schemas.microsoft.com/office/drawing/2010/main" val="0"/>
-              </a:ext>
-            </a:extLst>
-          </a:blip>
-          <a:stretch>
-            <a:fillRect/>
-          </a:stretch>
-        </p:blipFill>
-        <p:spPr>
-          <a:xfrm>
-            <a:off x="4652486" y="1811607"/>
-            <a:ext cx="531440" cy="531440"/>
-          </a:xfrm>
-          <a:prstGeom prst="rect">
-            <a:avLst/>
-          </a:prstGeom>
-        </p:spPr>
-      </p:pic>
-      <p:pic>
-        <p:nvPicPr>
-          <p:cNvPr id="64" name="Picture 63">
-            <a:extLst>
-              <a:ext uri="{FF2B5EF4-FFF2-40B4-BE49-F238E27FC236}">
-                <a16:creationId xmlns:a16="http://schemas.microsoft.com/office/drawing/2014/main" id="{49BE5FEA-10F4-4291-8626-21C96B05C9BC}"/>
-              </a:ext>
-            </a:extLst>
-          </p:cNvPr>
-          <p:cNvPicPr>
-            <a:picLocks noChangeAspect="1"/>
-          </p:cNvPicPr>
-          <p:nvPr/>
-        </p:nvPicPr>
-        <p:blipFill>
-          <a:blip r:embed="rId5">
-            <a:duotone>
-              <a:prstClr val="black"/>
-              <a:schemeClr val="accent1">
-                <a:tint val="45000"/>
-                <a:satMod val="400000"/>
-              </a:schemeClr>
-            </a:duotone>
-            <a:extLst>
-              <a:ext uri="{28A0092B-C50C-407E-A947-70E740481C1C}">
-                <a14:useLocalDpi xmlns:a14="http://schemas.microsoft.com/office/drawing/2010/main" val="0"/>
-              </a:ext>
-            </a:extLst>
-          </a:blip>
-          <a:stretch>
-            <a:fillRect/>
-          </a:stretch>
-        </p:blipFill>
-        <p:spPr>
-          <a:xfrm>
-            <a:off x="5202747" y="1811607"/>
-            <a:ext cx="531440" cy="531440"/>
-          </a:xfrm>
-          <a:prstGeom prst="rect">
-            <a:avLst/>
-          </a:prstGeom>
-        </p:spPr>
-      </p:pic>
-      <p:pic>
-        <p:nvPicPr>
-          <p:cNvPr id="65" name="Picture 64">
-            <a:extLst>
-              <a:ext uri="{FF2B5EF4-FFF2-40B4-BE49-F238E27FC236}">
-                <a16:creationId xmlns:a16="http://schemas.microsoft.com/office/drawing/2014/main" id="{BB263C5E-E03B-42F8-9CB7-FA0EE5BE31FF}"/>
-              </a:ext>
-            </a:extLst>
-          </p:cNvPr>
-          <p:cNvPicPr>
-            <a:picLocks noChangeAspect="1"/>
-          </p:cNvPicPr>
-          <p:nvPr/>
-        </p:nvPicPr>
-        <p:blipFill>
-          <a:blip r:embed="rId5">
-            <a:duotone>
-              <a:prstClr val="black"/>
-              <a:schemeClr val="accent1">
-                <a:tint val="45000"/>
-                <a:satMod val="400000"/>
-              </a:schemeClr>
-            </a:duotone>
-            <a:extLst>
-              <a:ext uri="{28A0092B-C50C-407E-A947-70E740481C1C}">
-                <a14:useLocalDpi xmlns:a14="http://schemas.microsoft.com/office/drawing/2010/main" val="0"/>
-              </a:ext>
-            </a:extLst>
-          </a:blip>
-          <a:stretch>
-            <a:fillRect/>
-          </a:stretch>
-        </p:blipFill>
-        <p:spPr>
-          <a:xfrm>
-            <a:off x="4652486" y="2341156"/>
-            <a:ext cx="531440" cy="531440"/>
-          </a:xfrm>
-          <a:prstGeom prst="rect">
-            <a:avLst/>
-          </a:prstGeom>
-        </p:spPr>
-      </p:pic>
-      <p:pic>
-        <p:nvPicPr>
-          <p:cNvPr id="66" name="Picture 65">
-            <a:extLst>
-              <a:ext uri="{FF2B5EF4-FFF2-40B4-BE49-F238E27FC236}">
-                <a16:creationId xmlns:a16="http://schemas.microsoft.com/office/drawing/2014/main" id="{0AAA009C-776B-46FD-91DA-E14985B36D65}"/>
-              </a:ext>
-            </a:extLst>
-          </p:cNvPr>
-          <p:cNvPicPr>
-            <a:picLocks noChangeAspect="1"/>
-          </p:cNvPicPr>
-          <p:nvPr/>
-        </p:nvPicPr>
-        <p:blipFill>
-          <a:blip r:embed="rId5">
-            <a:duotone>
-              <a:prstClr val="black"/>
-              <a:schemeClr val="accent1">
-                <a:tint val="45000"/>
-                <a:satMod val="400000"/>
-              </a:schemeClr>
-            </a:duotone>
-            <a:extLst>
-              <a:ext uri="{28A0092B-C50C-407E-A947-70E740481C1C}">
-                <a14:useLocalDpi xmlns:a14="http://schemas.microsoft.com/office/drawing/2010/main" val="0"/>
-              </a:ext>
-            </a:extLst>
-          </a:blip>
-          <a:stretch>
-            <a:fillRect/>
-          </a:stretch>
-        </p:blipFill>
-        <p:spPr>
-          <a:xfrm>
-            <a:off x="5202747" y="2341156"/>
-            <a:ext cx="531440" cy="531440"/>
-          </a:xfrm>
-          <a:prstGeom prst="rect">
-            <a:avLst/>
-          </a:prstGeom>
-        </p:spPr>
-      </p:pic>
-      <p:sp>
-        <p:nvSpPr>
-          <p:cNvPr id="67" name="Rectangle 66">
-            <a:extLst>
-              <a:ext uri="{FF2B5EF4-FFF2-40B4-BE49-F238E27FC236}">
-                <a16:creationId xmlns:a16="http://schemas.microsoft.com/office/drawing/2014/main" id="{FC83CE48-809B-41AE-B0DC-7FE50B30E6A7}"/>
-              </a:ext>
-            </a:extLst>
-          </p:cNvPr>
-          <p:cNvSpPr/>
-          <p:nvPr/>
-        </p:nvSpPr>
-        <p:spPr>
-          <a:xfrm>
-            <a:off x="4598884" y="1780346"/>
-            <a:ext cx="1195000" cy="1370335"/>
-          </a:xfrm>
-          <a:prstGeom prst="rect">
-            <a:avLst/>
-          </a:prstGeom>
-          <a:noFill/>
-          <a:ln>
-            <a:solidFill>
-              <a:schemeClr val="accent1">
-                <a:lumMod val="75000"/>
-              </a:schemeClr>
-            </a:solidFill>
-            <a:prstDash val="lgDashDotDot"/>
-          </a:ln>
-        </p:spPr>
-        <p:style>
-          <a:lnRef idx="2">
-            <a:schemeClr val="accent1"/>
-          </a:lnRef>
-          <a:fillRef idx="1">
-            <a:schemeClr val="lt1"/>
-          </a:fillRef>
-          <a:effectRef idx="0">
-            <a:schemeClr val="accent1"/>
-          </a:effectRef>
-          <a:fontRef idx="minor">
-            <a:schemeClr val="dk1"/>
-          </a:fontRef>
-        </p:style>
-        <p:txBody>
-          <a:bodyPr rtlCol="0" anchor="ctr"/>
-          <a:lstStyle/>
-          <a:p>
-            <a:pPr algn="ctr"/>
-            <a:endParaRPr lang="en-US"/>
-          </a:p>
-        </p:txBody>
-      </p:sp>
-      <p:sp>
-        <p:nvSpPr>
-          <p:cNvPr id="68" name="TextBox 67">
-            <a:extLst>
-              <a:ext uri="{FF2B5EF4-FFF2-40B4-BE49-F238E27FC236}">
-                <a16:creationId xmlns:a16="http://schemas.microsoft.com/office/drawing/2014/main" id="{5DBBD431-E7EA-44F6-9C9A-9819888EFEFE}"/>
-              </a:ext>
-            </a:extLst>
-          </p:cNvPr>
-          <p:cNvSpPr txBox="1"/>
-          <p:nvPr/>
-        </p:nvSpPr>
-        <p:spPr>
-          <a:xfrm>
-            <a:off x="4562476" y="2893313"/>
-            <a:ext cx="688009" cy="261610"/>
-          </a:xfrm>
-          <a:prstGeom prst="rect">
-            <a:avLst/>
-          </a:prstGeom>
-          <a:noFill/>
-        </p:spPr>
-        <p:txBody>
-          <a:bodyPr wrap="none" rtlCol="0">
-            <a:spAutoFit/>
-          </a:bodyPr>
-          <a:lstStyle/>
-          <a:p>
-            <a:r>
-              <a:rPr lang="en-US" sz="1100" dirty="0"/>
-              <a:t>VMSS #1</a:t>
-            </a:r>
-          </a:p>
-        </p:txBody>
-      </p:sp>
-      <p:pic>
-        <p:nvPicPr>
-          <p:cNvPr id="69" name="Picture 68">
-            <a:extLst>
-              <a:ext uri="{FF2B5EF4-FFF2-40B4-BE49-F238E27FC236}">
-                <a16:creationId xmlns:a16="http://schemas.microsoft.com/office/drawing/2014/main" id="{975F00C6-9D91-4D6E-9034-09B75FF9C089}"/>
-              </a:ext>
-            </a:extLst>
-          </p:cNvPr>
-          <p:cNvPicPr>
-            <a:picLocks noChangeAspect="1"/>
-          </p:cNvPicPr>
-          <p:nvPr/>
-        </p:nvPicPr>
-        <p:blipFill>
-          <a:blip r:embed="rId5">
-            <a:duotone>
-              <a:prstClr val="black"/>
-              <a:schemeClr val="accent1">
-                <a:tint val="45000"/>
-                <a:satMod val="400000"/>
-              </a:schemeClr>
-            </a:duotone>
-            <a:extLst>
-              <a:ext uri="{28A0092B-C50C-407E-A947-70E740481C1C}">
-                <a14:useLocalDpi xmlns:a14="http://schemas.microsoft.com/office/drawing/2010/main" val="0"/>
-              </a:ext>
-            </a:extLst>
-          </a:blip>
-          <a:stretch>
-            <a:fillRect/>
-          </a:stretch>
-        </p:blipFill>
-        <p:spPr>
-          <a:xfrm>
-            <a:off x="4658849" y="3252680"/>
-            <a:ext cx="531440" cy="531440"/>
-          </a:xfrm>
-          <a:prstGeom prst="rect">
-            <a:avLst/>
-          </a:prstGeom>
-        </p:spPr>
-      </p:pic>
-      <p:pic>
-        <p:nvPicPr>
-          <p:cNvPr id="70" name="Picture 69">
-            <a:extLst>
-              <a:ext uri="{FF2B5EF4-FFF2-40B4-BE49-F238E27FC236}">
-                <a16:creationId xmlns:a16="http://schemas.microsoft.com/office/drawing/2014/main" id="{78C64356-F9E5-4D7B-83C0-91C5A3933DAC}"/>
-              </a:ext>
-            </a:extLst>
-          </p:cNvPr>
-          <p:cNvPicPr>
-            <a:picLocks noChangeAspect="1"/>
-          </p:cNvPicPr>
-          <p:nvPr/>
-        </p:nvPicPr>
-        <p:blipFill>
-          <a:blip r:embed="rId5">
-            <a:duotone>
-              <a:prstClr val="black"/>
-              <a:schemeClr val="accent1">
-                <a:tint val="45000"/>
-                <a:satMod val="400000"/>
-              </a:schemeClr>
-            </a:duotone>
-            <a:extLst>
-              <a:ext uri="{28A0092B-C50C-407E-A947-70E740481C1C}">
-                <a14:useLocalDpi xmlns:a14="http://schemas.microsoft.com/office/drawing/2010/main" val="0"/>
-              </a:ext>
-            </a:extLst>
-          </a:blip>
-          <a:stretch>
-            <a:fillRect/>
-          </a:stretch>
-        </p:blipFill>
-        <p:spPr>
-          <a:xfrm>
-            <a:off x="5209110" y="3252680"/>
-            <a:ext cx="531440" cy="531440"/>
-          </a:xfrm>
-          <a:prstGeom prst="rect">
-            <a:avLst/>
-          </a:prstGeom>
-        </p:spPr>
-      </p:pic>
-      <p:pic>
-        <p:nvPicPr>
-          <p:cNvPr id="71" name="Picture 70">
-            <a:extLst>
-              <a:ext uri="{FF2B5EF4-FFF2-40B4-BE49-F238E27FC236}">
-                <a16:creationId xmlns:a16="http://schemas.microsoft.com/office/drawing/2014/main" id="{A0B9E36B-DFA2-4E0D-A8CC-89E7B4659354}"/>
-              </a:ext>
-            </a:extLst>
-          </p:cNvPr>
-          <p:cNvPicPr>
-            <a:picLocks noChangeAspect="1"/>
-          </p:cNvPicPr>
-          <p:nvPr/>
-        </p:nvPicPr>
-        <p:blipFill>
-          <a:blip r:embed="rId5">
-            <a:duotone>
-              <a:prstClr val="black"/>
-              <a:schemeClr val="accent1">
-                <a:tint val="45000"/>
-                <a:satMod val="400000"/>
-              </a:schemeClr>
-            </a:duotone>
-            <a:extLst>
-              <a:ext uri="{28A0092B-C50C-407E-A947-70E740481C1C}">
-                <a14:useLocalDpi xmlns:a14="http://schemas.microsoft.com/office/drawing/2010/main" val="0"/>
-              </a:ext>
-            </a:extLst>
-          </a:blip>
-          <a:stretch>
-            <a:fillRect/>
-          </a:stretch>
-        </p:blipFill>
-        <p:spPr>
-          <a:xfrm>
-            <a:off x="4658849" y="3782229"/>
-            <a:ext cx="531440" cy="531440"/>
-          </a:xfrm>
-          <a:prstGeom prst="rect">
-            <a:avLst/>
-          </a:prstGeom>
-        </p:spPr>
-      </p:pic>
-      <p:pic>
-        <p:nvPicPr>
-          <p:cNvPr id="72" name="Picture 71">
-            <a:extLst>
-              <a:ext uri="{FF2B5EF4-FFF2-40B4-BE49-F238E27FC236}">
-                <a16:creationId xmlns:a16="http://schemas.microsoft.com/office/drawing/2014/main" id="{CAAAB856-3249-44F2-8078-4E995C1CA44D}"/>
-              </a:ext>
-            </a:extLst>
-          </p:cNvPr>
-          <p:cNvPicPr>
-            <a:picLocks noChangeAspect="1"/>
-          </p:cNvPicPr>
-          <p:nvPr/>
-        </p:nvPicPr>
-        <p:blipFill>
-          <a:blip r:embed="rId5">
-            <a:duotone>
-              <a:prstClr val="black"/>
-              <a:schemeClr val="accent1">
-                <a:tint val="45000"/>
-                <a:satMod val="400000"/>
-              </a:schemeClr>
-            </a:duotone>
-            <a:extLst>
-              <a:ext uri="{28A0092B-C50C-407E-A947-70E740481C1C}">
-                <a14:useLocalDpi xmlns:a14="http://schemas.microsoft.com/office/drawing/2010/main" val="0"/>
-              </a:ext>
-            </a:extLst>
-          </a:blip>
-          <a:stretch>
-            <a:fillRect/>
-          </a:stretch>
-        </p:blipFill>
-        <p:spPr>
-          <a:xfrm>
-            <a:off x="5209110" y="3782229"/>
-            <a:ext cx="531440" cy="531440"/>
-          </a:xfrm>
-          <a:prstGeom prst="rect">
-            <a:avLst/>
-          </a:prstGeom>
-        </p:spPr>
-      </p:pic>
-      <p:sp>
-        <p:nvSpPr>
-          <p:cNvPr id="73" name="Rectangle 72">
-            <a:extLst>
-              <a:ext uri="{FF2B5EF4-FFF2-40B4-BE49-F238E27FC236}">
-                <a16:creationId xmlns:a16="http://schemas.microsoft.com/office/drawing/2014/main" id="{521BACE1-0C27-493D-B4E1-954FEB3EB768}"/>
-              </a:ext>
-            </a:extLst>
-          </p:cNvPr>
-          <p:cNvSpPr/>
-          <p:nvPr/>
-        </p:nvSpPr>
-        <p:spPr>
-          <a:xfrm>
-            <a:off x="4605247" y="3221419"/>
-            <a:ext cx="1195000" cy="1370335"/>
-          </a:xfrm>
-          <a:prstGeom prst="rect">
-            <a:avLst/>
-          </a:prstGeom>
-          <a:noFill/>
-          <a:ln>
-            <a:solidFill>
-              <a:schemeClr val="accent1">
-                <a:lumMod val="75000"/>
-              </a:schemeClr>
-            </a:solidFill>
-            <a:prstDash val="lgDashDotDot"/>
-          </a:ln>
-        </p:spPr>
-        <p:style>
-          <a:lnRef idx="2">
-            <a:schemeClr val="accent1"/>
-          </a:lnRef>
-          <a:fillRef idx="1">
-            <a:schemeClr val="lt1"/>
-          </a:fillRef>
-          <a:effectRef idx="0">
-            <a:schemeClr val="accent1"/>
-          </a:effectRef>
-          <a:fontRef idx="minor">
-            <a:schemeClr val="dk1"/>
-          </a:fontRef>
-        </p:style>
-        <p:txBody>
-          <a:bodyPr rtlCol="0" anchor="ctr"/>
-          <a:lstStyle/>
-          <a:p>
-            <a:pPr algn="ctr"/>
-            <a:endParaRPr lang="en-US"/>
-          </a:p>
-        </p:txBody>
-      </p:sp>
-      <p:sp>
-        <p:nvSpPr>
-          <p:cNvPr id="74" name="TextBox 73">
-            <a:extLst>
-              <a:ext uri="{FF2B5EF4-FFF2-40B4-BE49-F238E27FC236}">
-                <a16:creationId xmlns:a16="http://schemas.microsoft.com/office/drawing/2014/main" id="{92580689-E1C0-49DD-BA85-3621452C35F9}"/>
-              </a:ext>
-            </a:extLst>
-          </p:cNvPr>
-          <p:cNvSpPr txBox="1"/>
-          <p:nvPr/>
-        </p:nvSpPr>
-        <p:spPr>
-          <a:xfrm>
-            <a:off x="4568839" y="4334386"/>
-            <a:ext cx="688009" cy="261610"/>
-          </a:xfrm>
-          <a:prstGeom prst="rect">
-            <a:avLst/>
-          </a:prstGeom>
-          <a:noFill/>
-        </p:spPr>
-        <p:txBody>
-          <a:bodyPr wrap="none" rtlCol="0">
-            <a:spAutoFit/>
-          </a:bodyPr>
-          <a:lstStyle/>
-          <a:p>
-            <a:r>
-              <a:rPr lang="en-US" sz="1100" dirty="0"/>
-              <a:t>VMSS #2</a:t>
-            </a:r>
-          </a:p>
-        </p:txBody>
-      </p:sp>
-      <p:pic>
-        <p:nvPicPr>
-          <p:cNvPr id="76" name="Picture 75" descr="A close up of a sign&#10;&#10;Description generated with very high confidence">
-            <a:extLst>
-              <a:ext uri="{FF2B5EF4-FFF2-40B4-BE49-F238E27FC236}">
-                <a16:creationId xmlns:a16="http://schemas.microsoft.com/office/drawing/2014/main" id="{25BF055C-769D-48DE-99A2-91C375FFD256}"/>
-              </a:ext>
-            </a:extLst>
-          </p:cNvPr>
-          <p:cNvPicPr>
-            <a:picLocks noChangeAspect="1"/>
-          </p:cNvPicPr>
-          <p:nvPr/>
-        </p:nvPicPr>
-        <p:blipFill>
-          <a:blip r:embed="rId6">
-            <a:biLevel thresh="75000"/>
-            <a:extLst>
-              <a:ext uri="{28A0092B-C50C-407E-A947-70E740481C1C}">
-                <a14:useLocalDpi xmlns:a14="http://schemas.microsoft.com/office/drawing/2010/main" val="0"/>
-              </a:ext>
-            </a:extLst>
-          </a:blip>
-          <a:stretch>
-            <a:fillRect/>
-          </a:stretch>
-        </p:blipFill>
-        <p:spPr>
-          <a:xfrm>
-            <a:off x="5734145" y="2177108"/>
-            <a:ext cx="328096" cy="328096"/>
-          </a:xfrm>
-          <a:prstGeom prst="rect">
-            <a:avLst/>
-          </a:prstGeom>
-        </p:spPr>
-      </p:pic>
-      <p:pic>
-        <p:nvPicPr>
-          <p:cNvPr id="77" name="Picture 76" descr="A close up of a sign&#10;&#10;Description generated with very high confidence">
-            <a:extLst>
-              <a:ext uri="{FF2B5EF4-FFF2-40B4-BE49-F238E27FC236}">
-                <a16:creationId xmlns:a16="http://schemas.microsoft.com/office/drawing/2014/main" id="{437E43AF-E89E-4358-9DC5-D51B8696D366}"/>
-              </a:ext>
-            </a:extLst>
-          </p:cNvPr>
-          <p:cNvPicPr>
-            <a:picLocks noChangeAspect="1"/>
-          </p:cNvPicPr>
-          <p:nvPr/>
-        </p:nvPicPr>
-        <p:blipFill>
-          <a:blip r:embed="rId6">
-            <a:biLevel thresh="75000"/>
-            <a:extLst>
-              <a:ext uri="{28A0092B-C50C-407E-A947-70E740481C1C}">
-                <a14:useLocalDpi xmlns:a14="http://schemas.microsoft.com/office/drawing/2010/main" val="0"/>
-              </a:ext>
-            </a:extLst>
-          </a:blip>
-          <a:stretch>
-            <a:fillRect/>
-          </a:stretch>
-        </p:blipFill>
-        <p:spPr>
-          <a:xfrm>
-            <a:off x="5713847" y="3590720"/>
-            <a:ext cx="328096" cy="328096"/>
-          </a:xfrm>
-          <a:prstGeom prst="rect">
-            <a:avLst/>
-          </a:prstGeom>
-        </p:spPr>
-      </p:pic>
-      <p:sp>
-        <p:nvSpPr>
-          <p:cNvPr id="78" name="Cylinder 77">
-            <a:extLst>
-              <a:ext uri="{FF2B5EF4-FFF2-40B4-BE49-F238E27FC236}">
-                <a16:creationId xmlns:a16="http://schemas.microsoft.com/office/drawing/2014/main" id="{B3A2F76E-26E2-4D3B-BFA8-85876DE221E6}"/>
-              </a:ext>
-            </a:extLst>
-          </p:cNvPr>
-          <p:cNvSpPr/>
-          <p:nvPr/>
-        </p:nvSpPr>
-        <p:spPr>
-          <a:xfrm>
-            <a:off x="1530259" y="2926850"/>
-            <a:ext cx="411181" cy="546871"/>
-          </a:xfrm>
-          <a:prstGeom prst="can">
-            <a:avLst/>
-          </a:prstGeom>
-          <a:ln>
-            <a:solidFill>
-              <a:schemeClr val="tx1"/>
-            </a:solidFill>
-          </a:ln>
-        </p:spPr>
-        <p:style>
-          <a:lnRef idx="2">
-            <a:schemeClr val="accent1"/>
-          </a:lnRef>
-          <a:fillRef idx="1">
-            <a:schemeClr val="lt1"/>
-          </a:fillRef>
-          <a:effectRef idx="0">
-            <a:schemeClr val="accent1"/>
-          </a:effectRef>
-          <a:fontRef idx="minor">
-            <a:schemeClr val="dk1"/>
-          </a:fontRef>
-        </p:style>
-        <p:txBody>
-          <a:bodyPr rtlCol="0" anchor="ctr"/>
-          <a:lstStyle/>
-          <a:p>
-            <a:pPr algn="ctr"/>
-            <a:endParaRPr lang="en-US"/>
-          </a:p>
-        </p:txBody>
-      </p:sp>
-      <p:sp>
-        <p:nvSpPr>
-          <p:cNvPr id="79" name="Cylinder 78">
-            <a:extLst>
-              <a:ext uri="{FF2B5EF4-FFF2-40B4-BE49-F238E27FC236}">
-                <a16:creationId xmlns:a16="http://schemas.microsoft.com/office/drawing/2014/main" id="{4E50174C-DF76-4E80-9678-4F1924C0EB47}"/>
-              </a:ext>
-            </a:extLst>
-          </p:cNvPr>
-          <p:cNvSpPr/>
-          <p:nvPr/>
-        </p:nvSpPr>
-        <p:spPr>
-          <a:xfrm>
-            <a:off x="1986532" y="2927946"/>
-            <a:ext cx="411181" cy="546871"/>
-          </a:xfrm>
-          <a:prstGeom prst="can">
-            <a:avLst/>
-          </a:prstGeom>
-          <a:ln>
-            <a:solidFill>
-              <a:schemeClr val="tx1"/>
-            </a:solidFill>
-          </a:ln>
-        </p:spPr>
-        <p:style>
-          <a:lnRef idx="2">
-            <a:schemeClr val="accent1"/>
-          </a:lnRef>
-          <a:fillRef idx="1">
-            <a:schemeClr val="lt1"/>
-          </a:fillRef>
-          <a:effectRef idx="0">
-            <a:schemeClr val="accent1"/>
-          </a:effectRef>
-          <a:fontRef idx="minor">
-            <a:schemeClr val="dk1"/>
-          </a:fontRef>
-        </p:style>
-        <p:txBody>
-          <a:bodyPr rtlCol="0" anchor="ctr"/>
-          <a:lstStyle/>
-          <a:p>
-            <a:pPr algn="ctr"/>
-            <a:endParaRPr lang="en-US"/>
-          </a:p>
-        </p:txBody>
-      </p:sp>
-      <p:sp>
-        <p:nvSpPr>
-          <p:cNvPr id="80" name="Cylinder 79">
-            <a:extLst>
-              <a:ext uri="{FF2B5EF4-FFF2-40B4-BE49-F238E27FC236}">
-                <a16:creationId xmlns:a16="http://schemas.microsoft.com/office/drawing/2014/main" id="{3B8314E1-3F8B-4FCA-AE70-6B1DB82E3743}"/>
-              </a:ext>
-            </a:extLst>
-          </p:cNvPr>
-          <p:cNvSpPr/>
-          <p:nvPr/>
-        </p:nvSpPr>
-        <p:spPr>
-          <a:xfrm>
-            <a:off x="1529443" y="2379978"/>
-            <a:ext cx="411181" cy="546871"/>
-          </a:xfrm>
-          <a:prstGeom prst="can">
-            <a:avLst/>
-          </a:prstGeom>
-          <a:ln>
-            <a:solidFill>
-              <a:schemeClr val="tx1"/>
-            </a:solidFill>
-          </a:ln>
-        </p:spPr>
-        <p:style>
-          <a:lnRef idx="2">
-            <a:schemeClr val="accent1"/>
-          </a:lnRef>
-          <a:fillRef idx="1">
-            <a:schemeClr val="lt1"/>
-          </a:fillRef>
-          <a:effectRef idx="0">
-            <a:schemeClr val="accent1"/>
-          </a:effectRef>
-          <a:fontRef idx="minor">
-            <a:schemeClr val="dk1"/>
-          </a:fontRef>
-        </p:style>
-        <p:txBody>
-          <a:bodyPr rtlCol="0" anchor="ctr"/>
-          <a:lstStyle/>
-          <a:p>
-            <a:pPr algn="ctr"/>
-            <a:endParaRPr lang="en-US"/>
-          </a:p>
-        </p:txBody>
-      </p:sp>
-      <p:pic>
-        <p:nvPicPr>
-          <p:cNvPr id="81" name="Picture 80">
-            <a:extLst>
-              <a:ext uri="{FF2B5EF4-FFF2-40B4-BE49-F238E27FC236}">
-                <a16:creationId xmlns:a16="http://schemas.microsoft.com/office/drawing/2014/main" id="{8C7E0788-5D38-4291-988D-8E43666F3564}"/>
-              </a:ext>
-            </a:extLst>
-          </p:cNvPr>
-          <p:cNvPicPr>
-            <a:picLocks noChangeAspect="1"/>
-          </p:cNvPicPr>
-          <p:nvPr/>
-        </p:nvPicPr>
-        <p:blipFill>
-          <a:blip r:embed="rId5">
-            <a:biLevel thresh="75000"/>
-            <a:extLst>
-              <a:ext uri="{28A0092B-C50C-407E-A947-70E740481C1C}">
-                <a14:useLocalDpi xmlns:a14="http://schemas.microsoft.com/office/drawing/2010/main" val="0"/>
-              </a:ext>
-            </a:extLst>
-          </a:blip>
-          <a:stretch>
-            <a:fillRect/>
-          </a:stretch>
-        </p:blipFill>
-        <p:spPr>
-          <a:xfrm>
-            <a:off x="1667004" y="1034181"/>
-            <a:ext cx="531440" cy="531440"/>
-          </a:xfrm>
-          <a:prstGeom prst="rect">
-            <a:avLst/>
-          </a:prstGeom>
-        </p:spPr>
-      </p:pic>
-      <p:pic>
-        <p:nvPicPr>
-          <p:cNvPr id="82" name="Picture 81">
-            <a:extLst>
-              <a:ext uri="{FF2B5EF4-FFF2-40B4-BE49-F238E27FC236}">
-                <a16:creationId xmlns:a16="http://schemas.microsoft.com/office/drawing/2014/main" id="{839400D2-D492-480D-8555-4305BFB609FF}"/>
-              </a:ext>
-            </a:extLst>
-          </p:cNvPr>
-          <p:cNvPicPr>
-            <a:picLocks noChangeAspect="1"/>
-          </p:cNvPicPr>
-          <p:nvPr/>
-        </p:nvPicPr>
-        <p:blipFill>
-          <a:blip r:embed="rId5">
-            <a:biLevel thresh="75000"/>
-            <a:extLst>
-              <a:ext uri="{28A0092B-C50C-407E-A947-70E740481C1C}">
-                <a14:useLocalDpi xmlns:a14="http://schemas.microsoft.com/office/drawing/2010/main" val="0"/>
-              </a:ext>
-            </a:extLst>
-          </a:blip>
-          <a:stretch>
-            <a:fillRect/>
-          </a:stretch>
-        </p:blipFill>
-        <p:spPr>
-          <a:xfrm>
-            <a:off x="2226758" y="1025774"/>
-            <a:ext cx="531440" cy="531440"/>
-          </a:xfrm>
-          <a:prstGeom prst="rect">
-            <a:avLst/>
-          </a:prstGeom>
-        </p:spPr>
-      </p:pic>
-      <p:pic>
-        <p:nvPicPr>
-          <p:cNvPr id="83" name="Picture 82">
-            <a:extLst>
-              <a:ext uri="{FF2B5EF4-FFF2-40B4-BE49-F238E27FC236}">
-                <a16:creationId xmlns:a16="http://schemas.microsoft.com/office/drawing/2014/main" id="{4160EF3F-64E4-4D47-A398-17513E7132EA}"/>
-              </a:ext>
-            </a:extLst>
-          </p:cNvPr>
-          <p:cNvPicPr>
-            <a:picLocks noChangeAspect="1"/>
-          </p:cNvPicPr>
-          <p:nvPr/>
-        </p:nvPicPr>
-        <p:blipFill>
-          <a:blip r:embed="rId5">
-            <a:biLevel thresh="75000"/>
-            <a:extLst>
-              <a:ext uri="{28A0092B-C50C-407E-A947-70E740481C1C}">
-                <a14:useLocalDpi xmlns:a14="http://schemas.microsoft.com/office/drawing/2010/main" val="0"/>
-              </a:ext>
-            </a:extLst>
-          </a:blip>
-          <a:stretch>
-            <a:fillRect/>
-          </a:stretch>
-        </p:blipFill>
-        <p:spPr>
-          <a:xfrm>
-            <a:off x="1107250" y="1034126"/>
-            <a:ext cx="531440" cy="531440"/>
-          </a:xfrm>
-          <a:prstGeom prst="rect">
-            <a:avLst/>
-          </a:prstGeom>
-        </p:spPr>
-      </p:pic>
-      <p:pic>
-        <p:nvPicPr>
-          <p:cNvPr id="84" name="Picture 83">
-            <a:extLst>
-              <a:ext uri="{FF2B5EF4-FFF2-40B4-BE49-F238E27FC236}">
-                <a16:creationId xmlns:a16="http://schemas.microsoft.com/office/drawing/2014/main" id="{15A15330-F689-4F4B-A325-323BE156D0F9}"/>
-              </a:ext>
-            </a:extLst>
-          </p:cNvPr>
-          <p:cNvPicPr>
-            <a:picLocks noChangeAspect="1"/>
-          </p:cNvPicPr>
-          <p:nvPr/>
-        </p:nvPicPr>
-        <p:blipFill>
-          <a:blip r:embed="rId5">
-            <a:biLevel thresh="75000"/>
-            <a:extLst>
-              <a:ext uri="{28A0092B-C50C-407E-A947-70E740481C1C}">
-                <a14:useLocalDpi xmlns:a14="http://schemas.microsoft.com/office/drawing/2010/main" val="0"/>
-              </a:ext>
-            </a:extLst>
-          </a:blip>
-          <a:stretch>
-            <a:fillRect/>
-          </a:stretch>
-        </p:blipFill>
-        <p:spPr>
-          <a:xfrm>
-            <a:off x="462232" y="4649585"/>
-            <a:ext cx="531440" cy="531440"/>
-          </a:xfrm>
-          <a:prstGeom prst="rect">
-            <a:avLst/>
-          </a:prstGeom>
-        </p:spPr>
-      </p:pic>
-      <p:pic>
-        <p:nvPicPr>
-          <p:cNvPr id="85" name="Picture 84">
-            <a:extLst>
-              <a:ext uri="{FF2B5EF4-FFF2-40B4-BE49-F238E27FC236}">
-                <a16:creationId xmlns:a16="http://schemas.microsoft.com/office/drawing/2014/main" id="{E1E6D68A-5063-4959-88CB-4091EF31FBE4}"/>
-              </a:ext>
-            </a:extLst>
-          </p:cNvPr>
-          <p:cNvPicPr>
-            <a:picLocks noChangeAspect="1"/>
-          </p:cNvPicPr>
-          <p:nvPr/>
-        </p:nvPicPr>
-        <p:blipFill>
-          <a:blip r:embed="rId5">
-            <a:biLevel thresh="75000"/>
-            <a:extLst>
-              <a:ext uri="{28A0092B-C50C-407E-A947-70E740481C1C}">
-                <a14:useLocalDpi xmlns:a14="http://schemas.microsoft.com/office/drawing/2010/main" val="0"/>
-              </a:ext>
-            </a:extLst>
-          </a:blip>
-          <a:stretch>
-            <a:fillRect/>
-          </a:stretch>
-        </p:blipFill>
-        <p:spPr>
-          <a:xfrm>
-            <a:off x="1203593" y="4105832"/>
-            <a:ext cx="531440" cy="531440"/>
-          </a:xfrm>
-          <a:prstGeom prst="rect">
-            <a:avLst/>
-          </a:prstGeom>
-        </p:spPr>
-      </p:pic>
-      <p:sp>
-        <p:nvSpPr>
-          <p:cNvPr id="86" name="Cylinder 85">
-            <a:extLst>
-              <a:ext uri="{FF2B5EF4-FFF2-40B4-BE49-F238E27FC236}">
-                <a16:creationId xmlns:a16="http://schemas.microsoft.com/office/drawing/2014/main" id="{C41DDC24-BDF0-44CD-A5F1-698BB97DB8E2}"/>
-              </a:ext>
-            </a:extLst>
-          </p:cNvPr>
-          <p:cNvSpPr/>
-          <p:nvPr/>
-        </p:nvSpPr>
-        <p:spPr>
-          <a:xfrm>
-            <a:off x="2852841" y="4065441"/>
-            <a:ext cx="363424" cy="483354"/>
-          </a:xfrm>
-          <a:prstGeom prst="can">
-            <a:avLst/>
-          </a:prstGeom>
-          <a:ln>
-            <a:solidFill>
-              <a:schemeClr val="tx1"/>
-            </a:solidFill>
-          </a:ln>
-        </p:spPr>
-        <p:style>
-          <a:lnRef idx="2">
-            <a:schemeClr val="accent1"/>
-          </a:lnRef>
-          <a:fillRef idx="1">
-            <a:schemeClr val="lt1"/>
-          </a:fillRef>
-          <a:effectRef idx="0">
-            <a:schemeClr val="accent1"/>
-          </a:effectRef>
-          <a:fontRef idx="minor">
-            <a:schemeClr val="dk1"/>
-          </a:fontRef>
-        </p:style>
-        <p:txBody>
-          <a:bodyPr rtlCol="0" anchor="ctr"/>
-          <a:lstStyle/>
-          <a:p>
-            <a:pPr algn="ctr"/>
-            <a:endParaRPr lang="en-US"/>
-          </a:p>
-        </p:txBody>
-      </p:sp>
-      <p:sp>
-        <p:nvSpPr>
-          <p:cNvPr id="87" name="Cylinder 86">
-            <a:extLst>
-              <a:ext uri="{FF2B5EF4-FFF2-40B4-BE49-F238E27FC236}">
-                <a16:creationId xmlns:a16="http://schemas.microsoft.com/office/drawing/2014/main" id="{F413E8B2-3681-4254-9795-9ABA912D006B}"/>
-              </a:ext>
-            </a:extLst>
-          </p:cNvPr>
-          <p:cNvSpPr/>
-          <p:nvPr/>
-        </p:nvSpPr>
-        <p:spPr>
-          <a:xfrm>
-            <a:off x="2243089" y="4809130"/>
-            <a:ext cx="363424" cy="483354"/>
-          </a:xfrm>
-          <a:prstGeom prst="can">
-            <a:avLst/>
-          </a:prstGeom>
-          <a:ln>
-            <a:solidFill>
-              <a:schemeClr val="tx1"/>
-            </a:solidFill>
-          </a:ln>
-        </p:spPr>
-        <p:style>
-          <a:lnRef idx="2">
-            <a:schemeClr val="accent1"/>
-          </a:lnRef>
-          <a:fillRef idx="1">
-            <a:schemeClr val="lt1"/>
-          </a:fillRef>
-          <a:effectRef idx="0">
-            <a:schemeClr val="accent1"/>
-          </a:effectRef>
-          <a:fontRef idx="minor">
-            <a:schemeClr val="dk1"/>
-          </a:fontRef>
-        </p:style>
-        <p:txBody>
-          <a:bodyPr rtlCol="0" anchor="ctr"/>
-          <a:lstStyle/>
-          <a:p>
-            <a:pPr algn="ctr"/>
-            <a:endParaRPr lang="en-US"/>
-          </a:p>
-        </p:txBody>
-      </p:sp>
-      <p:pic>
-        <p:nvPicPr>
-          <p:cNvPr id="88" name="Picture 87" descr="A close up of a sign&#10;&#10;Description generated with very high confidence">
-            <a:extLst>
-              <a:ext uri="{FF2B5EF4-FFF2-40B4-BE49-F238E27FC236}">
-                <a16:creationId xmlns:a16="http://schemas.microsoft.com/office/drawing/2014/main" id="{96B3E745-0D0D-4EB4-9A7A-BCFCDA465818}"/>
-              </a:ext>
-            </a:extLst>
-          </p:cNvPr>
-          <p:cNvPicPr>
-            <a:picLocks noChangeAspect="1"/>
-          </p:cNvPicPr>
-          <p:nvPr/>
-        </p:nvPicPr>
-        <p:blipFill>
-          <a:blip r:embed="rId6">
-            <a:biLevel thresh="75000"/>
-            <a:extLst>
-              <a:ext uri="{28A0092B-C50C-407E-A947-70E740481C1C}">
-                <a14:useLocalDpi xmlns:a14="http://schemas.microsoft.com/office/drawing/2010/main" val="0"/>
-              </a:ext>
-            </a:extLst>
-          </a:blip>
-          <a:stretch>
-            <a:fillRect/>
-          </a:stretch>
-        </p:blipFill>
-        <p:spPr>
-          <a:xfrm>
-            <a:off x="1816590" y="3672228"/>
-            <a:ext cx="328096" cy="328096"/>
-          </a:xfrm>
-          <a:prstGeom prst="rect">
-            <a:avLst/>
-          </a:prstGeom>
-        </p:spPr>
-      </p:pic>
-      <p:pic>
-        <p:nvPicPr>
-          <p:cNvPr id="89" name="Picture 88" descr="A close up of a sign&#10;&#10;Description generated with very high confidence">
-            <a:extLst>
-              <a:ext uri="{FF2B5EF4-FFF2-40B4-BE49-F238E27FC236}">
-                <a16:creationId xmlns:a16="http://schemas.microsoft.com/office/drawing/2014/main" id="{1729C9C7-EBCC-43FF-BD94-41E167F9C2CD}"/>
-              </a:ext>
-            </a:extLst>
-          </p:cNvPr>
-          <p:cNvPicPr>
-            <a:picLocks noChangeAspect="1"/>
-          </p:cNvPicPr>
-          <p:nvPr/>
-        </p:nvPicPr>
-        <p:blipFill>
-          <a:blip r:embed="rId6">
-            <a:biLevel thresh="75000"/>
-            <a:extLst>
-              <a:ext uri="{28A0092B-C50C-407E-A947-70E740481C1C}">
-                <a14:useLocalDpi xmlns:a14="http://schemas.microsoft.com/office/drawing/2010/main" val="0"/>
-              </a:ext>
-            </a:extLst>
-          </a:blip>
-          <a:stretch>
-            <a:fillRect/>
-          </a:stretch>
-        </p:blipFill>
-        <p:spPr>
-          <a:xfrm>
-            <a:off x="1811584" y="1982640"/>
-            <a:ext cx="328096" cy="328096"/>
-          </a:xfrm>
-          <a:prstGeom prst="rect">
-            <a:avLst/>
-          </a:prstGeom>
-        </p:spPr>
-      </p:pic>
-      <p:sp>
-        <p:nvSpPr>
-          <p:cNvPr id="90" name="Rectangle 89">
-            <a:extLst>
-              <a:ext uri="{FF2B5EF4-FFF2-40B4-BE49-F238E27FC236}">
-                <a16:creationId xmlns:a16="http://schemas.microsoft.com/office/drawing/2014/main" id="{BC923AA1-9D42-416E-B124-321EC5414865}"/>
-              </a:ext>
-            </a:extLst>
-          </p:cNvPr>
-          <p:cNvSpPr/>
-          <p:nvPr/>
-        </p:nvSpPr>
-        <p:spPr>
-          <a:xfrm>
-            <a:off x="1424738" y="2301190"/>
-            <a:ext cx="1084192" cy="1236078"/>
-          </a:xfrm>
-          <a:prstGeom prst="rect">
-            <a:avLst/>
-          </a:prstGeom>
-          <a:noFill/>
-          <a:ln>
-            <a:solidFill>
-              <a:schemeClr val="tx1"/>
-            </a:solidFill>
-            <a:prstDash val="lgDashDotDot"/>
-          </a:ln>
-        </p:spPr>
-        <p:style>
-          <a:lnRef idx="2">
-            <a:schemeClr val="accent1"/>
-          </a:lnRef>
-          <a:fillRef idx="1">
-            <a:schemeClr val="lt1"/>
-          </a:fillRef>
-          <a:effectRef idx="0">
-            <a:schemeClr val="accent1"/>
-          </a:effectRef>
-          <a:fontRef idx="minor">
-            <a:schemeClr val="dk1"/>
-          </a:fontRef>
-        </p:style>
-        <p:txBody>
-          <a:bodyPr rtlCol="0" anchor="ctr"/>
-          <a:lstStyle/>
-          <a:p>
-            <a:pPr algn="ctr"/>
-            <a:endParaRPr lang="en-US"/>
-          </a:p>
-        </p:txBody>
-      </p:sp>
-      <p:sp>
-        <p:nvSpPr>
-          <p:cNvPr id="91" name="Cylinder 90">
-            <a:extLst>
-              <a:ext uri="{FF2B5EF4-FFF2-40B4-BE49-F238E27FC236}">
-                <a16:creationId xmlns:a16="http://schemas.microsoft.com/office/drawing/2014/main" id="{1BADEDFF-6B6F-4CF0-BB41-7559F715E080}"/>
-              </a:ext>
-            </a:extLst>
-          </p:cNvPr>
-          <p:cNvSpPr/>
-          <p:nvPr/>
-        </p:nvSpPr>
-        <p:spPr>
-          <a:xfrm>
-            <a:off x="1982594" y="2392380"/>
-            <a:ext cx="411181" cy="546871"/>
-          </a:xfrm>
-          <a:prstGeom prst="can">
-            <a:avLst/>
-          </a:prstGeom>
-          <a:ln>
-            <a:solidFill>
-              <a:schemeClr val="tx1"/>
-            </a:solidFill>
-          </a:ln>
-        </p:spPr>
-        <p:style>
-          <a:lnRef idx="2">
-            <a:schemeClr val="accent1"/>
-          </a:lnRef>
-          <a:fillRef idx="1">
-            <a:schemeClr val="lt1"/>
-          </a:fillRef>
-          <a:effectRef idx="0">
-            <a:schemeClr val="accent1"/>
-          </a:effectRef>
-          <a:fontRef idx="minor">
-            <a:schemeClr val="dk1"/>
-          </a:fontRef>
-        </p:style>
-        <p:txBody>
-          <a:bodyPr rtlCol="0" anchor="ctr"/>
-          <a:lstStyle/>
-          <a:p>
-            <a:pPr algn="ctr"/>
-            <a:endParaRPr lang="en-US"/>
-          </a:p>
-        </p:txBody>
-      </p:sp>
-      <p:pic>
-        <p:nvPicPr>
-          <p:cNvPr id="95" name="Picture 94" descr="A close up of a sign&#10;&#10;Description generated with very high confidence">
-            <a:extLst>
-              <a:ext uri="{FF2B5EF4-FFF2-40B4-BE49-F238E27FC236}">
-                <a16:creationId xmlns:a16="http://schemas.microsoft.com/office/drawing/2014/main" id="{62887AB5-F3CF-42F8-B49C-0F2184BB1F06}"/>
-              </a:ext>
-            </a:extLst>
-          </p:cNvPr>
-          <p:cNvPicPr>
-            <a:picLocks noChangeAspect="1"/>
-          </p:cNvPicPr>
-          <p:nvPr/>
-        </p:nvPicPr>
-        <p:blipFill>
-          <a:blip r:embed="rId6">
-            <a:biLevel thresh="75000"/>
-            <a:extLst>
-              <a:ext uri="{28A0092B-C50C-407E-A947-70E740481C1C}">
-                <a14:useLocalDpi xmlns:a14="http://schemas.microsoft.com/office/drawing/2010/main" val="0"/>
-              </a:ext>
-            </a:extLst>
-          </a:blip>
-          <a:stretch>
-            <a:fillRect/>
-          </a:stretch>
-        </p:blipFill>
-        <p:spPr>
-          <a:xfrm>
-            <a:off x="7901050" y="2696022"/>
-            <a:ext cx="328096" cy="328096"/>
-          </a:xfrm>
-          <a:prstGeom prst="rect">
-            <a:avLst/>
-          </a:prstGeom>
-        </p:spPr>
-      </p:pic>
-      <p:pic>
-        <p:nvPicPr>
-          <p:cNvPr id="96" name="Picture 95" descr="A close up of a sign&#10;&#10;Description generated with very high confidence">
-            <a:extLst>
-              <a:ext uri="{FF2B5EF4-FFF2-40B4-BE49-F238E27FC236}">
-                <a16:creationId xmlns:a16="http://schemas.microsoft.com/office/drawing/2014/main" id="{F6D07D3F-BC4A-4B66-8CD0-5D84885D99B1}"/>
-              </a:ext>
-            </a:extLst>
-          </p:cNvPr>
-          <p:cNvPicPr>
-            <a:picLocks noChangeAspect="1"/>
-          </p:cNvPicPr>
-          <p:nvPr/>
-        </p:nvPicPr>
-        <p:blipFill>
-          <a:blip r:embed="rId6">
-            <a:biLevel thresh="75000"/>
-            <a:extLst>
-              <a:ext uri="{28A0092B-C50C-407E-A947-70E740481C1C}">
-                <a14:useLocalDpi xmlns:a14="http://schemas.microsoft.com/office/drawing/2010/main" val="0"/>
-              </a:ext>
-            </a:extLst>
-          </a:blip>
-          <a:stretch>
-            <a:fillRect/>
-          </a:stretch>
-        </p:blipFill>
-        <p:spPr>
-          <a:xfrm>
-            <a:off x="7885637" y="3253272"/>
-            <a:ext cx="328096" cy="328096"/>
-          </a:xfrm>
-          <a:prstGeom prst="rect">
-            <a:avLst/>
-          </a:prstGeom>
-        </p:spPr>
-      </p:pic>
-      <p:pic>
-        <p:nvPicPr>
-          <p:cNvPr id="97" name="Picture 96" descr="A close up of a sign&#10;&#10;Description generated with very high confidence">
-            <a:extLst>
-              <a:ext uri="{FF2B5EF4-FFF2-40B4-BE49-F238E27FC236}">
-                <a16:creationId xmlns:a16="http://schemas.microsoft.com/office/drawing/2014/main" id="{33120584-E6AE-415A-9F5E-794F4BABA22A}"/>
-              </a:ext>
-            </a:extLst>
-          </p:cNvPr>
-          <p:cNvPicPr>
-            <a:picLocks noChangeAspect="1"/>
-          </p:cNvPicPr>
-          <p:nvPr/>
-        </p:nvPicPr>
-        <p:blipFill>
-          <a:blip r:embed="rId6">
-            <a:biLevel thresh="75000"/>
-            <a:extLst>
-              <a:ext uri="{28A0092B-C50C-407E-A947-70E740481C1C}">
-                <a14:useLocalDpi xmlns:a14="http://schemas.microsoft.com/office/drawing/2010/main" val="0"/>
-              </a:ext>
-            </a:extLst>
-          </a:blip>
-          <a:stretch>
-            <a:fillRect/>
-          </a:stretch>
-        </p:blipFill>
-        <p:spPr>
-          <a:xfrm>
-            <a:off x="7905817" y="4380137"/>
-            <a:ext cx="328096" cy="328096"/>
-          </a:xfrm>
-          <a:prstGeom prst="rect">
-            <a:avLst/>
-          </a:prstGeom>
-        </p:spPr>
-      </p:pic>
-      <p:pic>
-        <p:nvPicPr>
-          <p:cNvPr id="98" name="Picture 97" descr="A close up of a sign&#10;&#10;Description generated with very high confidence">
-            <a:extLst>
-              <a:ext uri="{FF2B5EF4-FFF2-40B4-BE49-F238E27FC236}">
-                <a16:creationId xmlns:a16="http://schemas.microsoft.com/office/drawing/2014/main" id="{2A9E94A4-5D05-4889-98BC-5A5F9B2E7258}"/>
-              </a:ext>
-            </a:extLst>
-          </p:cNvPr>
-          <p:cNvPicPr>
-            <a:picLocks noChangeAspect="1"/>
-          </p:cNvPicPr>
-          <p:nvPr/>
-        </p:nvPicPr>
-        <p:blipFill>
-          <a:blip r:embed="rId6">
-            <a:biLevel thresh="75000"/>
-            <a:extLst>
-              <a:ext uri="{28A0092B-C50C-407E-A947-70E740481C1C}">
-                <a14:useLocalDpi xmlns:a14="http://schemas.microsoft.com/office/drawing/2010/main" val="0"/>
-              </a:ext>
-            </a:extLst>
-          </a:blip>
-          <a:stretch>
-            <a:fillRect/>
-          </a:stretch>
-        </p:blipFill>
-        <p:spPr>
-          <a:xfrm>
-            <a:off x="7900052" y="4937387"/>
-            <a:ext cx="328096" cy="328096"/>
-          </a:xfrm>
-          <a:prstGeom prst="rect">
-            <a:avLst/>
-          </a:prstGeom>
-        </p:spPr>
-      </p:pic>
-      <p:sp>
-        <p:nvSpPr>
-          <p:cNvPr id="100" name="TextBox 99">
-            <a:extLst>
-              <a:ext uri="{FF2B5EF4-FFF2-40B4-BE49-F238E27FC236}">
-                <a16:creationId xmlns:a16="http://schemas.microsoft.com/office/drawing/2014/main" id="{ED0943BD-F182-44A5-BCB2-702BB00C8532}"/>
-              </a:ext>
-            </a:extLst>
-          </p:cNvPr>
-          <p:cNvSpPr txBox="1"/>
-          <p:nvPr/>
-        </p:nvSpPr>
-        <p:spPr>
-          <a:xfrm>
-            <a:off x="11512567" y="2644626"/>
-            <a:ext cx="529311" cy="430887"/>
-          </a:xfrm>
-          <a:prstGeom prst="rect">
-            <a:avLst/>
-          </a:prstGeom>
-          <a:noFill/>
-        </p:spPr>
-        <p:txBody>
-          <a:bodyPr wrap="none" rtlCol="0">
-            <a:spAutoFit/>
-          </a:bodyPr>
-          <a:lstStyle/>
-          <a:p>
-            <a:pPr algn="ctr"/>
-            <a:r>
-              <a:rPr lang="en-US" sz="1100" dirty="0"/>
-              <a:t>Public</a:t>
-            </a:r>
-          </a:p>
-          <a:p>
-            <a:pPr algn="ctr"/>
-            <a:r>
-              <a:rPr lang="fr-FR" sz="1100" dirty="0"/>
-              <a:t>I</a:t>
-            </a:r>
-            <a:r>
-              <a:rPr lang="en-US" sz="1100" dirty="0"/>
-              <a:t>P</a:t>
-            </a:r>
-          </a:p>
-        </p:txBody>
-      </p:sp>
-      <p:pic>
-        <p:nvPicPr>
-          <p:cNvPr id="101" name="Picture 100" descr="A close up of a sign&#10;&#10;Description generated with very high confidence">
-            <a:extLst>
-              <a:ext uri="{FF2B5EF4-FFF2-40B4-BE49-F238E27FC236}">
-                <a16:creationId xmlns:a16="http://schemas.microsoft.com/office/drawing/2014/main" id="{28B28B92-F777-4C6C-BCC1-72DC398375C0}"/>
-              </a:ext>
-            </a:extLst>
-          </p:cNvPr>
-          <p:cNvPicPr>
-            <a:picLocks noChangeAspect="1"/>
-          </p:cNvPicPr>
-          <p:nvPr/>
-        </p:nvPicPr>
-        <p:blipFill>
-          <a:blip r:embed="rId6">
-            <a:biLevel thresh="75000"/>
-            <a:extLst>
-              <a:ext uri="{28A0092B-C50C-407E-A947-70E740481C1C}">
-                <a14:useLocalDpi xmlns:a14="http://schemas.microsoft.com/office/drawing/2010/main" val="0"/>
-              </a:ext>
-            </a:extLst>
-          </a:blip>
-          <a:stretch>
-            <a:fillRect/>
-          </a:stretch>
-        </p:blipFill>
-        <p:spPr>
-          <a:xfrm>
-            <a:off x="7893379" y="1154456"/>
-            <a:ext cx="328096" cy="328096"/>
-          </a:xfrm>
-          <a:prstGeom prst="rect">
-            <a:avLst/>
-          </a:prstGeom>
-        </p:spPr>
-      </p:pic>
-      <p:pic>
-        <p:nvPicPr>
-          <p:cNvPr id="99" name="Picture 98" descr="A close up of a sign&#10;&#10;Description generated with very high confidence">
-            <a:extLst>
-              <a:ext uri="{FF2B5EF4-FFF2-40B4-BE49-F238E27FC236}">
-                <a16:creationId xmlns:a16="http://schemas.microsoft.com/office/drawing/2014/main" id="{D2CC7ABB-99F6-4807-8210-52BF028489E1}"/>
-              </a:ext>
-            </a:extLst>
-          </p:cNvPr>
-          <p:cNvPicPr>
-            <a:picLocks noChangeAspect="1"/>
-          </p:cNvPicPr>
-          <p:nvPr/>
-        </p:nvPicPr>
-        <p:blipFill>
-          <a:blip r:embed="rId6">
-            <a:extLst>
-              <a:ext uri="{28A0092B-C50C-407E-A947-70E740481C1C}">
-                <a14:useLocalDpi xmlns:a14="http://schemas.microsoft.com/office/drawing/2010/main" val="0"/>
-              </a:ext>
-            </a:extLst>
-          </a:blip>
-          <a:stretch>
-            <a:fillRect/>
-          </a:stretch>
-        </p:blipFill>
-        <p:spPr>
-          <a:xfrm>
-            <a:off x="11210663" y="2685168"/>
-            <a:ext cx="328096" cy="328096"/>
-          </a:xfrm>
-          <a:prstGeom prst="rect">
-            <a:avLst/>
-          </a:prstGeom>
-        </p:spPr>
-      </p:pic>
-      <p:sp>
-        <p:nvSpPr>
-          <p:cNvPr id="102" name="TextBox 101">
-            <a:extLst>
-              <a:ext uri="{FF2B5EF4-FFF2-40B4-BE49-F238E27FC236}">
-                <a16:creationId xmlns:a16="http://schemas.microsoft.com/office/drawing/2014/main" id="{5074D219-C3AC-471E-9637-1817B83C1998}"/>
-              </a:ext>
-            </a:extLst>
-          </p:cNvPr>
-          <p:cNvSpPr txBox="1"/>
-          <p:nvPr/>
-        </p:nvSpPr>
-        <p:spPr>
-          <a:xfrm>
-            <a:off x="7755934" y="6151969"/>
-            <a:ext cx="602986" cy="307777"/>
-          </a:xfrm>
-          <a:prstGeom prst="rect">
-            <a:avLst/>
-          </a:prstGeom>
-          <a:noFill/>
-        </p:spPr>
-        <p:txBody>
-          <a:bodyPr wrap="none" rtlCol="0">
-            <a:spAutoFit/>
-          </a:bodyPr>
-          <a:lstStyle/>
-          <a:p>
-            <a:r>
-              <a:rPr lang="en-US" sz="1400" dirty="0"/>
-              <a:t>Azure</a:t>
-            </a:r>
-          </a:p>
-        </p:txBody>
-      </p:sp>
     </p:spTree>
     <p:extLst>
       <p:ext uri="{BB962C8B-B14F-4D97-AF65-F5344CB8AC3E}">
